--- a/graphics.pptx
+++ b/graphics.pptx
@@ -6,7 +6,7 @@
     <p:sldMasterId id="2147483663" r:id="rId2"/>
   </p:sldMasterIdLst>
   <p:notesMasterIdLst>
-    <p:notesMasterId r:id="rId10"/>
+    <p:notesMasterId r:id="rId20"/>
   </p:notesMasterIdLst>
   <p:sldIdLst>
     <p:sldId id="256" r:id="rId3"/>
@@ -15,7 +15,17 @@
     <p:sldId id="265" r:id="rId6"/>
     <p:sldId id="267" r:id="rId7"/>
     <p:sldId id="268" r:id="rId8"/>
-    <p:sldId id="266" r:id="rId9"/>
+    <p:sldId id="269" r:id="rId9"/>
+    <p:sldId id="270" r:id="rId10"/>
+    <p:sldId id="271" r:id="rId11"/>
+    <p:sldId id="272" r:id="rId12"/>
+    <p:sldId id="278" r:id="rId13"/>
+    <p:sldId id="273" r:id="rId14"/>
+    <p:sldId id="274" r:id="rId15"/>
+    <p:sldId id="275" r:id="rId16"/>
+    <p:sldId id="276" r:id="rId17"/>
+    <p:sldId id="277" r:id="rId18"/>
+    <p:sldId id="266" r:id="rId19"/>
   </p:sldIdLst>
   <p:sldSz cx="8640763" cy="6480175"/>
   <p:notesSz cx="6858000" cy="9144000"/>
@@ -389,7 +399,7 @@
               <a:pPr>
                 <a:defRPr/>
               </a:pPr>
-              <a:t>28.10.2022</a:t>
+              <a:t>03.02.2023</a:t>
             </a:fld>
             <a:endParaRPr lang="de-DE" altLang="de-DE"/>
           </a:p>
@@ -1061,7 +1071,7 @@
               <a:pPr>
                 <a:defRPr/>
               </a:pPr>
-              <a:t>28.10.2022</a:t>
+              <a:t>03.02.2023</a:t>
             </a:fld>
             <a:endParaRPr lang="de-DE" altLang="de-DE"/>
           </a:p>
@@ -4118,7 +4128,7 @@
             <a:fld id="{0E787D1E-3F06-46AF-A683-FBF877765792}" type="datetime1">
               <a:rPr lang="de-DE" altLang="de-DE" sz="2200"/>
               <a:pPr eaLnBrk="1" hangingPunct="1"/>
-              <a:t>28.10.2022</a:t>
+              <a:t>03.02.2023</a:t>
             </a:fld>
             <a:endParaRPr lang="de-DE" altLang="de-DE" sz="2200"/>
           </a:p>
@@ -4481,6 +4491,1838 @@
           </a:p>
         </p:txBody>
       </p:sp>
+    </p:spTree>
+  </p:cSld>
+  <p:clrMapOvr>
+    <a:masterClrMapping/>
+  </p:clrMapOvr>
+</p:sld>
+</file>
+
+<file path=ppt/slides/slide10.xml><?xml version="1.0" encoding="utf-8"?>
+<p:sld xmlns:a="http://schemas.openxmlformats.org/drawingml/2006/main" xmlns:r="http://schemas.openxmlformats.org/officeDocument/2006/relationships" xmlns:p="http://schemas.openxmlformats.org/presentationml/2006/main">
+  <p:cSld>
+    <p:spTree>
+      <p:nvGrpSpPr>
+        <p:cNvPr id="1" name=""/>
+        <p:cNvGrpSpPr/>
+        <p:nvPr/>
+      </p:nvGrpSpPr>
+      <p:grpSpPr>
+        <a:xfrm>
+          <a:off x="0" y="0"/>
+          <a:ext cx="0" cy="0"/>
+          <a:chOff x="0" y="0"/>
+          <a:chExt cx="0" cy="0"/>
+        </a:xfrm>
+      </p:grpSpPr>
+      <p:sp>
+        <p:nvSpPr>
+          <p:cNvPr id="11281" name="Textfeld 11280">
+            <a:extLst>
+              <a:ext uri="{FF2B5EF4-FFF2-40B4-BE49-F238E27FC236}">
+                <a16:creationId xmlns:a16="http://schemas.microsoft.com/office/drawing/2014/main" id="{E2767A7B-C3C3-002B-A8D5-9635D632F38D}"/>
+              </a:ext>
+            </a:extLst>
+          </p:cNvPr>
+          <p:cNvSpPr txBox="1"/>
+          <p:nvPr/>
+        </p:nvSpPr>
+        <p:spPr>
+          <a:xfrm>
+            <a:off x="6295916" y="2551283"/>
+            <a:ext cx="2066610" cy="276999"/>
+          </a:xfrm>
+          <a:prstGeom prst="rect">
+            <a:avLst/>
+          </a:prstGeom>
+          <a:noFill/>
+        </p:spPr>
+        <p:txBody>
+          <a:bodyPr wrap="square" rtlCol="0">
+            <a:spAutoFit/>
+          </a:bodyPr>
+          <a:lstStyle/>
+          <a:p>
+            <a:pPr algn="ctr"/>
+            <a:r>
+              <a:rPr lang="de-DE" sz="1200" dirty="0">
+                <a:solidFill>
+                  <a:schemeClr val="bg1"/>
+                </a:solidFill>
+                <a:latin typeface="Baskerville Old Face" panose="02020602080505020303" pitchFamily="18" charset="0"/>
+              </a:rPr>
+              <a:t>German S</a:t>
+            </a:r>
+          </a:p>
+        </p:txBody>
+      </p:sp>
+      <p:pic>
+        <p:nvPicPr>
+          <p:cNvPr id="46" name="Grafik 45" descr="Datenbank mit einfarbiger Füllung">
+            <a:extLst>
+              <a:ext uri="{FF2B5EF4-FFF2-40B4-BE49-F238E27FC236}">
+                <a16:creationId xmlns:a16="http://schemas.microsoft.com/office/drawing/2014/main" id="{4A5D92AD-7599-958C-CBA4-331AF359C38C}"/>
+              </a:ext>
+            </a:extLst>
+          </p:cNvPr>
+          <p:cNvPicPr>
+            <a:picLocks noChangeAspect="1"/>
+          </p:cNvPicPr>
+          <p:nvPr/>
+        </p:nvPicPr>
+        <p:blipFill>
+          <a:blip r:embed="rId2">
+            <a:extLst>
+              <a:ext uri="{28A0092B-C50C-407E-A947-70E740481C1C}">
+                <a14:useLocalDpi xmlns:a14="http://schemas.microsoft.com/office/drawing/2010/main" val="0"/>
+              </a:ext>
+              <a:ext uri="{96DAC541-7B7A-43D3-8B79-37D633B846F1}">
+                <asvg:svgBlip xmlns:asvg="http://schemas.microsoft.com/office/drawing/2016/SVG/main" r:embed="rId3"/>
+              </a:ext>
+            </a:extLst>
+          </a:blip>
+          <a:stretch>
+            <a:fillRect/>
+          </a:stretch>
+        </p:blipFill>
+        <p:spPr>
+          <a:xfrm>
+            <a:off x="4212369" y="2952055"/>
+            <a:ext cx="914400" cy="914400"/>
+          </a:xfrm>
+          <a:prstGeom prst="rect">
+            <a:avLst/>
+          </a:prstGeom>
+        </p:spPr>
+      </p:pic>
+      <p:sp>
+        <p:nvSpPr>
+          <p:cNvPr id="48" name="Textfeld 47">
+            <a:extLst>
+              <a:ext uri="{FF2B5EF4-FFF2-40B4-BE49-F238E27FC236}">
+                <a16:creationId xmlns:a16="http://schemas.microsoft.com/office/drawing/2014/main" id="{9E0DE93C-5D75-78B5-9D92-11B0B49F3B29}"/>
+              </a:ext>
+            </a:extLst>
+          </p:cNvPr>
+          <p:cNvSpPr txBox="1"/>
+          <p:nvPr/>
+        </p:nvSpPr>
+        <p:spPr>
+          <a:xfrm>
+            <a:off x="2473855" y="3479812"/>
+            <a:ext cx="1800200" cy="323165"/>
+          </a:xfrm>
+          <a:prstGeom prst="rect">
+            <a:avLst/>
+          </a:prstGeom>
+          <a:noFill/>
+        </p:spPr>
+        <p:txBody>
+          <a:bodyPr wrap="square" rtlCol="0">
+            <a:spAutoFit/>
+          </a:bodyPr>
+          <a:lstStyle/>
+          <a:p>
+            <a:pPr algn="ctr"/>
+            <a:r>
+              <a:rPr lang="de-DE" dirty="0">
+                <a:solidFill>
+                  <a:srgbClr val="0F21C7"/>
+                </a:solidFill>
+                <a:latin typeface="Baskerville Old Face" panose="02020602080505020303" pitchFamily="18" charset="0"/>
+              </a:rPr>
+              <a:t>Lyrics Data </a:t>
+            </a:r>
+          </a:p>
+        </p:txBody>
+      </p:sp>
+      <p:pic>
+        <p:nvPicPr>
+          <p:cNvPr id="49" name="Grafik 48" descr="Internet mit einfarbiger Füllung">
+            <a:extLst>
+              <a:ext uri="{FF2B5EF4-FFF2-40B4-BE49-F238E27FC236}">
+                <a16:creationId xmlns:a16="http://schemas.microsoft.com/office/drawing/2014/main" id="{8B42F004-2321-C749-AFEF-75FDDE5D84BB}"/>
+              </a:ext>
+            </a:extLst>
+          </p:cNvPr>
+          <p:cNvPicPr>
+            <a:picLocks noChangeAspect="1"/>
+          </p:cNvPicPr>
+          <p:nvPr/>
+        </p:nvPicPr>
+        <p:blipFill>
+          <a:blip r:embed="rId4">
+            <a:extLst>
+              <a:ext uri="{28A0092B-C50C-407E-A947-70E740481C1C}">
+                <a14:useLocalDpi xmlns:a14="http://schemas.microsoft.com/office/drawing/2010/main" val="0"/>
+              </a:ext>
+              <a:ext uri="{96DAC541-7B7A-43D3-8B79-37D633B846F1}">
+                <asvg:svgBlip xmlns:asvg="http://schemas.microsoft.com/office/drawing/2016/SVG/main" r:embed="rId5"/>
+              </a:ext>
+            </a:extLst>
+          </a:blip>
+          <a:stretch>
+            <a:fillRect/>
+          </a:stretch>
+        </p:blipFill>
+        <p:spPr>
+          <a:xfrm>
+            <a:off x="1655611" y="3670692"/>
+            <a:ext cx="914400" cy="914400"/>
+          </a:xfrm>
+          <a:prstGeom prst="rect">
+            <a:avLst/>
+          </a:prstGeom>
+        </p:spPr>
+      </p:pic>
+      <p:sp>
+        <p:nvSpPr>
+          <p:cNvPr id="50" name="Textfeld 49">
+            <a:extLst>
+              <a:ext uri="{FF2B5EF4-FFF2-40B4-BE49-F238E27FC236}">
+                <a16:creationId xmlns:a16="http://schemas.microsoft.com/office/drawing/2014/main" id="{32ADEBE8-C6EA-FB33-A250-8F837D5F2CAA}"/>
+              </a:ext>
+            </a:extLst>
+          </p:cNvPr>
+          <p:cNvSpPr txBox="1"/>
+          <p:nvPr/>
+        </p:nvSpPr>
+        <p:spPr>
+          <a:xfrm>
+            <a:off x="1595844" y="3473611"/>
+            <a:ext cx="1129040" cy="324036"/>
+          </a:xfrm>
+          <a:prstGeom prst="rect">
+            <a:avLst/>
+          </a:prstGeom>
+          <a:noFill/>
+        </p:spPr>
+        <p:txBody>
+          <a:bodyPr wrap="square" rtlCol="0">
+            <a:spAutoFit/>
+          </a:bodyPr>
+          <a:lstStyle/>
+          <a:p>
+            <a:r>
+              <a:rPr lang="de-DE" dirty="0" err="1">
+                <a:solidFill>
+                  <a:srgbClr val="4152F1"/>
+                </a:solidFill>
+                <a:latin typeface="Baskerville Old Face" panose="02020602080505020303" pitchFamily="18" charset="0"/>
+              </a:rPr>
+              <a:t>Genuis</a:t>
+            </a:r>
+            <a:r>
+              <a:rPr lang="de-DE" dirty="0">
+                <a:solidFill>
+                  <a:srgbClr val="4152F1"/>
+                </a:solidFill>
+                <a:latin typeface="Baskerville Old Face" panose="02020602080505020303" pitchFamily="18" charset="0"/>
+              </a:rPr>
+              <a:t> API</a:t>
+            </a:r>
+          </a:p>
+        </p:txBody>
+      </p:sp>
+      <p:cxnSp>
+        <p:nvCxnSpPr>
+          <p:cNvPr id="53" name="Gerade Verbindung mit Pfeil 52">
+            <a:extLst>
+              <a:ext uri="{FF2B5EF4-FFF2-40B4-BE49-F238E27FC236}">
+                <a16:creationId xmlns:a16="http://schemas.microsoft.com/office/drawing/2014/main" id="{46925B35-224E-85A8-EBF4-A5813B7658B2}"/>
+              </a:ext>
+            </a:extLst>
+          </p:cNvPr>
+          <p:cNvCxnSpPr>
+            <a:cxnSpLocks/>
+            <a:endCxn id="50" idx="0"/>
+          </p:cNvCxnSpPr>
+          <p:nvPr/>
+        </p:nvCxnSpPr>
+        <p:spPr>
+          <a:xfrm flipH="1">
+            <a:off x="2160364" y="3024048"/>
+            <a:ext cx="771791" cy="449563"/>
+          </a:xfrm>
+          <a:prstGeom prst="straightConnector1">
+            <a:avLst/>
+          </a:prstGeom>
+          <a:ln w="44450">
+            <a:solidFill>
+              <a:srgbClr val="4152F1"/>
+            </a:solidFill>
+            <a:prstDash val="sysDash"/>
+            <a:tailEnd type="triangle"/>
+          </a:ln>
+        </p:spPr>
+        <p:style>
+          <a:lnRef idx="1">
+            <a:schemeClr val="accent1"/>
+          </a:lnRef>
+          <a:fillRef idx="0">
+            <a:schemeClr val="accent1"/>
+          </a:fillRef>
+          <a:effectRef idx="0">
+            <a:schemeClr val="accent1"/>
+          </a:effectRef>
+          <a:fontRef idx="minor">
+            <a:schemeClr val="tx1"/>
+          </a:fontRef>
+        </p:style>
+      </p:cxnSp>
+      <p:cxnSp>
+        <p:nvCxnSpPr>
+          <p:cNvPr id="54" name="Gerade Verbindung mit Pfeil 53">
+            <a:extLst>
+              <a:ext uri="{FF2B5EF4-FFF2-40B4-BE49-F238E27FC236}">
+                <a16:creationId xmlns:a16="http://schemas.microsoft.com/office/drawing/2014/main" id="{F2455F29-BEFC-F653-797E-2B5EE35331DB}"/>
+              </a:ext>
+            </a:extLst>
+          </p:cNvPr>
+          <p:cNvCxnSpPr>
+            <a:cxnSpLocks/>
+          </p:cNvCxnSpPr>
+          <p:nvPr/>
+        </p:nvCxnSpPr>
+        <p:spPr>
+          <a:xfrm>
+            <a:off x="2593746" y="4069790"/>
+            <a:ext cx="275154" cy="0"/>
+          </a:xfrm>
+          <a:prstGeom prst="straightConnector1">
+            <a:avLst/>
+          </a:prstGeom>
+          <a:ln w="44450">
+            <a:solidFill>
+              <a:srgbClr val="0F21C7"/>
+            </a:solidFill>
+            <a:tailEnd type="triangle"/>
+          </a:ln>
+        </p:spPr>
+        <p:style>
+          <a:lnRef idx="1">
+            <a:schemeClr val="accent1"/>
+          </a:lnRef>
+          <a:fillRef idx="0">
+            <a:schemeClr val="accent1"/>
+          </a:fillRef>
+          <a:effectRef idx="0">
+            <a:schemeClr val="accent1"/>
+          </a:effectRef>
+          <a:fontRef idx="minor">
+            <a:schemeClr val="tx1"/>
+          </a:fontRef>
+        </p:style>
+      </p:cxnSp>
+      <p:cxnSp>
+        <p:nvCxnSpPr>
+          <p:cNvPr id="55" name="Gerade Verbindung mit Pfeil 54">
+            <a:extLst>
+              <a:ext uri="{FF2B5EF4-FFF2-40B4-BE49-F238E27FC236}">
+                <a16:creationId xmlns:a16="http://schemas.microsoft.com/office/drawing/2014/main" id="{D3F406B9-A655-8BF7-CA24-B841E2B16ADD}"/>
+              </a:ext>
+            </a:extLst>
+          </p:cNvPr>
+          <p:cNvCxnSpPr>
+            <a:cxnSpLocks/>
+          </p:cNvCxnSpPr>
+          <p:nvPr/>
+        </p:nvCxnSpPr>
+        <p:spPr>
+          <a:xfrm>
+            <a:off x="3829206" y="2974228"/>
+            <a:ext cx="439870" cy="295434"/>
+          </a:xfrm>
+          <a:prstGeom prst="straightConnector1">
+            <a:avLst/>
+          </a:prstGeom>
+          <a:ln w="44450">
+            <a:solidFill>
+              <a:srgbClr val="0F21C7"/>
+            </a:solidFill>
+            <a:tailEnd type="triangle"/>
+          </a:ln>
+        </p:spPr>
+        <p:style>
+          <a:lnRef idx="1">
+            <a:schemeClr val="accent1"/>
+          </a:lnRef>
+          <a:fillRef idx="0">
+            <a:schemeClr val="accent1"/>
+          </a:fillRef>
+          <a:effectRef idx="0">
+            <a:schemeClr val="accent1"/>
+          </a:effectRef>
+          <a:fontRef idx="minor">
+            <a:schemeClr val="tx1"/>
+          </a:fontRef>
+        </p:style>
+      </p:cxnSp>
+      <p:sp>
+        <p:nvSpPr>
+          <p:cNvPr id="56" name="Textfeld 55">
+            <a:extLst>
+              <a:ext uri="{FF2B5EF4-FFF2-40B4-BE49-F238E27FC236}">
+                <a16:creationId xmlns:a16="http://schemas.microsoft.com/office/drawing/2014/main" id="{0E3250CB-EA42-5D1F-C986-6CB77DA9AB94}"/>
+              </a:ext>
+            </a:extLst>
+          </p:cNvPr>
+          <p:cNvSpPr txBox="1"/>
+          <p:nvPr/>
+        </p:nvSpPr>
+        <p:spPr>
+          <a:xfrm>
+            <a:off x="4149639" y="2413354"/>
+            <a:ext cx="1049138" cy="553998"/>
+          </a:xfrm>
+          <a:prstGeom prst="rect">
+            <a:avLst/>
+          </a:prstGeom>
+          <a:noFill/>
+        </p:spPr>
+        <p:txBody>
+          <a:bodyPr wrap="square" rtlCol="0">
+            <a:spAutoFit/>
+          </a:bodyPr>
+          <a:lstStyle/>
+          <a:p>
+            <a:pPr algn="ctr"/>
+            <a:r>
+              <a:rPr lang="de-DE" dirty="0">
+                <a:solidFill>
+                  <a:srgbClr val="040936"/>
+                </a:solidFill>
+                <a:latin typeface="Baskerville Old Face" panose="02020602080505020303" pitchFamily="18" charset="0"/>
+              </a:rPr>
+              <a:t>Final Raw </a:t>
+            </a:r>
+          </a:p>
+          <a:p>
+            <a:pPr algn="ctr"/>
+            <a:r>
+              <a:rPr lang="de-DE" dirty="0">
+                <a:solidFill>
+                  <a:srgbClr val="040936"/>
+                </a:solidFill>
+                <a:latin typeface="Baskerville Old Face" panose="02020602080505020303" pitchFamily="18" charset="0"/>
+              </a:rPr>
+              <a:t>Data</a:t>
+            </a:r>
+          </a:p>
+        </p:txBody>
+      </p:sp>
+      <p:cxnSp>
+        <p:nvCxnSpPr>
+          <p:cNvPr id="58" name="Gerade Verbindung mit Pfeil 57">
+            <a:extLst>
+              <a:ext uri="{FF2B5EF4-FFF2-40B4-BE49-F238E27FC236}">
+                <a16:creationId xmlns:a16="http://schemas.microsoft.com/office/drawing/2014/main" id="{7CFDAB8E-C071-C54C-4D7E-078C7D5128B1}"/>
+              </a:ext>
+            </a:extLst>
+          </p:cNvPr>
+          <p:cNvCxnSpPr>
+            <a:cxnSpLocks/>
+          </p:cNvCxnSpPr>
+          <p:nvPr/>
+        </p:nvCxnSpPr>
+        <p:spPr>
+          <a:xfrm flipV="1">
+            <a:off x="3812359" y="3750640"/>
+            <a:ext cx="472475" cy="355402"/>
+          </a:xfrm>
+          <a:prstGeom prst="straightConnector1">
+            <a:avLst/>
+          </a:prstGeom>
+          <a:ln w="44450">
+            <a:solidFill>
+              <a:srgbClr val="0F21C7"/>
+            </a:solidFill>
+            <a:tailEnd type="triangle"/>
+          </a:ln>
+        </p:spPr>
+        <p:style>
+          <a:lnRef idx="1">
+            <a:schemeClr val="accent1"/>
+          </a:lnRef>
+          <a:fillRef idx="0">
+            <a:schemeClr val="accent1"/>
+          </a:fillRef>
+          <a:effectRef idx="0">
+            <a:schemeClr val="accent1"/>
+          </a:effectRef>
+          <a:fontRef idx="minor">
+            <a:schemeClr val="tx1"/>
+          </a:fontRef>
+        </p:style>
+      </p:cxnSp>
+      <p:sp>
+        <p:nvSpPr>
+          <p:cNvPr id="59" name="Rechteck 58">
+            <a:extLst>
+              <a:ext uri="{FF2B5EF4-FFF2-40B4-BE49-F238E27FC236}">
+                <a16:creationId xmlns:a16="http://schemas.microsoft.com/office/drawing/2014/main" id="{AE1F2AAF-D2C2-428F-12DD-D01259720B29}"/>
+              </a:ext>
+            </a:extLst>
+          </p:cNvPr>
+          <p:cNvSpPr/>
+          <p:nvPr/>
+        </p:nvSpPr>
+        <p:spPr>
+          <a:xfrm>
+            <a:off x="2996748" y="3865012"/>
+            <a:ext cx="724630" cy="535216"/>
+          </a:xfrm>
+          <a:prstGeom prst="rect">
+            <a:avLst/>
+          </a:prstGeom>
+          <a:noFill/>
+          <a:ln w="50800">
+            <a:solidFill>
+              <a:srgbClr val="0F21C7"/>
+            </a:solidFill>
+          </a:ln>
+        </p:spPr>
+        <p:style>
+          <a:lnRef idx="2">
+            <a:schemeClr val="accent1">
+              <a:shade val="50000"/>
+            </a:schemeClr>
+          </a:lnRef>
+          <a:fillRef idx="1">
+            <a:schemeClr val="accent1"/>
+          </a:fillRef>
+          <a:effectRef idx="0">
+            <a:schemeClr val="accent1"/>
+          </a:effectRef>
+          <a:fontRef idx="minor">
+            <a:schemeClr val="lt1"/>
+          </a:fontRef>
+        </p:style>
+        <p:txBody>
+          <a:bodyPr rtlCol="0" anchor="ctr"/>
+          <a:lstStyle/>
+          <a:p>
+            <a:pPr algn="ctr"/>
+            <a:endParaRPr lang="de-DE"/>
+          </a:p>
+        </p:txBody>
+      </p:sp>
+      <p:pic>
+        <p:nvPicPr>
+          <p:cNvPr id="61" name="Grafik 60" descr="Musiknoten mit einfarbiger Füllung">
+            <a:extLst>
+              <a:ext uri="{FF2B5EF4-FFF2-40B4-BE49-F238E27FC236}">
+                <a16:creationId xmlns:a16="http://schemas.microsoft.com/office/drawing/2014/main" id="{97505E6A-913D-833C-BC53-C00CF6D2A8A2}"/>
+              </a:ext>
+            </a:extLst>
+          </p:cNvPr>
+          <p:cNvPicPr>
+            <a:picLocks noChangeAspect="1"/>
+          </p:cNvPicPr>
+          <p:nvPr/>
+        </p:nvPicPr>
+        <p:blipFill>
+          <a:blip r:embed="rId6">
+            <a:extLst>
+              <a:ext uri="{28A0092B-C50C-407E-A947-70E740481C1C}">
+                <a14:useLocalDpi xmlns:a14="http://schemas.microsoft.com/office/drawing/2010/main" val="0"/>
+              </a:ext>
+              <a:ext uri="{96DAC541-7B7A-43D3-8B79-37D633B846F1}">
+                <asvg:svgBlip xmlns:asvg="http://schemas.microsoft.com/office/drawing/2016/SVG/main" r:embed="rId7"/>
+              </a:ext>
+            </a:extLst>
+          </a:blip>
+          <a:stretch>
+            <a:fillRect/>
+          </a:stretch>
+        </p:blipFill>
+        <p:spPr>
+          <a:xfrm>
+            <a:off x="3069523" y="3865012"/>
+            <a:ext cx="564391" cy="564391"/>
+          </a:xfrm>
+          <a:prstGeom prst="rect">
+            <a:avLst/>
+          </a:prstGeom>
+        </p:spPr>
+      </p:pic>
+    </p:spTree>
+    <p:extLst>
+      <p:ext uri="{BB962C8B-B14F-4D97-AF65-F5344CB8AC3E}">
+        <p14:creationId xmlns:p14="http://schemas.microsoft.com/office/powerpoint/2010/main" val="2144340634"/>
+      </p:ext>
+    </p:extLst>
+  </p:cSld>
+  <p:clrMapOvr>
+    <a:masterClrMapping/>
+  </p:clrMapOvr>
+</p:sld>
+</file>
+
+<file path=ppt/slides/slide11.xml><?xml version="1.0" encoding="utf-8"?>
+<p:sld xmlns:a="http://schemas.openxmlformats.org/drawingml/2006/main" xmlns:r="http://schemas.openxmlformats.org/officeDocument/2006/relationships" xmlns:p="http://schemas.openxmlformats.org/presentationml/2006/main">
+  <p:cSld>
+    <p:spTree>
+      <p:nvGrpSpPr>
+        <p:cNvPr id="1" name=""/>
+        <p:cNvGrpSpPr/>
+        <p:nvPr/>
+      </p:nvGrpSpPr>
+      <p:grpSpPr>
+        <a:xfrm>
+          <a:off x="0" y="0"/>
+          <a:ext cx="0" cy="0"/>
+          <a:chOff x="0" y="0"/>
+          <a:chExt cx="0" cy="0"/>
+        </a:xfrm>
+      </p:grpSpPr>
+      <p:pic>
+        <p:nvPicPr>
+          <p:cNvPr id="2" name="Grafik 1" descr="Datenbank mit einfarbiger Füllung">
+            <a:extLst>
+              <a:ext uri="{FF2B5EF4-FFF2-40B4-BE49-F238E27FC236}">
+                <a16:creationId xmlns:a16="http://schemas.microsoft.com/office/drawing/2014/main" id="{D5AB596B-60FA-98CE-3C92-B58ADA466070}"/>
+              </a:ext>
+            </a:extLst>
+          </p:cNvPr>
+          <p:cNvPicPr>
+            <a:picLocks noChangeAspect="1"/>
+          </p:cNvPicPr>
+          <p:nvPr/>
+        </p:nvPicPr>
+        <p:blipFill>
+          <a:blip r:embed="rId2">
+            <a:extLst>
+              <a:ext uri="{28A0092B-C50C-407E-A947-70E740481C1C}">
+                <a14:useLocalDpi xmlns:a14="http://schemas.microsoft.com/office/drawing/2010/main" val="0"/>
+              </a:ext>
+              <a:ext uri="{96DAC541-7B7A-43D3-8B79-37D633B846F1}">
+                <asvg:svgBlip xmlns:asvg="http://schemas.microsoft.com/office/drawing/2016/SVG/main" r:embed="rId3"/>
+              </a:ext>
+            </a:extLst>
+          </a:blip>
+          <a:stretch>
+            <a:fillRect/>
+          </a:stretch>
+        </p:blipFill>
+        <p:spPr>
+          <a:xfrm>
+            <a:off x="4455119" y="2734672"/>
+            <a:ext cx="914400" cy="914400"/>
+          </a:xfrm>
+          <a:prstGeom prst="rect">
+            <a:avLst/>
+          </a:prstGeom>
+        </p:spPr>
+      </p:pic>
+      <p:sp>
+        <p:nvSpPr>
+          <p:cNvPr id="3" name="Textfeld 2">
+            <a:extLst>
+              <a:ext uri="{FF2B5EF4-FFF2-40B4-BE49-F238E27FC236}">
+                <a16:creationId xmlns:a16="http://schemas.microsoft.com/office/drawing/2014/main" id="{D23BA0D4-7FB2-2CBE-B0D2-A752074EE928}"/>
+              </a:ext>
+            </a:extLst>
+          </p:cNvPr>
+          <p:cNvSpPr txBox="1"/>
+          <p:nvPr/>
+        </p:nvSpPr>
+        <p:spPr>
+          <a:xfrm>
+            <a:off x="4392389" y="2195971"/>
+            <a:ext cx="1049138" cy="553998"/>
+          </a:xfrm>
+          <a:prstGeom prst="rect">
+            <a:avLst/>
+          </a:prstGeom>
+          <a:noFill/>
+        </p:spPr>
+        <p:txBody>
+          <a:bodyPr wrap="square" rtlCol="0">
+            <a:spAutoFit/>
+          </a:bodyPr>
+          <a:lstStyle/>
+          <a:p>
+            <a:pPr algn="ctr"/>
+            <a:r>
+              <a:rPr lang="de-DE" dirty="0">
+                <a:solidFill>
+                  <a:srgbClr val="040936"/>
+                </a:solidFill>
+                <a:latin typeface="Baskerville Old Face" panose="02020602080505020303" pitchFamily="18" charset="0"/>
+              </a:rPr>
+              <a:t>Final Raw </a:t>
+            </a:r>
+          </a:p>
+          <a:p>
+            <a:pPr algn="ctr"/>
+            <a:r>
+              <a:rPr lang="de-DE" dirty="0">
+                <a:solidFill>
+                  <a:srgbClr val="040936"/>
+                </a:solidFill>
+                <a:latin typeface="Baskerville Old Face" panose="02020602080505020303" pitchFamily="18" charset="0"/>
+              </a:rPr>
+              <a:t>Data</a:t>
+            </a:r>
+          </a:p>
+        </p:txBody>
+      </p:sp>
+      <p:cxnSp>
+        <p:nvCxnSpPr>
+          <p:cNvPr id="4" name="Gerade Verbindung mit Pfeil 3">
+            <a:extLst>
+              <a:ext uri="{FF2B5EF4-FFF2-40B4-BE49-F238E27FC236}">
+                <a16:creationId xmlns:a16="http://schemas.microsoft.com/office/drawing/2014/main" id="{8DAF6979-14B1-BB77-8556-E97D9546199F}"/>
+              </a:ext>
+            </a:extLst>
+          </p:cNvPr>
+          <p:cNvCxnSpPr>
+            <a:cxnSpLocks/>
+          </p:cNvCxnSpPr>
+          <p:nvPr/>
+        </p:nvCxnSpPr>
+        <p:spPr>
+          <a:xfrm flipV="1">
+            <a:off x="4055109" y="3533257"/>
+            <a:ext cx="472475" cy="355402"/>
+          </a:xfrm>
+          <a:prstGeom prst="straightConnector1">
+            <a:avLst/>
+          </a:prstGeom>
+          <a:ln w="44450">
+            <a:solidFill>
+              <a:srgbClr val="0F21C7"/>
+            </a:solidFill>
+            <a:tailEnd type="triangle"/>
+          </a:ln>
+        </p:spPr>
+        <p:style>
+          <a:lnRef idx="1">
+            <a:schemeClr val="accent1"/>
+          </a:lnRef>
+          <a:fillRef idx="0">
+            <a:schemeClr val="accent1"/>
+          </a:fillRef>
+          <a:effectRef idx="0">
+            <a:schemeClr val="accent1"/>
+          </a:effectRef>
+          <a:fontRef idx="minor">
+            <a:schemeClr val="tx1"/>
+          </a:fontRef>
+        </p:style>
+      </p:cxnSp>
+    </p:spTree>
+    <p:extLst>
+      <p:ext uri="{BB962C8B-B14F-4D97-AF65-F5344CB8AC3E}">
+        <p14:creationId xmlns:p14="http://schemas.microsoft.com/office/powerpoint/2010/main" val="793225416"/>
+      </p:ext>
+    </p:extLst>
+  </p:cSld>
+  <p:clrMapOvr>
+    <a:masterClrMapping/>
+  </p:clrMapOvr>
+</p:sld>
+</file>
+
+<file path=ppt/slides/slide12.xml><?xml version="1.0" encoding="utf-8"?>
+<p:sld xmlns:a="http://schemas.openxmlformats.org/drawingml/2006/main" xmlns:r="http://schemas.openxmlformats.org/officeDocument/2006/relationships" xmlns:p="http://schemas.openxmlformats.org/presentationml/2006/main">
+  <p:cSld>
+    <p:spTree>
+      <p:nvGrpSpPr>
+        <p:cNvPr id="1" name=""/>
+        <p:cNvGrpSpPr/>
+        <p:nvPr/>
+      </p:nvGrpSpPr>
+      <p:grpSpPr>
+        <a:xfrm>
+          <a:off x="0" y="0"/>
+          <a:ext cx="0" cy="0"/>
+          <a:chOff x="0" y="0"/>
+          <a:chExt cx="0" cy="0"/>
+        </a:xfrm>
+      </p:grpSpPr>
+      <p:cxnSp>
+        <p:nvCxnSpPr>
+          <p:cNvPr id="37" name="Gerade Verbindung mit Pfeil 36">
+            <a:extLst>
+              <a:ext uri="{FF2B5EF4-FFF2-40B4-BE49-F238E27FC236}">
+                <a16:creationId xmlns:a16="http://schemas.microsoft.com/office/drawing/2014/main" id="{35EB7EFB-6885-450A-1988-39686F8EA33E}"/>
+              </a:ext>
+            </a:extLst>
+          </p:cNvPr>
+          <p:cNvCxnSpPr>
+            <a:cxnSpLocks/>
+          </p:cNvCxnSpPr>
+          <p:nvPr/>
+        </p:nvCxnSpPr>
+        <p:spPr>
+          <a:xfrm>
+            <a:off x="3138571" y="3025198"/>
+            <a:ext cx="425726" cy="0"/>
+          </a:xfrm>
+          <a:prstGeom prst="straightConnector1">
+            <a:avLst/>
+          </a:prstGeom>
+          <a:ln w="44450">
+            <a:solidFill>
+              <a:srgbClr val="040936"/>
+            </a:solidFill>
+            <a:tailEnd type="triangle"/>
+          </a:ln>
+        </p:spPr>
+        <p:style>
+          <a:lnRef idx="1">
+            <a:schemeClr val="accent1"/>
+          </a:lnRef>
+          <a:fillRef idx="0">
+            <a:schemeClr val="accent1"/>
+          </a:fillRef>
+          <a:effectRef idx="0">
+            <a:schemeClr val="accent1"/>
+          </a:effectRef>
+          <a:fontRef idx="minor">
+            <a:schemeClr val="tx1"/>
+          </a:fontRef>
+        </p:style>
+      </p:cxnSp>
+      <p:sp>
+        <p:nvSpPr>
+          <p:cNvPr id="8" name="Zylinder 7">
+            <a:extLst>
+              <a:ext uri="{FF2B5EF4-FFF2-40B4-BE49-F238E27FC236}">
+                <a16:creationId xmlns:a16="http://schemas.microsoft.com/office/drawing/2014/main" id="{9E30A89F-38E2-3BA2-ABF7-063E73C7CB39}"/>
+              </a:ext>
+            </a:extLst>
+          </p:cNvPr>
+          <p:cNvSpPr/>
+          <p:nvPr/>
+        </p:nvSpPr>
+        <p:spPr>
+          <a:xfrm rot="5400000">
+            <a:off x="4309456" y="2068335"/>
+            <a:ext cx="646646" cy="1982038"/>
+          </a:xfrm>
+          <a:prstGeom prst="can">
+            <a:avLst/>
+          </a:prstGeom>
+          <a:solidFill>
+            <a:srgbClr val="040936"/>
+          </a:solidFill>
+          <a:ln>
+            <a:solidFill>
+              <a:srgbClr val="36060A"/>
+            </a:solidFill>
+          </a:ln>
+        </p:spPr>
+        <p:style>
+          <a:lnRef idx="2">
+            <a:schemeClr val="accent1">
+              <a:shade val="50000"/>
+            </a:schemeClr>
+          </a:lnRef>
+          <a:fillRef idx="1">
+            <a:schemeClr val="accent1"/>
+          </a:fillRef>
+          <a:effectRef idx="0">
+            <a:schemeClr val="accent1"/>
+          </a:effectRef>
+          <a:fontRef idx="minor">
+            <a:schemeClr val="lt1"/>
+          </a:fontRef>
+        </p:style>
+        <p:txBody>
+          <a:bodyPr rtlCol="0" anchor="ctr"/>
+          <a:lstStyle/>
+          <a:p>
+            <a:pPr algn="ctr"/>
+            <a:endParaRPr lang="de-DE">
+              <a:solidFill>
+                <a:srgbClr val="590D08"/>
+              </a:solidFill>
+              <a:latin typeface="Baskerville Old Face" panose="02020602080505020303" pitchFamily="18" charset="0"/>
+            </a:endParaRPr>
+          </a:p>
+        </p:txBody>
+      </p:sp>
+      <p:sp>
+        <p:nvSpPr>
+          <p:cNvPr id="12" name="Textfeld 11">
+            <a:extLst>
+              <a:ext uri="{FF2B5EF4-FFF2-40B4-BE49-F238E27FC236}">
+                <a16:creationId xmlns:a16="http://schemas.microsoft.com/office/drawing/2014/main" id="{86E42542-F16F-BE48-191F-AF1028871529}"/>
+              </a:ext>
+            </a:extLst>
+          </p:cNvPr>
+          <p:cNvSpPr txBox="1"/>
+          <p:nvPr/>
+        </p:nvSpPr>
+        <p:spPr>
+          <a:xfrm>
+            <a:off x="3708313" y="2859102"/>
+            <a:ext cx="1797087" cy="323165"/>
+          </a:xfrm>
+          <a:prstGeom prst="rect">
+            <a:avLst/>
+          </a:prstGeom>
+          <a:noFill/>
+        </p:spPr>
+        <p:txBody>
+          <a:bodyPr wrap="square" rtlCol="0">
+            <a:spAutoFit/>
+          </a:bodyPr>
+          <a:lstStyle/>
+          <a:p>
+            <a:pPr algn="ctr"/>
+            <a:r>
+              <a:rPr lang="de-DE" dirty="0" err="1">
+                <a:solidFill>
+                  <a:schemeClr val="bg1"/>
+                </a:solidFill>
+                <a:latin typeface="Baskerville Old Face" panose="02020602080505020303" pitchFamily="18" charset="0"/>
+              </a:rPr>
+              <a:t>Preprocessing</a:t>
+            </a:r>
+            <a:endParaRPr lang="de-DE" dirty="0">
+              <a:solidFill>
+                <a:schemeClr val="bg1"/>
+              </a:solidFill>
+              <a:latin typeface="Baskerville Old Face" panose="02020602080505020303" pitchFamily="18" charset="0"/>
+            </a:endParaRPr>
+          </a:p>
+        </p:txBody>
+      </p:sp>
+    </p:spTree>
+    <p:extLst>
+      <p:ext uri="{BB962C8B-B14F-4D97-AF65-F5344CB8AC3E}">
+        <p14:creationId xmlns:p14="http://schemas.microsoft.com/office/powerpoint/2010/main" val="3638330685"/>
+      </p:ext>
+    </p:extLst>
+  </p:cSld>
+  <p:clrMapOvr>
+    <a:masterClrMapping/>
+  </p:clrMapOvr>
+</p:sld>
+</file>
+
+<file path=ppt/slides/slide13.xml><?xml version="1.0" encoding="utf-8"?>
+<p:sld xmlns:a="http://schemas.openxmlformats.org/drawingml/2006/main" xmlns:r="http://schemas.openxmlformats.org/officeDocument/2006/relationships" xmlns:p="http://schemas.openxmlformats.org/presentationml/2006/main">
+  <p:cSld>
+    <p:spTree>
+      <p:nvGrpSpPr>
+        <p:cNvPr id="1" name=""/>
+        <p:cNvGrpSpPr/>
+        <p:nvPr/>
+      </p:nvGrpSpPr>
+      <p:grpSpPr>
+        <a:xfrm>
+          <a:off x="0" y="0"/>
+          <a:ext cx="0" cy="0"/>
+          <a:chOff x="0" y="0"/>
+          <a:chExt cx="0" cy="0"/>
+        </a:xfrm>
+      </p:grpSpPr>
+      <p:sp>
+        <p:nvSpPr>
+          <p:cNvPr id="2" name="Zylinder 1">
+            <a:extLst>
+              <a:ext uri="{FF2B5EF4-FFF2-40B4-BE49-F238E27FC236}">
+                <a16:creationId xmlns:a16="http://schemas.microsoft.com/office/drawing/2014/main" id="{FCCA07C1-FEE8-8921-023D-ADB63997F7F7}"/>
+              </a:ext>
+            </a:extLst>
+          </p:cNvPr>
+          <p:cNvSpPr/>
+          <p:nvPr/>
+        </p:nvSpPr>
+        <p:spPr>
+          <a:xfrm rot="5400000">
+            <a:off x="3544119" y="703981"/>
+            <a:ext cx="771729" cy="2171534"/>
+          </a:xfrm>
+          <a:prstGeom prst="can">
+            <a:avLst/>
+          </a:prstGeom>
+          <a:solidFill>
+            <a:srgbClr val="0F21C7"/>
+          </a:solidFill>
+          <a:ln>
+            <a:solidFill>
+              <a:srgbClr val="040936"/>
+            </a:solidFill>
+          </a:ln>
+        </p:spPr>
+        <p:style>
+          <a:lnRef idx="2">
+            <a:schemeClr val="accent1">
+              <a:shade val="50000"/>
+            </a:schemeClr>
+          </a:lnRef>
+          <a:fillRef idx="1">
+            <a:schemeClr val="accent1"/>
+          </a:fillRef>
+          <a:effectRef idx="0">
+            <a:schemeClr val="accent1"/>
+          </a:effectRef>
+          <a:fontRef idx="minor">
+            <a:schemeClr val="lt1"/>
+          </a:fontRef>
+        </p:style>
+        <p:txBody>
+          <a:bodyPr rtlCol="0" anchor="ctr"/>
+          <a:lstStyle/>
+          <a:p>
+            <a:pPr algn="ctr"/>
+            <a:endParaRPr lang="de-DE">
+              <a:latin typeface="Baskerville Old Face" panose="02020602080505020303" pitchFamily="18" charset="0"/>
+            </a:endParaRPr>
+          </a:p>
+        </p:txBody>
+      </p:sp>
+      <p:cxnSp>
+        <p:nvCxnSpPr>
+          <p:cNvPr id="4" name="Gerade Verbindung mit Pfeil 3">
+            <a:extLst>
+              <a:ext uri="{FF2B5EF4-FFF2-40B4-BE49-F238E27FC236}">
+                <a16:creationId xmlns:a16="http://schemas.microsoft.com/office/drawing/2014/main" id="{838ABEDD-AFB4-AB60-BE27-7DB65D97CB6B}"/>
+              </a:ext>
+            </a:extLst>
+          </p:cNvPr>
+          <p:cNvCxnSpPr>
+            <a:cxnSpLocks/>
+          </p:cNvCxnSpPr>
+          <p:nvPr/>
+        </p:nvCxnSpPr>
+        <p:spPr>
+          <a:xfrm flipV="1">
+            <a:off x="2314770" y="2021202"/>
+            <a:ext cx="416069" cy="771730"/>
+          </a:xfrm>
+          <a:prstGeom prst="straightConnector1">
+            <a:avLst/>
+          </a:prstGeom>
+          <a:ln w="44450">
+            <a:solidFill>
+              <a:srgbClr val="0F21C7"/>
+            </a:solidFill>
+            <a:tailEnd type="triangle"/>
+          </a:ln>
+        </p:spPr>
+        <p:style>
+          <a:lnRef idx="1">
+            <a:schemeClr val="accent1"/>
+          </a:lnRef>
+          <a:fillRef idx="0">
+            <a:schemeClr val="accent1"/>
+          </a:fillRef>
+          <a:effectRef idx="0">
+            <a:schemeClr val="accent1"/>
+          </a:effectRef>
+          <a:fontRef idx="minor">
+            <a:schemeClr val="tx1"/>
+          </a:fontRef>
+        </p:style>
+      </p:cxnSp>
+      <p:sp>
+        <p:nvSpPr>
+          <p:cNvPr id="6" name="Textfeld 5">
+            <a:extLst>
+              <a:ext uri="{FF2B5EF4-FFF2-40B4-BE49-F238E27FC236}">
+                <a16:creationId xmlns:a16="http://schemas.microsoft.com/office/drawing/2014/main" id="{E4E13CAA-24A1-D15F-B414-BC72933C7CAB}"/>
+              </a:ext>
+            </a:extLst>
+          </p:cNvPr>
+          <p:cNvSpPr txBox="1"/>
+          <p:nvPr/>
+        </p:nvSpPr>
+        <p:spPr>
+          <a:xfrm>
+            <a:off x="3044793" y="1474688"/>
+            <a:ext cx="1563287" cy="553998"/>
+          </a:xfrm>
+          <a:prstGeom prst="rect">
+            <a:avLst/>
+          </a:prstGeom>
+          <a:noFill/>
+        </p:spPr>
+        <p:txBody>
+          <a:bodyPr wrap="square" rtlCol="0">
+            <a:spAutoFit/>
+          </a:bodyPr>
+          <a:lstStyle/>
+          <a:p>
+            <a:pPr algn="ctr"/>
+            <a:r>
+              <a:rPr lang="de-DE" dirty="0" err="1">
+                <a:solidFill>
+                  <a:schemeClr val="bg1"/>
+                </a:solidFill>
+                <a:latin typeface="Baskerville Old Face" panose="02020602080505020303" pitchFamily="18" charset="0"/>
+              </a:rPr>
+              <a:t>Occurences</a:t>
+            </a:r>
+            <a:r>
+              <a:rPr lang="de-DE" dirty="0">
+                <a:solidFill>
+                  <a:schemeClr val="bg1"/>
+                </a:solidFill>
+                <a:latin typeface="Baskerville Old Face" panose="02020602080505020303" pitchFamily="18" charset="0"/>
+              </a:rPr>
+              <a:t> Check</a:t>
+            </a:r>
+          </a:p>
+        </p:txBody>
+      </p:sp>
+    </p:spTree>
+    <p:extLst>
+      <p:ext uri="{BB962C8B-B14F-4D97-AF65-F5344CB8AC3E}">
+        <p14:creationId xmlns:p14="http://schemas.microsoft.com/office/powerpoint/2010/main" val="608578572"/>
+      </p:ext>
+    </p:extLst>
+  </p:cSld>
+  <p:clrMapOvr>
+    <a:masterClrMapping/>
+  </p:clrMapOvr>
+</p:sld>
+</file>
+
+<file path=ppt/slides/slide14.xml><?xml version="1.0" encoding="utf-8"?>
+<p:sld xmlns:a="http://schemas.openxmlformats.org/drawingml/2006/main" xmlns:r="http://schemas.openxmlformats.org/officeDocument/2006/relationships" xmlns:p="http://schemas.openxmlformats.org/presentationml/2006/main">
+  <p:cSld>
+    <p:spTree>
+      <p:nvGrpSpPr>
+        <p:cNvPr id="1" name=""/>
+        <p:cNvGrpSpPr/>
+        <p:nvPr/>
+      </p:nvGrpSpPr>
+      <p:grpSpPr>
+        <a:xfrm>
+          <a:off x="0" y="0"/>
+          <a:ext cx="0" cy="0"/>
+          <a:chOff x="0" y="0"/>
+          <a:chExt cx="0" cy="0"/>
+        </a:xfrm>
+      </p:grpSpPr>
+      <p:cxnSp>
+        <p:nvCxnSpPr>
+          <p:cNvPr id="3" name="Gerade Verbindung mit Pfeil 2">
+            <a:extLst>
+              <a:ext uri="{FF2B5EF4-FFF2-40B4-BE49-F238E27FC236}">
+                <a16:creationId xmlns:a16="http://schemas.microsoft.com/office/drawing/2014/main" id="{3F367463-0A0C-6720-F850-231FF4E8B1C6}"/>
+              </a:ext>
+            </a:extLst>
+          </p:cNvPr>
+          <p:cNvCxnSpPr>
+            <a:cxnSpLocks/>
+          </p:cNvCxnSpPr>
+          <p:nvPr/>
+        </p:nvCxnSpPr>
+        <p:spPr>
+          <a:xfrm>
+            <a:off x="2313372" y="3086327"/>
+            <a:ext cx="491486" cy="9115"/>
+          </a:xfrm>
+          <a:prstGeom prst="straightConnector1">
+            <a:avLst/>
+          </a:prstGeom>
+          <a:ln w="44450">
+            <a:solidFill>
+              <a:srgbClr val="0F21C7"/>
+            </a:solidFill>
+            <a:tailEnd type="triangle"/>
+          </a:ln>
+        </p:spPr>
+        <p:style>
+          <a:lnRef idx="1">
+            <a:schemeClr val="accent1"/>
+          </a:lnRef>
+          <a:fillRef idx="0">
+            <a:schemeClr val="accent1"/>
+          </a:fillRef>
+          <a:effectRef idx="0">
+            <a:schemeClr val="accent1"/>
+          </a:effectRef>
+          <a:fontRef idx="minor">
+            <a:schemeClr val="tx1"/>
+          </a:fontRef>
+        </p:style>
+      </p:cxnSp>
+      <p:sp>
+        <p:nvSpPr>
+          <p:cNvPr id="7" name="Textfeld 6">
+            <a:extLst>
+              <a:ext uri="{FF2B5EF4-FFF2-40B4-BE49-F238E27FC236}">
+                <a16:creationId xmlns:a16="http://schemas.microsoft.com/office/drawing/2014/main" id="{554319D4-646B-0644-1ABD-C0BBE13867FB}"/>
+              </a:ext>
+            </a:extLst>
+          </p:cNvPr>
+          <p:cNvSpPr txBox="1"/>
+          <p:nvPr/>
+        </p:nvSpPr>
+        <p:spPr>
+          <a:xfrm>
+            <a:off x="2803527" y="2623291"/>
+            <a:ext cx="2066610" cy="276999"/>
+          </a:xfrm>
+          <a:prstGeom prst="rect">
+            <a:avLst/>
+          </a:prstGeom>
+          <a:noFill/>
+        </p:spPr>
+        <p:txBody>
+          <a:bodyPr wrap="square" rtlCol="0">
+            <a:spAutoFit/>
+          </a:bodyPr>
+          <a:lstStyle/>
+          <a:p>
+            <a:pPr algn="ctr"/>
+            <a:r>
+              <a:rPr lang="de-DE" sz="1200" dirty="0">
+                <a:solidFill>
+                  <a:schemeClr val="bg1"/>
+                </a:solidFill>
+                <a:latin typeface="Baskerville Old Face" panose="02020602080505020303" pitchFamily="18" charset="0"/>
+              </a:rPr>
+              <a:t>German S</a:t>
+            </a:r>
+          </a:p>
+        </p:txBody>
+      </p:sp>
+      <p:sp>
+        <p:nvSpPr>
+          <p:cNvPr id="11" name="Zylinder 10">
+            <a:extLst>
+              <a:ext uri="{FF2B5EF4-FFF2-40B4-BE49-F238E27FC236}">
+                <a16:creationId xmlns:a16="http://schemas.microsoft.com/office/drawing/2014/main" id="{7548359B-1828-6BB5-560F-1FB80A18FC27}"/>
+              </a:ext>
+            </a:extLst>
+          </p:cNvPr>
+          <p:cNvSpPr/>
+          <p:nvPr/>
+        </p:nvSpPr>
+        <p:spPr>
+          <a:xfrm rot="5400000">
+            <a:off x="3550952" y="1983054"/>
+            <a:ext cx="771729" cy="2171534"/>
+          </a:xfrm>
+          <a:prstGeom prst="can">
+            <a:avLst/>
+          </a:prstGeom>
+          <a:solidFill>
+            <a:srgbClr val="0F21C7"/>
+          </a:solidFill>
+          <a:ln>
+            <a:solidFill>
+              <a:srgbClr val="040936"/>
+            </a:solidFill>
+          </a:ln>
+        </p:spPr>
+        <p:style>
+          <a:lnRef idx="2">
+            <a:schemeClr val="accent1">
+              <a:shade val="50000"/>
+            </a:schemeClr>
+          </a:lnRef>
+          <a:fillRef idx="1">
+            <a:schemeClr val="accent1"/>
+          </a:fillRef>
+          <a:effectRef idx="0">
+            <a:schemeClr val="accent1"/>
+          </a:effectRef>
+          <a:fontRef idx="minor">
+            <a:schemeClr val="lt1"/>
+          </a:fontRef>
+        </p:style>
+        <p:txBody>
+          <a:bodyPr rtlCol="0" anchor="ctr"/>
+          <a:lstStyle/>
+          <a:p>
+            <a:pPr algn="ctr"/>
+            <a:endParaRPr lang="de-DE">
+              <a:latin typeface="Baskerville Old Face" panose="02020602080505020303" pitchFamily="18" charset="0"/>
+            </a:endParaRPr>
+          </a:p>
+        </p:txBody>
+      </p:sp>
+      <p:sp>
+        <p:nvSpPr>
+          <p:cNvPr id="12" name="Textfeld 11">
+            <a:extLst>
+              <a:ext uri="{FF2B5EF4-FFF2-40B4-BE49-F238E27FC236}">
+                <a16:creationId xmlns:a16="http://schemas.microsoft.com/office/drawing/2014/main" id="{AE7E6CF2-A873-E463-4974-EABA8B1EEC12}"/>
+              </a:ext>
+            </a:extLst>
+          </p:cNvPr>
+          <p:cNvSpPr txBox="1"/>
+          <p:nvPr/>
+        </p:nvSpPr>
+        <p:spPr>
+          <a:xfrm>
+            <a:off x="3078546" y="2794101"/>
+            <a:ext cx="1563287" cy="553998"/>
+          </a:xfrm>
+          <a:prstGeom prst="rect">
+            <a:avLst/>
+          </a:prstGeom>
+          <a:noFill/>
+        </p:spPr>
+        <p:txBody>
+          <a:bodyPr wrap="square" rtlCol="0">
+            <a:spAutoFit/>
+          </a:bodyPr>
+          <a:lstStyle/>
+          <a:p>
+            <a:pPr algn="ctr"/>
+            <a:r>
+              <a:rPr lang="de-DE" dirty="0">
+                <a:solidFill>
+                  <a:schemeClr val="bg1"/>
+                </a:solidFill>
+                <a:latin typeface="Baskerville Old Face" panose="02020602080505020303" pitchFamily="18" charset="0"/>
+              </a:rPr>
+              <a:t>Sentiment Analysis</a:t>
+            </a:r>
+          </a:p>
+        </p:txBody>
+      </p:sp>
+    </p:spTree>
+    <p:extLst>
+      <p:ext uri="{BB962C8B-B14F-4D97-AF65-F5344CB8AC3E}">
+        <p14:creationId xmlns:p14="http://schemas.microsoft.com/office/powerpoint/2010/main" val="2131438101"/>
+      </p:ext>
+    </p:extLst>
+  </p:cSld>
+  <p:clrMapOvr>
+    <a:masterClrMapping/>
+  </p:clrMapOvr>
+</p:sld>
+</file>
+
+<file path=ppt/slides/slide15.xml><?xml version="1.0" encoding="utf-8"?>
+<p:sld xmlns:a="http://schemas.openxmlformats.org/drawingml/2006/main" xmlns:r="http://schemas.openxmlformats.org/officeDocument/2006/relationships" xmlns:p="http://schemas.openxmlformats.org/presentationml/2006/main">
+  <p:cSld>
+    <p:spTree>
+      <p:nvGrpSpPr>
+        <p:cNvPr id="1" name=""/>
+        <p:cNvGrpSpPr/>
+        <p:nvPr/>
+      </p:nvGrpSpPr>
+      <p:grpSpPr>
+        <a:xfrm>
+          <a:off x="0" y="0"/>
+          <a:ext cx="0" cy="0"/>
+          <a:chOff x="0" y="0"/>
+          <a:chExt cx="0" cy="0"/>
+        </a:xfrm>
+      </p:grpSpPr>
+      <p:cxnSp>
+        <p:nvCxnSpPr>
+          <p:cNvPr id="2" name="Gerade Verbindung mit Pfeil 1">
+            <a:extLst>
+              <a:ext uri="{FF2B5EF4-FFF2-40B4-BE49-F238E27FC236}">
+                <a16:creationId xmlns:a16="http://schemas.microsoft.com/office/drawing/2014/main" id="{FA24C572-23F1-9470-A64D-0D8EBC4AE7F6}"/>
+              </a:ext>
+            </a:extLst>
+          </p:cNvPr>
+          <p:cNvCxnSpPr>
+            <a:cxnSpLocks/>
+          </p:cNvCxnSpPr>
+          <p:nvPr/>
+        </p:nvCxnSpPr>
+        <p:spPr>
+          <a:xfrm>
+            <a:off x="2313372" y="3322461"/>
+            <a:ext cx="491486" cy="661522"/>
+          </a:xfrm>
+          <a:prstGeom prst="straightConnector1">
+            <a:avLst/>
+          </a:prstGeom>
+          <a:ln w="44450">
+            <a:solidFill>
+              <a:srgbClr val="0F21C7"/>
+            </a:solidFill>
+            <a:tailEnd type="triangle"/>
+          </a:ln>
+        </p:spPr>
+        <p:style>
+          <a:lnRef idx="1">
+            <a:schemeClr val="accent1"/>
+          </a:lnRef>
+          <a:fillRef idx="0">
+            <a:schemeClr val="accent1"/>
+          </a:fillRef>
+          <a:effectRef idx="0">
+            <a:schemeClr val="accent1"/>
+          </a:effectRef>
+          <a:fontRef idx="minor">
+            <a:schemeClr val="tx1"/>
+          </a:fontRef>
+        </p:style>
+      </p:cxnSp>
+      <p:sp>
+        <p:nvSpPr>
+          <p:cNvPr id="8" name="Textfeld 7">
+            <a:extLst>
+              <a:ext uri="{FF2B5EF4-FFF2-40B4-BE49-F238E27FC236}">
+                <a16:creationId xmlns:a16="http://schemas.microsoft.com/office/drawing/2014/main" id="{8BD4788C-9ECE-165A-9C36-8B4F2416F6F0}"/>
+              </a:ext>
+            </a:extLst>
+          </p:cNvPr>
+          <p:cNvSpPr txBox="1"/>
+          <p:nvPr/>
+        </p:nvSpPr>
+        <p:spPr>
+          <a:xfrm>
+            <a:off x="2827746" y="3677173"/>
+            <a:ext cx="2066610" cy="276999"/>
+          </a:xfrm>
+          <a:prstGeom prst="rect">
+            <a:avLst/>
+          </a:prstGeom>
+          <a:noFill/>
+        </p:spPr>
+        <p:txBody>
+          <a:bodyPr wrap="square" rtlCol="0">
+            <a:spAutoFit/>
+          </a:bodyPr>
+          <a:lstStyle/>
+          <a:p>
+            <a:pPr algn="ctr"/>
+            <a:r>
+              <a:rPr lang="de-DE" sz="1200" dirty="0">
+                <a:solidFill>
+                  <a:schemeClr val="bg1"/>
+                </a:solidFill>
+                <a:latin typeface="Baskerville Old Face" panose="02020602080505020303" pitchFamily="18" charset="0"/>
+              </a:rPr>
+              <a:t>German S</a:t>
+            </a:r>
+          </a:p>
+        </p:txBody>
+      </p:sp>
+      <p:sp>
+        <p:nvSpPr>
+          <p:cNvPr id="9" name="Zylinder 8">
+            <a:extLst>
+              <a:ext uri="{FF2B5EF4-FFF2-40B4-BE49-F238E27FC236}">
+                <a16:creationId xmlns:a16="http://schemas.microsoft.com/office/drawing/2014/main" id="{26FAB7E7-3BB1-0B88-F5F5-55F2C634B57C}"/>
+              </a:ext>
+            </a:extLst>
+          </p:cNvPr>
+          <p:cNvSpPr/>
+          <p:nvPr/>
+        </p:nvSpPr>
+        <p:spPr>
+          <a:xfrm rot="5400000">
+            <a:off x="3503835" y="3108273"/>
+            <a:ext cx="914402" cy="2171534"/>
+          </a:xfrm>
+          <a:prstGeom prst="can">
+            <a:avLst/>
+          </a:prstGeom>
+          <a:solidFill>
+            <a:srgbClr val="0F21C7"/>
+          </a:solidFill>
+          <a:ln>
+            <a:solidFill>
+              <a:srgbClr val="040936"/>
+            </a:solidFill>
+          </a:ln>
+        </p:spPr>
+        <p:style>
+          <a:lnRef idx="2">
+            <a:schemeClr val="accent1">
+              <a:shade val="50000"/>
+            </a:schemeClr>
+          </a:lnRef>
+          <a:fillRef idx="1">
+            <a:schemeClr val="accent1"/>
+          </a:fillRef>
+          <a:effectRef idx="0">
+            <a:schemeClr val="accent1"/>
+          </a:effectRef>
+          <a:fontRef idx="minor">
+            <a:schemeClr val="lt1"/>
+          </a:fontRef>
+        </p:style>
+        <p:txBody>
+          <a:bodyPr rtlCol="0" anchor="ctr"/>
+          <a:lstStyle/>
+          <a:p>
+            <a:pPr algn="ctr"/>
+            <a:endParaRPr lang="de-DE">
+              <a:latin typeface="Baskerville Old Face" panose="02020602080505020303" pitchFamily="18" charset="0"/>
+            </a:endParaRPr>
+          </a:p>
+        </p:txBody>
+      </p:sp>
+      <p:sp>
+        <p:nvSpPr>
+          <p:cNvPr id="10" name="Textfeld 9">
+            <a:extLst>
+              <a:ext uri="{FF2B5EF4-FFF2-40B4-BE49-F238E27FC236}">
+                <a16:creationId xmlns:a16="http://schemas.microsoft.com/office/drawing/2014/main" id="{5307E65E-32F3-490F-7C70-33A8EAA0DC1F}"/>
+              </a:ext>
+            </a:extLst>
+          </p:cNvPr>
+          <p:cNvSpPr txBox="1"/>
+          <p:nvPr/>
+        </p:nvSpPr>
+        <p:spPr>
+          <a:xfrm>
+            <a:off x="3102765" y="3847983"/>
+            <a:ext cx="1563287" cy="784830"/>
+          </a:xfrm>
+          <a:prstGeom prst="rect">
+            <a:avLst/>
+          </a:prstGeom>
+          <a:noFill/>
+        </p:spPr>
+        <p:txBody>
+          <a:bodyPr wrap="square" rtlCol="0">
+            <a:spAutoFit/>
+          </a:bodyPr>
+          <a:lstStyle/>
+          <a:p>
+            <a:pPr algn="ctr"/>
+            <a:r>
+              <a:rPr lang="de-DE" dirty="0" err="1">
+                <a:solidFill>
+                  <a:schemeClr val="bg1"/>
+                </a:solidFill>
+                <a:latin typeface="Baskerville Old Face" panose="02020602080505020303" pitchFamily="18" charset="0"/>
+              </a:rPr>
+              <a:t>Pretrained</a:t>
+            </a:r>
+            <a:r>
+              <a:rPr lang="de-DE" dirty="0">
+                <a:solidFill>
+                  <a:schemeClr val="bg1"/>
+                </a:solidFill>
+                <a:latin typeface="Baskerville Old Face" panose="02020602080505020303" pitchFamily="18" charset="0"/>
+              </a:rPr>
+              <a:t> Classification Model</a:t>
+            </a:r>
+          </a:p>
+        </p:txBody>
+      </p:sp>
+    </p:spTree>
+    <p:extLst>
+      <p:ext uri="{BB962C8B-B14F-4D97-AF65-F5344CB8AC3E}">
+        <p14:creationId xmlns:p14="http://schemas.microsoft.com/office/powerpoint/2010/main" val="915906407"/>
+      </p:ext>
+    </p:extLst>
+  </p:cSld>
+  <p:clrMapOvr>
+    <a:masterClrMapping/>
+  </p:clrMapOvr>
+</p:sld>
+</file>
+
+<file path=ppt/slides/slide16.xml><?xml version="1.0" encoding="utf-8"?>
+<p:sld xmlns:a="http://schemas.openxmlformats.org/drawingml/2006/main" xmlns:r="http://schemas.openxmlformats.org/officeDocument/2006/relationships" xmlns:p="http://schemas.openxmlformats.org/presentationml/2006/main">
+  <p:cSld>
+    <p:spTree>
+      <p:nvGrpSpPr>
+        <p:cNvPr id="1" name=""/>
+        <p:cNvGrpSpPr/>
+        <p:nvPr/>
+      </p:nvGrpSpPr>
+      <p:grpSpPr>
+        <a:xfrm>
+          <a:off x="0" y="0"/>
+          <a:ext cx="0" cy="0"/>
+          <a:chOff x="0" y="0"/>
+          <a:chExt cx="0" cy="0"/>
+        </a:xfrm>
+      </p:grpSpPr>
+      <p:cxnSp>
+        <p:nvCxnSpPr>
+          <p:cNvPr id="3" name="Gerade Verbindung mit Pfeil 2">
+            <a:extLst>
+              <a:ext uri="{FF2B5EF4-FFF2-40B4-BE49-F238E27FC236}">
+                <a16:creationId xmlns:a16="http://schemas.microsoft.com/office/drawing/2014/main" id="{FA53E720-D2AA-200F-818E-3A257DC86A83}"/>
+              </a:ext>
+            </a:extLst>
+          </p:cNvPr>
+          <p:cNvCxnSpPr>
+            <a:cxnSpLocks/>
+          </p:cNvCxnSpPr>
+          <p:nvPr/>
+        </p:nvCxnSpPr>
+        <p:spPr>
+          <a:xfrm>
+            <a:off x="5251245" y="1894108"/>
+            <a:ext cx="416069" cy="793730"/>
+          </a:xfrm>
+          <a:prstGeom prst="straightConnector1">
+            <a:avLst/>
+          </a:prstGeom>
+          <a:ln w="44450">
+            <a:solidFill>
+              <a:srgbClr val="0F21C7"/>
+            </a:solidFill>
+            <a:tailEnd type="triangle"/>
+          </a:ln>
+        </p:spPr>
+        <p:style>
+          <a:lnRef idx="1">
+            <a:schemeClr val="accent1"/>
+          </a:lnRef>
+          <a:fillRef idx="0">
+            <a:schemeClr val="accent1"/>
+          </a:fillRef>
+          <a:effectRef idx="0">
+            <a:schemeClr val="accent1"/>
+          </a:effectRef>
+          <a:fontRef idx="minor">
+            <a:schemeClr val="tx1"/>
+          </a:fontRef>
+        </p:style>
+      </p:cxnSp>
+      <p:cxnSp>
+        <p:nvCxnSpPr>
+          <p:cNvPr id="4" name="Gerade Verbindung mit Pfeil 3">
+            <a:extLst>
+              <a:ext uri="{FF2B5EF4-FFF2-40B4-BE49-F238E27FC236}">
+                <a16:creationId xmlns:a16="http://schemas.microsoft.com/office/drawing/2014/main" id="{9CEB4195-0168-551A-AED0-6ACC011852A1}"/>
+              </a:ext>
+            </a:extLst>
+          </p:cNvPr>
+          <p:cNvCxnSpPr>
+            <a:cxnSpLocks/>
+          </p:cNvCxnSpPr>
+          <p:nvPr/>
+        </p:nvCxnSpPr>
+        <p:spPr>
+          <a:xfrm>
+            <a:off x="5370291" y="3010032"/>
+            <a:ext cx="377976" cy="0"/>
+          </a:xfrm>
+          <a:prstGeom prst="straightConnector1">
+            <a:avLst/>
+          </a:prstGeom>
+          <a:ln w="44450">
+            <a:solidFill>
+              <a:srgbClr val="0F21C7"/>
+            </a:solidFill>
+            <a:tailEnd type="triangle"/>
+          </a:ln>
+        </p:spPr>
+        <p:style>
+          <a:lnRef idx="1">
+            <a:schemeClr val="accent1"/>
+          </a:lnRef>
+          <a:fillRef idx="0">
+            <a:schemeClr val="accent1"/>
+          </a:fillRef>
+          <a:effectRef idx="0">
+            <a:schemeClr val="accent1"/>
+          </a:effectRef>
+          <a:fontRef idx="minor">
+            <a:schemeClr val="tx1"/>
+          </a:fontRef>
+        </p:style>
+      </p:cxnSp>
+      <p:cxnSp>
+        <p:nvCxnSpPr>
+          <p:cNvPr id="5" name="Gerade Verbindung mit Pfeil 4">
+            <a:extLst>
+              <a:ext uri="{FF2B5EF4-FFF2-40B4-BE49-F238E27FC236}">
+                <a16:creationId xmlns:a16="http://schemas.microsoft.com/office/drawing/2014/main" id="{A2E2611D-D689-5915-0AF6-CC153CA39067}"/>
+              </a:ext>
+            </a:extLst>
+          </p:cNvPr>
+          <p:cNvCxnSpPr>
+            <a:cxnSpLocks/>
+          </p:cNvCxnSpPr>
+          <p:nvPr/>
+        </p:nvCxnSpPr>
+        <p:spPr>
+          <a:xfrm flipV="1">
+            <a:off x="5251245" y="3232496"/>
+            <a:ext cx="443977" cy="747497"/>
+          </a:xfrm>
+          <a:prstGeom prst="straightConnector1">
+            <a:avLst/>
+          </a:prstGeom>
+          <a:ln w="44450">
+            <a:solidFill>
+              <a:srgbClr val="0F21C7"/>
+            </a:solidFill>
+            <a:tailEnd type="triangle"/>
+          </a:ln>
+        </p:spPr>
+        <p:style>
+          <a:lnRef idx="1">
+            <a:schemeClr val="accent1"/>
+          </a:lnRef>
+          <a:fillRef idx="0">
+            <a:schemeClr val="accent1"/>
+          </a:fillRef>
+          <a:effectRef idx="0">
+            <a:schemeClr val="accent1"/>
+          </a:effectRef>
+          <a:fontRef idx="minor">
+            <a:schemeClr val="tx1"/>
+          </a:fontRef>
+        </p:style>
+      </p:cxnSp>
+      <p:pic>
+        <p:nvPicPr>
+          <p:cNvPr id="6" name="Grafik 5" descr="Fernsehen mit einfarbiger Füllung">
+            <a:extLst>
+              <a:ext uri="{FF2B5EF4-FFF2-40B4-BE49-F238E27FC236}">
+                <a16:creationId xmlns:a16="http://schemas.microsoft.com/office/drawing/2014/main" id="{006FFAD5-49AC-CA9B-9AB5-276BC252602E}"/>
+              </a:ext>
+            </a:extLst>
+          </p:cNvPr>
+          <p:cNvPicPr>
+            <a:picLocks noChangeAspect="1"/>
+          </p:cNvPicPr>
+          <p:nvPr/>
+        </p:nvPicPr>
+        <p:blipFill>
+          <a:blip r:embed="rId2">
+            <a:extLst>
+              <a:ext uri="{28A0092B-C50C-407E-A947-70E740481C1C}">
+                <a14:useLocalDpi xmlns:a14="http://schemas.microsoft.com/office/drawing/2010/main" val="0"/>
+              </a:ext>
+              <a:ext uri="{96DAC541-7B7A-43D3-8B79-37D633B846F1}">
+                <asvg:svgBlip xmlns:asvg="http://schemas.microsoft.com/office/drawing/2016/SVG/main" r:embed="rId3"/>
+              </a:ext>
+            </a:extLst>
+          </a:blip>
+          <a:stretch>
+            <a:fillRect/>
+          </a:stretch>
+        </p:blipFill>
+        <p:spPr>
+          <a:xfrm>
+            <a:off x="5871756" y="2397695"/>
+            <a:ext cx="914400" cy="914400"/>
+          </a:xfrm>
+          <a:prstGeom prst="rect">
+            <a:avLst/>
+          </a:prstGeom>
+        </p:spPr>
+      </p:pic>
+      <p:sp>
+        <p:nvSpPr>
+          <p:cNvPr id="7" name="Textfeld 6">
+            <a:extLst>
+              <a:ext uri="{FF2B5EF4-FFF2-40B4-BE49-F238E27FC236}">
+                <a16:creationId xmlns:a16="http://schemas.microsoft.com/office/drawing/2014/main" id="{4D4F0EB0-B7FF-BA12-E375-CED0767C68A8}"/>
+              </a:ext>
+            </a:extLst>
+          </p:cNvPr>
+          <p:cNvSpPr txBox="1"/>
+          <p:nvPr/>
+        </p:nvSpPr>
+        <p:spPr>
+          <a:xfrm>
+            <a:off x="5652528" y="3348970"/>
+            <a:ext cx="1482426" cy="323165"/>
+          </a:xfrm>
+          <a:prstGeom prst="rect">
+            <a:avLst/>
+          </a:prstGeom>
+          <a:noFill/>
+        </p:spPr>
+        <p:txBody>
+          <a:bodyPr wrap="square" rtlCol="0">
+            <a:spAutoFit/>
+          </a:bodyPr>
+          <a:lstStyle/>
+          <a:p>
+            <a:pPr algn="ctr"/>
+            <a:r>
+              <a:rPr lang="de-DE" dirty="0">
+                <a:solidFill>
+                  <a:srgbClr val="040936"/>
+                </a:solidFill>
+                <a:latin typeface="Baskerville Old Face" panose="02020602080505020303" pitchFamily="18" charset="0"/>
+              </a:rPr>
+              <a:t>Final </a:t>
+            </a:r>
+            <a:r>
+              <a:rPr lang="de-DE" dirty="0" err="1">
+                <a:solidFill>
+                  <a:srgbClr val="040936"/>
+                </a:solidFill>
+                <a:latin typeface="Baskerville Old Face" panose="02020602080505020303" pitchFamily="18" charset="0"/>
+              </a:rPr>
+              <a:t>Results</a:t>
+            </a:r>
+            <a:endParaRPr lang="de-DE" dirty="0">
+              <a:solidFill>
+                <a:srgbClr val="040936"/>
+              </a:solidFill>
+              <a:latin typeface="Baskerville Old Face" panose="02020602080505020303" pitchFamily="18" charset="0"/>
+            </a:endParaRPr>
+          </a:p>
+        </p:txBody>
+      </p:sp>
+    </p:spTree>
+    <p:extLst>
+      <p:ext uri="{BB962C8B-B14F-4D97-AF65-F5344CB8AC3E}">
+        <p14:creationId xmlns:p14="http://schemas.microsoft.com/office/powerpoint/2010/main" val="2778523633"/>
+      </p:ext>
+    </p:extLst>
+  </p:cSld>
+  <p:clrMapOvr>
+    <a:masterClrMapping/>
+  </p:clrMapOvr>
+</p:sld>
+</file>
+
+<file path=ppt/slides/slide17.xml><?xml version="1.0" encoding="utf-8"?>
+<p:sld xmlns:a="http://schemas.openxmlformats.org/drawingml/2006/main" xmlns:r="http://schemas.openxmlformats.org/officeDocument/2006/relationships" xmlns:p="http://schemas.openxmlformats.org/presentationml/2006/main">
+  <p:cSld>
+    <p:spTree>
+      <p:nvGrpSpPr>
+        <p:cNvPr id="1" name=""/>
+        <p:cNvGrpSpPr/>
+        <p:nvPr/>
+      </p:nvGrpSpPr>
+      <p:grpSpPr>
+        <a:xfrm>
+          <a:off x="0" y="0"/>
+          <a:ext cx="0" cy="0"/>
+          <a:chOff x="0" y="0"/>
+          <a:chExt cx="0" cy="0"/>
+        </a:xfrm>
+      </p:grpSpPr>
+      <p:pic>
+        <p:nvPicPr>
+          <p:cNvPr id="2" name="Grafik 1">
+            <a:extLst>
+              <a:ext uri="{FF2B5EF4-FFF2-40B4-BE49-F238E27FC236}">
+                <a16:creationId xmlns:a16="http://schemas.microsoft.com/office/drawing/2014/main" id="{D22DC713-4D58-D962-F520-5301ADA8E46D}"/>
+              </a:ext>
+            </a:extLst>
+          </p:cNvPr>
+          <p:cNvPicPr>
+            <a:picLocks noChangeAspect="1"/>
+          </p:cNvPicPr>
+          <p:nvPr/>
+        </p:nvPicPr>
+        <p:blipFill>
+          <a:blip r:embed="rId2"/>
+          <a:stretch>
+            <a:fillRect/>
+          </a:stretch>
+        </p:blipFill>
+        <p:spPr>
+          <a:xfrm>
+            <a:off x="575965" y="1763923"/>
+            <a:ext cx="7956786" cy="3201695"/>
+          </a:xfrm>
+          <a:prstGeom prst="rect">
+            <a:avLst/>
+          </a:prstGeom>
+        </p:spPr>
+      </p:pic>
     </p:spTree>
   </p:cSld>
   <p:clrMapOvr>
@@ -6693,1893 +8535,1866 @@
           <a:chExt cx="0" cy="0"/>
         </a:xfrm>
       </p:grpSpPr>
-      <p:grpSp>
-        <p:nvGrpSpPr>
-          <p:cNvPr id="26" name="Gruppieren 25">
-            <a:extLst>
-              <a:ext uri="{FF2B5EF4-FFF2-40B4-BE49-F238E27FC236}">
-                <a16:creationId xmlns:a16="http://schemas.microsoft.com/office/drawing/2014/main" id="{A101F7C4-8CE3-1E68-5064-095BE368902D}"/>
-              </a:ext>
-            </a:extLst>
-          </p:cNvPr>
-          <p:cNvGrpSpPr/>
+      <p:pic>
+        <p:nvPicPr>
+          <p:cNvPr id="11318" name="Picture 11">
+            <a:extLst>
+              <a:ext uri="{FF2B5EF4-FFF2-40B4-BE49-F238E27FC236}">
+                <a16:creationId xmlns:a16="http://schemas.microsoft.com/office/drawing/2014/main" id="{94B39C44-8B1D-86EF-C8BE-2630C36B9C20}"/>
+              </a:ext>
+            </a:extLst>
+          </p:cNvPr>
+          <p:cNvPicPr>
+            <a:picLocks noChangeAspect="1" noChangeArrowheads="1"/>
+          </p:cNvPicPr>
           <p:nvPr/>
-        </p:nvGrpSpPr>
-        <p:grpSpPr>
+        </p:nvPicPr>
+        <p:blipFill>
+          <a:blip r:embed="rId2">
+            <a:extLst>
+              <a:ext uri="{28A0092B-C50C-407E-A947-70E740481C1C}">
+                <a14:useLocalDpi xmlns:a14="http://schemas.microsoft.com/office/drawing/2010/main" val="0"/>
+              </a:ext>
+            </a:extLst>
+          </a:blip>
+          <a:srcRect/>
+          <a:stretch>
+            <a:fillRect/>
+          </a:stretch>
+        </p:blipFill>
+        <p:spPr bwMode="auto">
+          <a:xfrm>
+            <a:off x="1787886" y="4786329"/>
+            <a:ext cx="761173" cy="507787"/>
+          </a:xfrm>
+          <a:prstGeom prst="rect">
+            <a:avLst/>
+          </a:prstGeom>
+          <a:noFill/>
+          <a:extLst>
+            <a:ext uri="{909E8E84-426E-40DD-AFC4-6F175D3DCCD1}">
+              <a14:hiddenFill xmlns:a14="http://schemas.microsoft.com/office/drawing/2010/main">
+                <a:solidFill>
+                  <a:srgbClr val="FFFFFF"/>
+                </a:solidFill>
+              </a14:hiddenFill>
+            </a:ext>
+          </a:extLst>
+        </p:spPr>
+      </p:pic>
+      <p:pic>
+        <p:nvPicPr>
+          <p:cNvPr id="11315" name="Grafik 11314">
+            <a:extLst>
+              <a:ext uri="{FF2B5EF4-FFF2-40B4-BE49-F238E27FC236}">
+                <a16:creationId xmlns:a16="http://schemas.microsoft.com/office/drawing/2014/main" id="{4EF3AE3F-D7F1-5B9A-A60C-0255FD1FC161}"/>
+              </a:ext>
+            </a:extLst>
+          </p:cNvPr>
+          <p:cNvPicPr>
+            <a:picLocks noChangeAspect="1"/>
+          </p:cNvPicPr>
+          <p:nvPr/>
+        </p:nvPicPr>
+        <p:blipFill>
+          <a:blip r:embed="rId3"/>
+          <a:stretch>
+            <a:fillRect/>
+          </a:stretch>
+        </p:blipFill>
+        <p:spPr>
+          <a:xfrm>
+            <a:off x="1143523" y="3569685"/>
+            <a:ext cx="695448" cy="457275"/>
+          </a:xfrm>
+          <a:prstGeom prst="rect">
+            <a:avLst/>
+          </a:prstGeom>
+        </p:spPr>
+      </p:pic>
+      <p:sp>
+        <p:nvSpPr>
+          <p:cNvPr id="11299" name="Zylinder 11298">
+            <a:extLst>
+              <a:ext uri="{FF2B5EF4-FFF2-40B4-BE49-F238E27FC236}">
+                <a16:creationId xmlns:a16="http://schemas.microsoft.com/office/drawing/2014/main" id="{2997C7FD-D540-B6F9-3D33-2C3D4A324992}"/>
+              </a:ext>
+            </a:extLst>
+          </p:cNvPr>
+          <p:cNvSpPr/>
+          <p:nvPr/>
+        </p:nvSpPr>
+        <p:spPr>
+          <a:xfrm rot="5400000">
+            <a:off x="5604741" y="2215339"/>
+            <a:ext cx="1104927" cy="2197574"/>
+          </a:xfrm>
+          <a:prstGeom prst="can">
+            <a:avLst/>
+          </a:prstGeom>
+          <a:solidFill>
+            <a:srgbClr val="C61826"/>
+          </a:solidFill>
+          <a:ln>
+            <a:solidFill>
+              <a:srgbClr val="36060A"/>
+            </a:solidFill>
+          </a:ln>
+        </p:spPr>
+        <p:style>
+          <a:lnRef idx="2">
+            <a:schemeClr val="accent1">
+              <a:shade val="50000"/>
+            </a:schemeClr>
+          </a:lnRef>
+          <a:fillRef idx="1">
+            <a:schemeClr val="accent1"/>
+          </a:fillRef>
+          <a:effectRef idx="0">
+            <a:schemeClr val="accent1"/>
+          </a:effectRef>
+          <a:fontRef idx="minor">
+            <a:schemeClr val="lt1"/>
+          </a:fontRef>
+        </p:style>
+        <p:txBody>
+          <a:bodyPr rtlCol="0" anchor="ctr"/>
+          <a:lstStyle/>
+          <a:p>
+            <a:pPr algn="ctr"/>
+            <a:endParaRPr lang="de-DE"/>
+          </a:p>
+        </p:txBody>
+      </p:sp>
+      <p:sp>
+        <p:nvSpPr>
+          <p:cNvPr id="11291" name="Zylinder 11290">
+            <a:extLst>
+              <a:ext uri="{FF2B5EF4-FFF2-40B4-BE49-F238E27FC236}">
+                <a16:creationId xmlns:a16="http://schemas.microsoft.com/office/drawing/2014/main" id="{F38F70F2-2400-C61A-8742-7EACD2F21881}"/>
+              </a:ext>
+            </a:extLst>
+          </p:cNvPr>
+          <p:cNvSpPr/>
+          <p:nvPr/>
+        </p:nvSpPr>
+        <p:spPr>
+          <a:xfrm rot="5400000">
+            <a:off x="5843059" y="1141413"/>
+            <a:ext cx="602248" cy="2171534"/>
+          </a:xfrm>
+          <a:prstGeom prst="can">
+            <a:avLst/>
+          </a:prstGeom>
+          <a:solidFill>
+            <a:srgbClr val="C61826"/>
+          </a:solidFill>
+          <a:ln>
+            <a:solidFill>
+              <a:srgbClr val="36060A"/>
+            </a:solidFill>
+          </a:ln>
+        </p:spPr>
+        <p:style>
+          <a:lnRef idx="2">
+            <a:schemeClr val="accent1">
+              <a:shade val="50000"/>
+            </a:schemeClr>
+          </a:lnRef>
+          <a:fillRef idx="1">
+            <a:schemeClr val="accent1"/>
+          </a:fillRef>
+          <a:effectRef idx="0">
+            <a:schemeClr val="accent1"/>
+          </a:effectRef>
+          <a:fontRef idx="minor">
+            <a:schemeClr val="lt1"/>
+          </a:fontRef>
+        </p:style>
+        <p:txBody>
+          <a:bodyPr rtlCol="0" anchor="ctr"/>
+          <a:lstStyle/>
+          <a:p>
+            <a:pPr algn="ctr"/>
+            <a:endParaRPr lang="de-DE"/>
+          </a:p>
+        </p:txBody>
+      </p:sp>
+      <p:pic>
+        <p:nvPicPr>
+          <p:cNvPr id="4" name="Grafik 3" descr="Tabelle mit einfarbiger Füllung">
+            <a:extLst>
+              <a:ext uri="{FF2B5EF4-FFF2-40B4-BE49-F238E27FC236}">
+                <a16:creationId xmlns:a16="http://schemas.microsoft.com/office/drawing/2014/main" id="{41A7AD7B-9DBE-02A1-B3ED-2007138D0F13}"/>
+              </a:ext>
+            </a:extLst>
+          </p:cNvPr>
+          <p:cNvPicPr>
+            <a:picLocks noChangeAspect="1"/>
+          </p:cNvPicPr>
+          <p:nvPr/>
+        </p:nvPicPr>
+        <p:blipFill>
+          <a:blip r:embed="rId4">
+            <a:extLst>
+              <a:ext uri="{28A0092B-C50C-407E-A947-70E740481C1C}">
+                <a14:useLocalDpi xmlns:a14="http://schemas.microsoft.com/office/drawing/2010/main" val="0"/>
+              </a:ext>
+              <a:ext uri="{96DAC541-7B7A-43D3-8B79-37D633B846F1}">
+                <asvg:svgBlip xmlns:asvg="http://schemas.microsoft.com/office/drawing/2016/SVG/main" r:embed="rId5"/>
+              </a:ext>
+            </a:extLst>
+          </a:blip>
+          <a:stretch>
+            <a:fillRect/>
+          </a:stretch>
+        </p:blipFill>
+        <p:spPr>
+          <a:xfrm>
+            <a:off x="1004649" y="3349232"/>
+            <a:ext cx="914400" cy="914400"/>
+          </a:xfrm>
+          <a:prstGeom prst="rect">
+            <a:avLst/>
+          </a:prstGeom>
+        </p:spPr>
+      </p:pic>
+      <p:sp>
+        <p:nvSpPr>
+          <p:cNvPr id="5" name="Textfeld 4">
+            <a:extLst>
+              <a:ext uri="{FF2B5EF4-FFF2-40B4-BE49-F238E27FC236}">
+                <a16:creationId xmlns:a16="http://schemas.microsoft.com/office/drawing/2014/main" id="{8F90917B-D0B5-D9CC-351C-8B1FF6C09C08}"/>
+              </a:ext>
+            </a:extLst>
+          </p:cNvPr>
+          <p:cNvSpPr txBox="1"/>
+          <p:nvPr/>
+        </p:nvSpPr>
+        <p:spPr>
+          <a:xfrm>
+            <a:off x="861919" y="1619907"/>
+            <a:ext cx="1800200" cy="324036"/>
+          </a:xfrm>
+          <a:prstGeom prst="rect">
+            <a:avLst/>
+          </a:prstGeom>
+          <a:noFill/>
+        </p:spPr>
+        <p:txBody>
+          <a:bodyPr wrap="square" rtlCol="0">
+            <a:spAutoFit/>
+          </a:bodyPr>
+          <a:lstStyle/>
+          <a:p>
+            <a:r>
+              <a:rPr lang="de-DE" dirty="0">
+                <a:solidFill>
+                  <a:srgbClr val="750E17"/>
+                </a:solidFill>
+                <a:latin typeface="Trade Gothic Next" panose="020B0503040303020004" pitchFamily="34" charset="0"/>
+              </a:rPr>
+              <a:t>List </a:t>
+            </a:r>
+            <a:r>
+              <a:rPr lang="de-DE" dirty="0" err="1">
+                <a:solidFill>
+                  <a:srgbClr val="750E17"/>
+                </a:solidFill>
+                <a:latin typeface="Trade Gothic Next" panose="020B0503040303020004" pitchFamily="34" charset="0"/>
+              </a:rPr>
+              <a:t>of</a:t>
+            </a:r>
+            <a:r>
+              <a:rPr lang="de-DE" dirty="0">
+                <a:solidFill>
+                  <a:srgbClr val="750E17"/>
+                </a:solidFill>
+                <a:latin typeface="Trade Gothic Next" panose="020B0503040303020004" pitchFamily="34" charset="0"/>
+              </a:rPr>
+              <a:t> Artists</a:t>
+            </a:r>
+          </a:p>
+        </p:txBody>
+      </p:sp>
+      <p:pic>
+        <p:nvPicPr>
+          <p:cNvPr id="7" name="Grafik 6" descr="Internet mit einfarbiger Füllung">
+            <a:extLst>
+              <a:ext uri="{FF2B5EF4-FFF2-40B4-BE49-F238E27FC236}">
+                <a16:creationId xmlns:a16="http://schemas.microsoft.com/office/drawing/2014/main" id="{A49E8284-2910-63C8-12E9-29C5244D4D62}"/>
+              </a:ext>
+            </a:extLst>
+          </p:cNvPr>
+          <p:cNvPicPr>
+            <a:picLocks noChangeAspect="1"/>
+          </p:cNvPicPr>
+          <p:nvPr/>
+        </p:nvPicPr>
+        <p:blipFill>
+          <a:blip r:embed="rId6">
+            <a:extLst>
+              <a:ext uri="{28A0092B-C50C-407E-A947-70E740481C1C}">
+                <a14:useLocalDpi xmlns:a14="http://schemas.microsoft.com/office/drawing/2010/main" val="0"/>
+              </a:ext>
+              <a:ext uri="{96DAC541-7B7A-43D3-8B79-37D633B846F1}">
+                <asvg:svgBlip xmlns:asvg="http://schemas.microsoft.com/office/drawing/2016/SVG/main" r:embed="rId7"/>
+              </a:ext>
+            </a:extLst>
+          </a:blip>
+          <a:stretch>
+            <a:fillRect/>
+          </a:stretch>
+        </p:blipFill>
+        <p:spPr>
+          <a:xfrm>
+            <a:off x="-234378" y="1850256"/>
+            <a:ext cx="914400" cy="914400"/>
+          </a:xfrm>
+          <a:prstGeom prst="rect">
+            <a:avLst/>
+          </a:prstGeom>
+        </p:spPr>
+      </p:pic>
+      <p:pic>
+        <p:nvPicPr>
+          <p:cNvPr id="9" name="Grafik 8" descr="Datenbank mit einfarbiger Füllung">
+            <a:extLst>
+              <a:ext uri="{FF2B5EF4-FFF2-40B4-BE49-F238E27FC236}">
+                <a16:creationId xmlns:a16="http://schemas.microsoft.com/office/drawing/2014/main" id="{6ADDCC11-F209-E333-DD21-F214E98E3EA4}"/>
+              </a:ext>
+            </a:extLst>
+          </p:cNvPr>
+          <p:cNvPicPr>
+            <a:picLocks noChangeAspect="1"/>
+          </p:cNvPicPr>
+          <p:nvPr/>
+        </p:nvPicPr>
+        <p:blipFill>
+          <a:blip r:embed="rId8">
+            <a:extLst>
+              <a:ext uri="{28A0092B-C50C-407E-A947-70E740481C1C}">
+                <a14:useLocalDpi xmlns:a14="http://schemas.microsoft.com/office/drawing/2010/main" val="0"/>
+              </a:ext>
+              <a:ext uri="{96DAC541-7B7A-43D3-8B79-37D633B846F1}">
+                <asvg:svgBlip xmlns:asvg="http://schemas.microsoft.com/office/drawing/2016/SVG/main" r:embed="rId9"/>
+              </a:ext>
+            </a:extLst>
+          </a:blip>
+          <a:stretch>
+            <a:fillRect/>
+          </a:stretch>
+        </p:blipFill>
+        <p:spPr>
+          <a:xfrm>
+            <a:off x="2315403" y="2846157"/>
+            <a:ext cx="914400" cy="914400"/>
+          </a:xfrm>
+          <a:prstGeom prst="rect">
+            <a:avLst/>
+          </a:prstGeom>
+        </p:spPr>
+      </p:pic>
+      <p:pic>
+        <p:nvPicPr>
+          <p:cNvPr id="10" name="Grafik 9" descr="Tabelle mit einfarbiger Füllung">
+            <a:extLst>
+              <a:ext uri="{FF2B5EF4-FFF2-40B4-BE49-F238E27FC236}">
+                <a16:creationId xmlns:a16="http://schemas.microsoft.com/office/drawing/2014/main" id="{B3FC173A-2D79-E2F5-7733-1D7343326507}"/>
+              </a:ext>
+            </a:extLst>
+          </p:cNvPr>
+          <p:cNvPicPr>
+            <a:picLocks noChangeAspect="1"/>
+          </p:cNvPicPr>
+          <p:nvPr/>
+        </p:nvPicPr>
+        <p:blipFill>
+          <a:blip r:embed="rId10">
+            <a:extLst>
+              <a:ext uri="{28A0092B-C50C-407E-A947-70E740481C1C}">
+                <a14:useLocalDpi xmlns:a14="http://schemas.microsoft.com/office/drawing/2010/main" val="0"/>
+              </a:ext>
+              <a:ext uri="{96DAC541-7B7A-43D3-8B79-37D633B846F1}">
+                <asvg:svgBlip xmlns:asvg="http://schemas.microsoft.com/office/drawing/2016/SVG/main" r:embed="rId11"/>
+              </a:ext>
+            </a:extLst>
+          </a:blip>
+          <a:stretch>
+            <a:fillRect/>
+          </a:stretch>
+        </p:blipFill>
+        <p:spPr>
+          <a:xfrm>
+            <a:off x="1004616" y="1811909"/>
+            <a:ext cx="914400" cy="914400"/>
+          </a:xfrm>
+          <a:prstGeom prst="rect">
+            <a:avLst/>
+          </a:prstGeom>
+        </p:spPr>
+      </p:pic>
+      <p:sp>
+        <p:nvSpPr>
+          <p:cNvPr id="11" name="Textfeld 10">
+            <a:extLst>
+              <a:ext uri="{FF2B5EF4-FFF2-40B4-BE49-F238E27FC236}">
+                <a16:creationId xmlns:a16="http://schemas.microsoft.com/office/drawing/2014/main" id="{A5E44F06-40BE-5675-CC0A-8FA409C02595}"/>
+              </a:ext>
+            </a:extLst>
+          </p:cNvPr>
+          <p:cNvSpPr txBox="1"/>
+          <p:nvPr/>
+        </p:nvSpPr>
+        <p:spPr>
+          <a:xfrm>
+            <a:off x="556453" y="2920446"/>
+            <a:ext cx="1800200" cy="553998"/>
+          </a:xfrm>
+          <a:prstGeom prst="rect">
+            <a:avLst/>
+          </a:prstGeom>
+          <a:noFill/>
+        </p:spPr>
+        <p:txBody>
+          <a:bodyPr wrap="square" rtlCol="0">
+            <a:spAutoFit/>
+          </a:bodyPr>
+          <a:lstStyle/>
+          <a:p>
+            <a:pPr algn="ctr"/>
+            <a:r>
+              <a:rPr lang="de-DE" dirty="0">
+                <a:solidFill>
+                  <a:srgbClr val="750E17"/>
+                </a:solidFill>
+                <a:latin typeface="Trade Gothic Next" panose="020B0503040303020004" pitchFamily="34" charset="0"/>
+              </a:rPr>
+              <a:t>Lyrics Data </a:t>
+            </a:r>
+          </a:p>
+          <a:p>
+            <a:pPr algn="ctr"/>
+            <a:r>
+              <a:rPr lang="de-DE" dirty="0">
+                <a:solidFill>
+                  <a:srgbClr val="750E17"/>
+                </a:solidFill>
+                <a:latin typeface="Trade Gothic Next" panose="020B0503040303020004" pitchFamily="34" charset="0"/>
+              </a:rPr>
+              <a:t>German</a:t>
+            </a:r>
+          </a:p>
+        </p:txBody>
+      </p:sp>
+      <p:pic>
+        <p:nvPicPr>
+          <p:cNvPr id="15" name="Grafik 14">
+            <a:extLst>
+              <a:ext uri="{FF2B5EF4-FFF2-40B4-BE49-F238E27FC236}">
+                <a16:creationId xmlns:a16="http://schemas.microsoft.com/office/drawing/2014/main" id="{083F0ED8-BB5E-7AE0-F9D1-A77D4A86553A}"/>
+              </a:ext>
+            </a:extLst>
+          </p:cNvPr>
+          <p:cNvPicPr>
+            <a:picLocks noChangeAspect="1"/>
+          </p:cNvPicPr>
+          <p:nvPr/>
+        </p:nvPicPr>
+        <p:blipFill>
+          <a:blip r:embed="rId12">
+            <a:extLst>
+              <a:ext uri="{28A0092B-C50C-407E-A947-70E740481C1C}">
+                <a14:useLocalDpi xmlns:a14="http://schemas.microsoft.com/office/drawing/2010/main" val="0"/>
+              </a:ext>
+              <a:ext uri="{96DAC541-7B7A-43D3-8B79-37D633B846F1}">
+                <asvg:svgBlip xmlns:asvg="http://schemas.microsoft.com/office/drawing/2016/SVG/main" r:embed="rId13"/>
+              </a:ext>
+            </a:extLst>
+          </a:blip>
+          <a:stretch>
+            <a:fillRect/>
+          </a:stretch>
+        </p:blipFill>
+        <p:spPr>
+          <a:xfrm>
+            <a:off x="3492711" y="2846157"/>
+            <a:ext cx="914400" cy="914400"/>
+          </a:xfrm>
+          <a:prstGeom prst="rect">
+            <a:avLst/>
+          </a:prstGeom>
+        </p:spPr>
+      </p:pic>
+      <p:pic>
+        <p:nvPicPr>
+          <p:cNvPr id="16" name="Grafik 15" descr="Internet mit einfarbiger Füllung">
+            <a:extLst>
+              <a:ext uri="{FF2B5EF4-FFF2-40B4-BE49-F238E27FC236}">
+                <a16:creationId xmlns:a16="http://schemas.microsoft.com/office/drawing/2014/main" id="{0B510EDD-A1F4-C596-45F7-FF7281E2BB5E}"/>
+              </a:ext>
+            </a:extLst>
+          </p:cNvPr>
+          <p:cNvPicPr>
+            <a:picLocks noChangeAspect="1"/>
+          </p:cNvPicPr>
+          <p:nvPr/>
+        </p:nvPicPr>
+        <p:blipFill>
+          <a:blip r:embed="rId6">
+            <a:extLst>
+              <a:ext uri="{28A0092B-C50C-407E-A947-70E740481C1C}">
+                <a14:useLocalDpi xmlns:a14="http://schemas.microsoft.com/office/drawing/2010/main" val="0"/>
+              </a:ext>
+              <a:ext uri="{96DAC541-7B7A-43D3-8B79-37D633B846F1}">
+                <asvg:svgBlip xmlns:asvg="http://schemas.microsoft.com/office/drawing/2016/SVG/main" r:embed="rId7"/>
+              </a:ext>
+            </a:extLst>
+          </a:blip>
+          <a:stretch>
+            <a:fillRect/>
+          </a:stretch>
+        </p:blipFill>
+        <p:spPr>
+          <a:xfrm>
+            <a:off x="-242611" y="3303714"/>
+            <a:ext cx="914400" cy="914400"/>
+          </a:xfrm>
+          <a:prstGeom prst="rect">
+            <a:avLst/>
+          </a:prstGeom>
+        </p:spPr>
+      </p:pic>
+      <p:sp>
+        <p:nvSpPr>
+          <p:cNvPr id="17" name="Textfeld 16">
+            <a:extLst>
+              <a:ext uri="{FF2B5EF4-FFF2-40B4-BE49-F238E27FC236}">
+                <a16:creationId xmlns:a16="http://schemas.microsoft.com/office/drawing/2014/main" id="{BC85A9A4-4AA2-70D3-868F-9CF4A8924C8C}"/>
+              </a:ext>
+            </a:extLst>
+          </p:cNvPr>
+          <p:cNvSpPr txBox="1"/>
+          <p:nvPr/>
+        </p:nvSpPr>
+        <p:spPr>
+          <a:xfrm>
+            <a:off x="-302378" y="3106633"/>
+            <a:ext cx="1129040" cy="324036"/>
+          </a:xfrm>
+          <a:prstGeom prst="rect">
+            <a:avLst/>
+          </a:prstGeom>
+          <a:noFill/>
+        </p:spPr>
+        <p:txBody>
+          <a:bodyPr wrap="square" rtlCol="0">
+            <a:spAutoFit/>
+          </a:bodyPr>
+          <a:lstStyle/>
+          <a:p>
+            <a:r>
+              <a:rPr lang="de-DE" dirty="0" err="1">
+                <a:solidFill>
+                  <a:srgbClr val="C61826"/>
+                </a:solidFill>
+                <a:latin typeface="Trade Gothic Next" panose="020B0503040303020004" pitchFamily="34" charset="0"/>
+              </a:rPr>
+              <a:t>Genuis</a:t>
+            </a:r>
+            <a:r>
+              <a:rPr lang="de-DE" dirty="0">
+                <a:solidFill>
+                  <a:srgbClr val="C61826"/>
+                </a:solidFill>
+                <a:latin typeface="Trade Gothic Next" panose="020B0503040303020004" pitchFamily="34" charset="0"/>
+              </a:rPr>
+              <a:t> API</a:t>
+            </a:r>
+          </a:p>
+        </p:txBody>
+      </p:sp>
+      <p:sp>
+        <p:nvSpPr>
+          <p:cNvPr id="18" name="Textfeld 17">
+            <a:extLst>
+              <a:ext uri="{FF2B5EF4-FFF2-40B4-BE49-F238E27FC236}">
+                <a16:creationId xmlns:a16="http://schemas.microsoft.com/office/drawing/2014/main" id="{6E346AF3-3B31-8A23-58C3-746219640590}"/>
+              </a:ext>
+            </a:extLst>
+          </p:cNvPr>
+          <p:cNvSpPr txBox="1"/>
+          <p:nvPr/>
+        </p:nvSpPr>
+        <p:spPr>
           <a:xfrm>
             <a:off x="-324135" y="1619907"/>
-            <a:ext cx="9703034" cy="3889566"/>
-            <a:chOff x="-313677" y="1846304"/>
-            <a:chExt cx="9703034" cy="3889566"/>
-          </a:xfrm>
-        </p:grpSpPr>
-        <p:pic>
-          <p:nvPicPr>
-            <p:cNvPr id="11318" name="Picture 11">
-              <a:extLst>
-                <a:ext uri="{FF2B5EF4-FFF2-40B4-BE49-F238E27FC236}">
-                  <a16:creationId xmlns:a16="http://schemas.microsoft.com/office/drawing/2014/main" id="{94B39C44-8B1D-86EF-C8BE-2630C36B9C20}"/>
-                </a:ext>
-              </a:extLst>
-            </p:cNvPr>
-            <p:cNvPicPr>
-              <a:picLocks noChangeAspect="1" noChangeArrowheads="1"/>
-            </p:cNvPicPr>
-            <p:nvPr/>
-          </p:nvPicPr>
-          <p:blipFill>
-            <a:blip r:embed="rId2">
-              <a:extLst>
-                <a:ext uri="{28A0092B-C50C-407E-A947-70E740481C1C}">
-                  <a14:useLocalDpi xmlns:a14="http://schemas.microsoft.com/office/drawing/2010/main" val="0"/>
-                </a:ext>
-              </a:extLst>
-            </a:blip>
-            <a:srcRect/>
-            <a:stretch>
-              <a:fillRect/>
-            </a:stretch>
-          </p:blipFill>
-          <p:spPr bwMode="auto">
-            <a:xfrm>
-              <a:off x="1798344" y="5012726"/>
-              <a:ext cx="761173" cy="507787"/>
-            </a:xfrm>
-            <a:prstGeom prst="rect">
-              <a:avLst/>
-            </a:prstGeom>
-            <a:noFill/>
-            <a:extLst>
-              <a:ext uri="{909E8E84-426E-40DD-AFC4-6F175D3DCCD1}">
-                <a14:hiddenFill xmlns:a14="http://schemas.microsoft.com/office/drawing/2010/main">
-                  <a:solidFill>
-                    <a:srgbClr val="FFFFFF"/>
-                  </a:solidFill>
-                </a14:hiddenFill>
-              </a:ext>
-            </a:extLst>
-          </p:spPr>
-        </p:pic>
-        <p:pic>
-          <p:nvPicPr>
-            <p:cNvPr id="11315" name="Grafik 11314">
-              <a:extLst>
-                <a:ext uri="{FF2B5EF4-FFF2-40B4-BE49-F238E27FC236}">
-                  <a16:creationId xmlns:a16="http://schemas.microsoft.com/office/drawing/2014/main" id="{4EF3AE3F-D7F1-5B9A-A60C-0255FD1FC161}"/>
-                </a:ext>
-              </a:extLst>
-            </p:cNvPr>
-            <p:cNvPicPr>
-              <a:picLocks noChangeAspect="1"/>
-            </p:cNvPicPr>
-            <p:nvPr/>
-          </p:nvPicPr>
-          <p:blipFill>
-            <a:blip r:embed="rId3"/>
-            <a:stretch>
-              <a:fillRect/>
-            </a:stretch>
-          </p:blipFill>
-          <p:spPr>
-            <a:xfrm>
-              <a:off x="1153981" y="3796082"/>
-              <a:ext cx="695448" cy="457275"/>
-            </a:xfrm>
-            <a:prstGeom prst="rect">
-              <a:avLst/>
-            </a:prstGeom>
-          </p:spPr>
-        </p:pic>
-        <p:sp>
-          <p:nvSpPr>
-            <p:cNvPr id="11299" name="Zylinder 11298">
-              <a:extLst>
-                <a:ext uri="{FF2B5EF4-FFF2-40B4-BE49-F238E27FC236}">
-                  <a16:creationId xmlns:a16="http://schemas.microsoft.com/office/drawing/2014/main" id="{2997C7FD-D540-B6F9-3D33-2C3D4A324992}"/>
-                </a:ext>
-              </a:extLst>
-            </p:cNvPr>
-            <p:cNvSpPr/>
-            <p:nvPr/>
-          </p:nvSpPr>
-          <p:spPr>
-            <a:xfrm rot="5400000">
-              <a:off x="5615199" y="2441736"/>
-              <a:ext cx="1104927" cy="2197574"/>
-            </a:xfrm>
-            <a:prstGeom prst="can">
-              <a:avLst/>
-            </a:prstGeom>
+            <a:ext cx="1129040" cy="324036"/>
+          </a:xfrm>
+          <a:prstGeom prst="rect">
+            <a:avLst/>
+          </a:prstGeom>
+          <a:noFill/>
+        </p:spPr>
+        <p:txBody>
+          <a:bodyPr wrap="square" rtlCol="0">
+            <a:spAutoFit/>
+          </a:bodyPr>
+          <a:lstStyle/>
+          <a:p>
+            <a:pPr algn="ctr"/>
+            <a:r>
+              <a:rPr lang="de-DE" dirty="0">
+                <a:solidFill>
+                  <a:srgbClr val="C61826"/>
+                </a:solidFill>
+                <a:latin typeface="Trade Gothic Next" panose="020B0503040303020004" pitchFamily="34" charset="0"/>
+              </a:rPr>
+              <a:t>Spotify API</a:t>
+            </a:r>
+          </a:p>
+        </p:txBody>
+      </p:sp>
+      <p:cxnSp>
+        <p:nvCxnSpPr>
+          <p:cNvPr id="20" name="Gerade Verbindung mit Pfeil 19">
+            <a:extLst>
+              <a:ext uri="{FF2B5EF4-FFF2-40B4-BE49-F238E27FC236}">
+                <a16:creationId xmlns:a16="http://schemas.microsoft.com/office/drawing/2014/main" id="{D43799C6-0BD1-91B5-DE5E-E2B06368CCE5}"/>
+              </a:ext>
+            </a:extLst>
+          </p:cNvPr>
+          <p:cNvCxnSpPr>
+            <a:cxnSpLocks/>
+          </p:cNvCxnSpPr>
+          <p:nvPr/>
+        </p:nvCxnSpPr>
+        <p:spPr>
+          <a:xfrm>
+            <a:off x="718650" y="2307456"/>
+            <a:ext cx="268497" cy="0"/>
+          </a:xfrm>
+          <a:prstGeom prst="straightConnector1">
+            <a:avLst/>
+          </a:prstGeom>
+          <a:ln w="44450">
             <a:solidFill>
               <a:srgbClr val="C61826"/>
             </a:solidFill>
-            <a:ln>
+            <a:tailEnd type="triangle"/>
+          </a:ln>
+        </p:spPr>
+        <p:style>
+          <a:lnRef idx="1">
+            <a:schemeClr val="accent1"/>
+          </a:lnRef>
+          <a:fillRef idx="0">
+            <a:schemeClr val="accent1"/>
+          </a:fillRef>
+          <a:effectRef idx="0">
+            <a:schemeClr val="accent1"/>
+          </a:effectRef>
+          <a:fontRef idx="minor">
+            <a:schemeClr val="tx1"/>
+          </a:fontRef>
+        </p:style>
+      </p:cxnSp>
+      <p:cxnSp>
+        <p:nvCxnSpPr>
+          <p:cNvPr id="22" name="Gerade Verbindung mit Pfeil 21">
+            <a:extLst>
+              <a:ext uri="{FF2B5EF4-FFF2-40B4-BE49-F238E27FC236}">
+                <a16:creationId xmlns:a16="http://schemas.microsoft.com/office/drawing/2014/main" id="{F9F1998D-6C59-B5DE-9F7D-DB44D9B38229}"/>
+              </a:ext>
+            </a:extLst>
+          </p:cNvPr>
+          <p:cNvCxnSpPr>
+            <a:cxnSpLocks/>
+            <a:endCxn id="17" idx="0"/>
+          </p:cNvCxnSpPr>
+          <p:nvPr/>
+        </p:nvCxnSpPr>
+        <p:spPr>
+          <a:xfrm flipH="1">
+            <a:off x="262142" y="2657070"/>
+            <a:ext cx="771791" cy="449563"/>
+          </a:xfrm>
+          <a:prstGeom prst="straightConnector1">
+            <a:avLst/>
+          </a:prstGeom>
+          <a:ln w="44450">
+            <a:solidFill>
+              <a:srgbClr val="C61826"/>
+            </a:solidFill>
+            <a:prstDash val="sysDash"/>
+            <a:tailEnd type="triangle"/>
+          </a:ln>
+        </p:spPr>
+        <p:style>
+          <a:lnRef idx="1">
+            <a:schemeClr val="accent1"/>
+          </a:lnRef>
+          <a:fillRef idx="0">
+            <a:schemeClr val="accent1"/>
+          </a:fillRef>
+          <a:effectRef idx="0">
+            <a:schemeClr val="accent1"/>
+          </a:effectRef>
+          <a:fontRef idx="minor">
+            <a:schemeClr val="tx1"/>
+          </a:fontRef>
+        </p:style>
+      </p:cxnSp>
+      <p:cxnSp>
+        <p:nvCxnSpPr>
+          <p:cNvPr id="25" name="Gerade Verbindung mit Pfeil 24">
+            <a:extLst>
+              <a:ext uri="{FF2B5EF4-FFF2-40B4-BE49-F238E27FC236}">
+                <a16:creationId xmlns:a16="http://schemas.microsoft.com/office/drawing/2014/main" id="{1292AE11-E0D0-E189-A2C7-C161569DF9B1}"/>
+              </a:ext>
+            </a:extLst>
+          </p:cNvPr>
+          <p:cNvCxnSpPr>
+            <a:cxnSpLocks/>
+          </p:cNvCxnSpPr>
+          <p:nvPr/>
+        </p:nvCxnSpPr>
+        <p:spPr>
+          <a:xfrm>
+            <a:off x="695524" y="3702812"/>
+            <a:ext cx="275154" cy="0"/>
+          </a:xfrm>
+          <a:prstGeom prst="straightConnector1">
+            <a:avLst/>
+          </a:prstGeom>
+          <a:ln w="44450">
+            <a:solidFill>
+              <a:srgbClr val="C61826"/>
+            </a:solidFill>
+            <a:tailEnd type="triangle"/>
+          </a:ln>
+        </p:spPr>
+        <p:style>
+          <a:lnRef idx="1">
+            <a:schemeClr val="accent1"/>
+          </a:lnRef>
+          <a:fillRef idx="0">
+            <a:schemeClr val="accent1"/>
+          </a:fillRef>
+          <a:effectRef idx="0">
+            <a:schemeClr val="accent1"/>
+          </a:effectRef>
+          <a:fontRef idx="minor">
+            <a:schemeClr val="tx1"/>
+          </a:fontRef>
+        </p:style>
+      </p:cxnSp>
+      <p:cxnSp>
+        <p:nvCxnSpPr>
+          <p:cNvPr id="29" name="Gerade Verbindung mit Pfeil 28">
+            <a:extLst>
+              <a:ext uri="{FF2B5EF4-FFF2-40B4-BE49-F238E27FC236}">
+                <a16:creationId xmlns:a16="http://schemas.microsoft.com/office/drawing/2014/main" id="{1A87948E-D16D-8E14-4DBD-EF89D73C0BBB}"/>
+              </a:ext>
+            </a:extLst>
+          </p:cNvPr>
+          <p:cNvCxnSpPr>
+            <a:cxnSpLocks/>
+          </p:cNvCxnSpPr>
+          <p:nvPr/>
+        </p:nvCxnSpPr>
+        <p:spPr>
+          <a:xfrm>
+            <a:off x="1931197" y="2637335"/>
+            <a:ext cx="370982" cy="435027"/>
+          </a:xfrm>
+          <a:prstGeom prst="straightConnector1">
+            <a:avLst/>
+          </a:prstGeom>
+          <a:ln w="44450">
+            <a:solidFill>
+              <a:srgbClr val="750E17"/>
+            </a:solidFill>
+            <a:tailEnd type="triangle"/>
+          </a:ln>
+        </p:spPr>
+        <p:style>
+          <a:lnRef idx="1">
+            <a:schemeClr val="accent1"/>
+          </a:lnRef>
+          <a:fillRef idx="0">
+            <a:schemeClr val="accent1"/>
+          </a:fillRef>
+          <a:effectRef idx="0">
+            <a:schemeClr val="accent1"/>
+          </a:effectRef>
+          <a:fontRef idx="minor">
+            <a:schemeClr val="tx1"/>
+          </a:fontRef>
+        </p:style>
+      </p:cxnSp>
+      <p:sp>
+        <p:nvSpPr>
+          <p:cNvPr id="35" name="Textfeld 34">
+            <a:extLst>
+              <a:ext uri="{FF2B5EF4-FFF2-40B4-BE49-F238E27FC236}">
+                <a16:creationId xmlns:a16="http://schemas.microsoft.com/office/drawing/2014/main" id="{FD0A8F78-1B23-7397-CEF3-DB6BCCCAABC4}"/>
+              </a:ext>
+            </a:extLst>
+          </p:cNvPr>
+          <p:cNvSpPr txBox="1"/>
+          <p:nvPr/>
+        </p:nvSpPr>
+        <p:spPr>
+          <a:xfrm>
+            <a:off x="2252673" y="2307456"/>
+            <a:ext cx="1049138" cy="553998"/>
+          </a:xfrm>
+          <a:prstGeom prst="rect">
+            <a:avLst/>
+          </a:prstGeom>
+          <a:noFill/>
+        </p:spPr>
+        <p:txBody>
+          <a:bodyPr wrap="square" rtlCol="0">
+            <a:spAutoFit/>
+          </a:bodyPr>
+          <a:lstStyle/>
+          <a:p>
+            <a:pPr algn="ctr"/>
+            <a:r>
+              <a:rPr lang="de-DE" dirty="0">
+                <a:solidFill>
+                  <a:srgbClr val="36060A"/>
+                </a:solidFill>
+                <a:latin typeface="Trade Gothic Next" panose="020B0503040303020004" pitchFamily="34" charset="0"/>
+              </a:rPr>
+              <a:t>Final Raw </a:t>
+            </a:r>
+          </a:p>
+          <a:p>
+            <a:pPr algn="ctr"/>
+            <a:r>
+              <a:rPr lang="de-DE" dirty="0">
+                <a:solidFill>
+                  <a:srgbClr val="36060A"/>
+                </a:solidFill>
+                <a:latin typeface="Trade Gothic Next" panose="020B0503040303020004" pitchFamily="34" charset="0"/>
+              </a:rPr>
+              <a:t>Data</a:t>
+            </a:r>
+          </a:p>
+        </p:txBody>
+      </p:sp>
+      <p:cxnSp>
+        <p:nvCxnSpPr>
+          <p:cNvPr id="37" name="Gerade Verbindung mit Pfeil 36">
+            <a:extLst>
+              <a:ext uri="{FF2B5EF4-FFF2-40B4-BE49-F238E27FC236}">
+                <a16:creationId xmlns:a16="http://schemas.microsoft.com/office/drawing/2014/main" id="{35EB7EFB-6885-450A-1988-39686F8EA33E}"/>
+              </a:ext>
+            </a:extLst>
+          </p:cNvPr>
+          <p:cNvCxnSpPr>
+            <a:cxnSpLocks/>
+          </p:cNvCxnSpPr>
+          <p:nvPr/>
+        </p:nvCxnSpPr>
+        <p:spPr>
+          <a:xfrm>
+            <a:off x="3139614" y="3256193"/>
+            <a:ext cx="342217" cy="0"/>
+          </a:xfrm>
+          <a:prstGeom prst="straightConnector1">
+            <a:avLst/>
+          </a:prstGeom>
+          <a:ln w="44450">
+            <a:solidFill>
+              <a:srgbClr val="36060A"/>
+            </a:solidFill>
+            <a:tailEnd type="triangle"/>
+          </a:ln>
+        </p:spPr>
+        <p:style>
+          <a:lnRef idx="1">
+            <a:schemeClr val="accent1"/>
+          </a:lnRef>
+          <a:fillRef idx="0">
+            <a:schemeClr val="accent1"/>
+          </a:fillRef>
+          <a:effectRef idx="0">
+            <a:schemeClr val="accent1"/>
+          </a:effectRef>
+          <a:fontRef idx="minor">
+            <a:schemeClr val="tx1"/>
+          </a:fontRef>
+        </p:style>
+      </p:cxnSp>
+      <p:sp>
+        <p:nvSpPr>
+          <p:cNvPr id="40" name="Textfeld 39">
+            <a:extLst>
+              <a:ext uri="{FF2B5EF4-FFF2-40B4-BE49-F238E27FC236}">
+                <a16:creationId xmlns:a16="http://schemas.microsoft.com/office/drawing/2014/main" id="{4C47DF3F-C327-0AA9-9030-B82FE6D2F4EF}"/>
+              </a:ext>
+            </a:extLst>
+          </p:cNvPr>
+          <p:cNvSpPr txBox="1"/>
+          <p:nvPr/>
+        </p:nvSpPr>
+        <p:spPr>
+          <a:xfrm>
+            <a:off x="3079971" y="2307456"/>
+            <a:ext cx="1800200" cy="553998"/>
+          </a:xfrm>
+          <a:prstGeom prst="rect">
+            <a:avLst/>
+          </a:prstGeom>
+          <a:noFill/>
+        </p:spPr>
+        <p:txBody>
+          <a:bodyPr wrap="square" rtlCol="0">
+            <a:spAutoFit/>
+          </a:bodyPr>
+          <a:lstStyle/>
+          <a:p>
+            <a:pPr algn="ctr"/>
+            <a:r>
+              <a:rPr lang="de-DE" dirty="0" err="1">
+                <a:solidFill>
+                  <a:srgbClr val="36060A"/>
+                </a:solidFill>
+                <a:latin typeface="Trade Gothic Next" panose="020B0503040303020004" pitchFamily="34" charset="0"/>
+              </a:rPr>
+              <a:t>Elastic</a:t>
+            </a:r>
+            <a:r>
+              <a:rPr lang="de-DE" dirty="0">
+                <a:solidFill>
+                  <a:srgbClr val="36060A"/>
+                </a:solidFill>
+                <a:latin typeface="Trade Gothic Next" panose="020B0503040303020004" pitchFamily="34" charset="0"/>
+              </a:rPr>
+              <a:t> </a:t>
+            </a:r>
+          </a:p>
+          <a:p>
+            <a:pPr algn="ctr"/>
+            <a:r>
+              <a:rPr lang="de-DE" dirty="0">
+                <a:solidFill>
+                  <a:srgbClr val="36060A"/>
+                </a:solidFill>
+                <a:latin typeface="Trade Gothic Next" panose="020B0503040303020004" pitchFamily="34" charset="0"/>
+              </a:rPr>
+              <a:t>Search</a:t>
+            </a:r>
+          </a:p>
+        </p:txBody>
+      </p:sp>
+      <p:cxnSp>
+        <p:nvCxnSpPr>
+          <p:cNvPr id="60" name="Gerade Verbindung mit Pfeil 59">
+            <a:extLst>
+              <a:ext uri="{FF2B5EF4-FFF2-40B4-BE49-F238E27FC236}">
+                <a16:creationId xmlns:a16="http://schemas.microsoft.com/office/drawing/2014/main" id="{15F7F5B9-48E7-B2C1-9DEC-449FC600E796}"/>
+              </a:ext>
+            </a:extLst>
+          </p:cNvPr>
+          <p:cNvCxnSpPr>
+            <a:cxnSpLocks/>
+          </p:cNvCxnSpPr>
+          <p:nvPr/>
+        </p:nvCxnSpPr>
+        <p:spPr>
+          <a:xfrm>
+            <a:off x="4503844" y="3363303"/>
+            <a:ext cx="491486" cy="9115"/>
+          </a:xfrm>
+          <a:prstGeom prst="straightConnector1">
+            <a:avLst/>
+          </a:prstGeom>
+          <a:ln w="44450">
+            <a:solidFill>
+              <a:srgbClr val="36060A"/>
+            </a:solidFill>
+            <a:tailEnd type="triangle"/>
+          </a:ln>
+        </p:spPr>
+        <p:style>
+          <a:lnRef idx="1">
+            <a:schemeClr val="accent1"/>
+          </a:lnRef>
+          <a:fillRef idx="0">
+            <a:schemeClr val="accent1"/>
+          </a:fillRef>
+          <a:effectRef idx="0">
+            <a:schemeClr val="accent1"/>
+          </a:effectRef>
+          <a:fontRef idx="minor">
+            <a:schemeClr val="tx1"/>
+          </a:fontRef>
+        </p:style>
+      </p:cxnSp>
+      <p:cxnSp>
+        <p:nvCxnSpPr>
+          <p:cNvPr id="11264" name="Gerade Verbindung mit Pfeil 11263">
+            <a:extLst>
+              <a:ext uri="{FF2B5EF4-FFF2-40B4-BE49-F238E27FC236}">
+                <a16:creationId xmlns:a16="http://schemas.microsoft.com/office/drawing/2014/main" id="{441AA7D4-999D-F54C-3863-30133131EAEA}"/>
+              </a:ext>
+            </a:extLst>
+          </p:cNvPr>
+          <p:cNvCxnSpPr>
+            <a:cxnSpLocks/>
+          </p:cNvCxnSpPr>
+          <p:nvPr/>
+        </p:nvCxnSpPr>
+        <p:spPr>
+          <a:xfrm flipV="1">
+            <a:off x="4515637" y="2365618"/>
+            <a:ext cx="416069" cy="771730"/>
+          </a:xfrm>
+          <a:prstGeom prst="straightConnector1">
+            <a:avLst/>
+          </a:prstGeom>
+          <a:ln w="44450">
+            <a:solidFill>
+              <a:srgbClr val="36060A"/>
+            </a:solidFill>
+            <a:tailEnd type="triangle"/>
+          </a:ln>
+        </p:spPr>
+        <p:style>
+          <a:lnRef idx="1">
+            <a:schemeClr val="accent1"/>
+          </a:lnRef>
+          <a:fillRef idx="0">
+            <a:schemeClr val="accent1"/>
+          </a:fillRef>
+          <a:effectRef idx="0">
+            <a:schemeClr val="accent1"/>
+          </a:effectRef>
+          <a:fontRef idx="minor">
+            <a:schemeClr val="tx1"/>
+          </a:fontRef>
+        </p:style>
+      </p:cxnSp>
+      <p:cxnSp>
+        <p:nvCxnSpPr>
+          <p:cNvPr id="11276" name="Gerade Verbindung mit Pfeil 11275">
+            <a:extLst>
+              <a:ext uri="{FF2B5EF4-FFF2-40B4-BE49-F238E27FC236}">
+                <a16:creationId xmlns:a16="http://schemas.microsoft.com/office/drawing/2014/main" id="{4269637F-EF20-2C17-40B6-8B8A5B4D0683}"/>
+              </a:ext>
+            </a:extLst>
+          </p:cNvPr>
+          <p:cNvCxnSpPr>
+            <a:cxnSpLocks/>
+          </p:cNvCxnSpPr>
+          <p:nvPr/>
+        </p:nvCxnSpPr>
+        <p:spPr>
+          <a:xfrm>
+            <a:off x="4503844" y="3648312"/>
+            <a:ext cx="491486" cy="661522"/>
+          </a:xfrm>
+          <a:prstGeom prst="straightConnector1">
+            <a:avLst/>
+          </a:prstGeom>
+          <a:ln w="44450">
+            <a:solidFill>
+              <a:srgbClr val="36060A"/>
+            </a:solidFill>
+            <a:tailEnd type="triangle"/>
+          </a:ln>
+        </p:spPr>
+        <p:style>
+          <a:lnRef idx="1">
+            <a:schemeClr val="accent1"/>
+          </a:lnRef>
+          <a:fillRef idx="0">
+            <a:schemeClr val="accent1"/>
+          </a:fillRef>
+          <a:effectRef idx="0">
+            <a:schemeClr val="accent1"/>
+          </a:effectRef>
+          <a:fontRef idx="minor">
+            <a:schemeClr val="tx1"/>
+          </a:fontRef>
+        </p:style>
+      </p:cxnSp>
+      <p:sp>
+        <p:nvSpPr>
+          <p:cNvPr id="11280" name="Textfeld 11279">
+            <a:extLst>
+              <a:ext uri="{FF2B5EF4-FFF2-40B4-BE49-F238E27FC236}">
+                <a16:creationId xmlns:a16="http://schemas.microsoft.com/office/drawing/2014/main" id="{9893C6A8-C90E-4924-4858-98F921327E2B}"/>
+              </a:ext>
+            </a:extLst>
+          </p:cNvPr>
+          <p:cNvSpPr txBox="1"/>
+          <p:nvPr/>
+        </p:nvSpPr>
+        <p:spPr>
+          <a:xfrm>
+            <a:off x="5270236" y="1942960"/>
+            <a:ext cx="1563287" cy="553998"/>
+          </a:xfrm>
+          <a:prstGeom prst="rect">
+            <a:avLst/>
+          </a:prstGeom>
+          <a:noFill/>
+        </p:spPr>
+        <p:txBody>
+          <a:bodyPr wrap="square" rtlCol="0">
+            <a:spAutoFit/>
+          </a:bodyPr>
+          <a:lstStyle/>
+          <a:p>
+            <a:pPr algn="ctr"/>
+            <a:r>
+              <a:rPr lang="de-DE" dirty="0">
+                <a:solidFill>
+                  <a:schemeClr val="bg1"/>
+                </a:solidFill>
+                <a:latin typeface="Trade Gothic Next" panose="020B0503040303020004" pitchFamily="34" charset="0"/>
+              </a:rPr>
+              <a:t>Basic </a:t>
+            </a:r>
+            <a:r>
+              <a:rPr lang="de-DE" dirty="0" err="1">
+                <a:solidFill>
+                  <a:schemeClr val="bg1"/>
+                </a:solidFill>
+                <a:latin typeface="Trade Gothic Next" panose="020B0503040303020004" pitchFamily="34" charset="0"/>
+              </a:rPr>
+              <a:t>Metric</a:t>
+            </a:r>
+            <a:r>
+              <a:rPr lang="de-DE" dirty="0">
+                <a:solidFill>
+                  <a:schemeClr val="bg1"/>
+                </a:solidFill>
+                <a:latin typeface="Trade Gothic Next" panose="020B0503040303020004" pitchFamily="34" charset="0"/>
+              </a:rPr>
+              <a:t> Analysis</a:t>
+            </a:r>
+          </a:p>
+        </p:txBody>
+      </p:sp>
+      <p:sp>
+        <p:nvSpPr>
+          <p:cNvPr id="11281" name="Textfeld 11280">
+            <a:extLst>
+              <a:ext uri="{FF2B5EF4-FFF2-40B4-BE49-F238E27FC236}">
+                <a16:creationId xmlns:a16="http://schemas.microsoft.com/office/drawing/2014/main" id="{E2767A7B-C3C3-002B-A8D5-9635D632F38D}"/>
+              </a:ext>
+            </a:extLst>
+          </p:cNvPr>
+          <p:cNvSpPr txBox="1"/>
+          <p:nvPr/>
+        </p:nvSpPr>
+        <p:spPr>
+          <a:xfrm>
+            <a:off x="4993999" y="2949142"/>
+            <a:ext cx="2066610" cy="830997"/>
+          </a:xfrm>
+          <a:prstGeom prst="rect">
+            <a:avLst/>
+          </a:prstGeom>
+          <a:noFill/>
+        </p:spPr>
+        <p:txBody>
+          <a:bodyPr wrap="square" rtlCol="0">
+            <a:spAutoFit/>
+          </a:bodyPr>
+          <a:lstStyle/>
+          <a:p>
+            <a:pPr algn="ctr"/>
+            <a:r>
+              <a:rPr lang="de-DE" sz="1200" dirty="0">
+                <a:solidFill>
+                  <a:schemeClr val="bg1"/>
+                </a:solidFill>
+                <a:latin typeface="Trade Gothic Next" panose="020B0503040303020004" pitchFamily="34" charset="0"/>
+              </a:rPr>
+              <a:t>External Framework Analysis (e.g. </a:t>
+            </a:r>
+            <a:r>
+              <a:rPr lang="de-DE" sz="1200" dirty="0" err="1">
+                <a:solidFill>
+                  <a:schemeClr val="bg1"/>
+                </a:solidFill>
+                <a:latin typeface="Trade Gothic Next" panose="020B0503040303020004" pitchFamily="34" charset="0"/>
+              </a:rPr>
+              <a:t>HateSonar</a:t>
+            </a:r>
+            <a:r>
+              <a:rPr lang="de-DE" sz="1200" dirty="0">
+                <a:solidFill>
+                  <a:schemeClr val="bg1"/>
+                </a:solidFill>
+                <a:latin typeface="Trade Gothic Next" panose="020B0503040303020004" pitchFamily="34" charset="0"/>
+              </a:rPr>
+              <a:t>, NLTK Sentiment Analysis, </a:t>
+            </a:r>
+            <a:r>
+              <a:rPr lang="de-DE" sz="1200" dirty="0" err="1">
+                <a:solidFill>
+                  <a:schemeClr val="bg1"/>
+                </a:solidFill>
+                <a:latin typeface="Trade Gothic Next" panose="020B0503040303020004" pitchFamily="34" charset="0"/>
+              </a:rPr>
+              <a:t>GermanSentimentBert</a:t>
+            </a:r>
+            <a:r>
+              <a:rPr lang="de-DE" sz="1200" dirty="0">
+                <a:solidFill>
+                  <a:schemeClr val="bg1"/>
+                </a:solidFill>
+                <a:latin typeface="Trade Gothic Next" panose="020B0503040303020004" pitchFamily="34" charset="0"/>
+              </a:rPr>
+              <a:t>)</a:t>
+            </a:r>
+          </a:p>
+        </p:txBody>
+      </p:sp>
+      <p:sp>
+        <p:nvSpPr>
+          <p:cNvPr id="11295" name="Textfeld 11294">
+            <a:extLst>
+              <a:ext uri="{FF2B5EF4-FFF2-40B4-BE49-F238E27FC236}">
+                <a16:creationId xmlns:a16="http://schemas.microsoft.com/office/drawing/2014/main" id="{024B42DD-3C0D-745E-4FCF-140335B793D6}"/>
+              </a:ext>
+            </a:extLst>
+          </p:cNvPr>
+          <p:cNvSpPr txBox="1"/>
+          <p:nvPr/>
+        </p:nvSpPr>
+        <p:spPr>
+          <a:xfrm>
+            <a:off x="1013670" y="4293673"/>
+            <a:ext cx="2216133" cy="646331"/>
+          </a:xfrm>
+          <a:prstGeom prst="rect">
+            <a:avLst/>
+          </a:prstGeom>
+          <a:noFill/>
+        </p:spPr>
+        <p:txBody>
+          <a:bodyPr wrap="square" rtlCol="0">
+            <a:spAutoFit/>
+          </a:bodyPr>
+          <a:lstStyle/>
+          <a:p>
+            <a:pPr algn="ctr"/>
+            <a:r>
+              <a:rPr lang="de-DE" sz="1200" dirty="0">
+                <a:solidFill>
+                  <a:srgbClr val="750E17"/>
+                </a:solidFill>
+                <a:latin typeface="Trade Gothic Next" panose="020B0503040303020004" pitchFamily="34" charset="0"/>
+              </a:rPr>
+              <a:t>Lyrics Data </a:t>
+            </a:r>
+            <a:r>
+              <a:rPr lang="de-DE" sz="1200" dirty="0" err="1">
+                <a:solidFill>
+                  <a:srgbClr val="750E17"/>
+                </a:solidFill>
+                <a:latin typeface="Trade Gothic Next" panose="020B0503040303020004" pitchFamily="34" charset="0"/>
+              </a:rPr>
+              <a:t>Translated</a:t>
+            </a:r>
+            <a:r>
+              <a:rPr lang="de-DE" sz="1200" dirty="0">
+                <a:solidFill>
+                  <a:srgbClr val="750E17"/>
+                </a:solidFill>
+                <a:latin typeface="Trade Gothic Next" panose="020B0503040303020004" pitchFamily="34" charset="0"/>
+              </a:rPr>
+              <a:t> </a:t>
+            </a:r>
+          </a:p>
+          <a:p>
+            <a:pPr algn="ctr"/>
+            <a:r>
+              <a:rPr lang="de-DE" sz="1200" dirty="0">
+                <a:solidFill>
+                  <a:srgbClr val="750E17"/>
+                </a:solidFill>
+                <a:latin typeface="Trade Gothic Next" panose="020B0503040303020004" pitchFamily="34" charset="0"/>
+              </a:rPr>
+              <a:t>(</a:t>
+            </a:r>
+            <a:r>
+              <a:rPr lang="de-DE" sz="1200" dirty="0" err="1">
+                <a:solidFill>
+                  <a:srgbClr val="750E17"/>
+                </a:solidFill>
+                <a:latin typeface="Trade Gothic Next" panose="020B0503040303020004" pitchFamily="34" charset="0"/>
+              </a:rPr>
+              <a:t>using</a:t>
+            </a:r>
+            <a:r>
+              <a:rPr lang="de-DE" sz="1200" dirty="0">
+                <a:solidFill>
+                  <a:srgbClr val="750E17"/>
+                </a:solidFill>
+                <a:latin typeface="Trade Gothic Next" panose="020B0503040303020004" pitchFamily="34" charset="0"/>
+              </a:rPr>
+              <a:t> DL </a:t>
+            </a:r>
+            <a:r>
+              <a:rPr lang="de-DE" sz="1200" dirty="0" err="1">
+                <a:solidFill>
+                  <a:srgbClr val="750E17"/>
+                </a:solidFill>
+                <a:latin typeface="Trade Gothic Next" panose="020B0503040303020004" pitchFamily="34" charset="0"/>
+              </a:rPr>
+              <a:t>Translate</a:t>
+            </a:r>
+            <a:r>
+              <a:rPr lang="de-DE" sz="1200" dirty="0">
+                <a:solidFill>
+                  <a:srgbClr val="750E17"/>
+                </a:solidFill>
+                <a:latin typeface="Trade Gothic Next" panose="020B0503040303020004" pitchFamily="34" charset="0"/>
+              </a:rPr>
+              <a:t> )</a:t>
+            </a:r>
+          </a:p>
+          <a:p>
+            <a:pPr algn="ctr"/>
+            <a:r>
+              <a:rPr lang="de-DE" sz="1200" dirty="0">
+                <a:solidFill>
+                  <a:srgbClr val="750E17"/>
+                </a:solidFill>
+                <a:latin typeface="Trade Gothic Next" panose="020B0503040303020004" pitchFamily="34" charset="0"/>
+              </a:rPr>
+              <a:t>   </a:t>
+            </a:r>
+          </a:p>
+        </p:txBody>
+      </p:sp>
+      <p:sp>
+        <p:nvSpPr>
+          <p:cNvPr id="11302" name="Zylinder 11301">
+            <a:extLst>
+              <a:ext uri="{FF2B5EF4-FFF2-40B4-BE49-F238E27FC236}">
+                <a16:creationId xmlns:a16="http://schemas.microsoft.com/office/drawing/2014/main" id="{3650C3F1-13DB-4C1E-924E-FD1C0D4F66D6}"/>
+              </a:ext>
+            </a:extLst>
+          </p:cNvPr>
+          <p:cNvSpPr/>
+          <p:nvPr/>
+        </p:nvSpPr>
+        <p:spPr>
+          <a:xfrm rot="5400000">
+            <a:off x="5897476" y="3241662"/>
+            <a:ext cx="602248" cy="2136345"/>
+          </a:xfrm>
+          <a:prstGeom prst="can">
+            <a:avLst/>
+          </a:prstGeom>
+          <a:solidFill>
+            <a:srgbClr val="C61826"/>
+          </a:solidFill>
+          <a:ln>
+            <a:solidFill>
+              <a:srgbClr val="36060A"/>
+            </a:solidFill>
+          </a:ln>
+        </p:spPr>
+        <p:style>
+          <a:lnRef idx="2">
+            <a:schemeClr val="accent1">
+              <a:shade val="50000"/>
+            </a:schemeClr>
+          </a:lnRef>
+          <a:fillRef idx="1">
+            <a:schemeClr val="accent1"/>
+          </a:fillRef>
+          <a:effectRef idx="0">
+            <a:schemeClr val="accent1"/>
+          </a:effectRef>
+          <a:fontRef idx="minor">
+            <a:schemeClr val="lt1"/>
+          </a:fontRef>
+        </p:style>
+        <p:txBody>
+          <a:bodyPr rtlCol="0" anchor="ctr"/>
+          <a:lstStyle/>
+          <a:p>
+            <a:pPr algn="ctr"/>
+            <a:endParaRPr lang="de-DE"/>
+          </a:p>
+        </p:txBody>
+      </p:sp>
+      <p:sp>
+        <p:nvSpPr>
+          <p:cNvPr id="11303" name="Textfeld 11302">
+            <a:extLst>
+              <a:ext uri="{FF2B5EF4-FFF2-40B4-BE49-F238E27FC236}">
+                <a16:creationId xmlns:a16="http://schemas.microsoft.com/office/drawing/2014/main" id="{B422DE2B-72E1-3A1D-AD44-77CA3E0C6BC3}"/>
+              </a:ext>
+            </a:extLst>
+          </p:cNvPr>
+          <p:cNvSpPr txBox="1"/>
+          <p:nvPr/>
+        </p:nvSpPr>
+        <p:spPr>
+          <a:xfrm>
+            <a:off x="5216666" y="4059623"/>
+            <a:ext cx="1774590" cy="492443"/>
+          </a:xfrm>
+          <a:prstGeom prst="rect">
+            <a:avLst/>
+          </a:prstGeom>
+          <a:noFill/>
+        </p:spPr>
+        <p:txBody>
+          <a:bodyPr wrap="square" rtlCol="0">
+            <a:spAutoFit/>
+          </a:bodyPr>
+          <a:lstStyle/>
+          <a:p>
+            <a:pPr algn="ctr"/>
+            <a:r>
+              <a:rPr lang="de-DE" sz="1300" dirty="0">
+                <a:solidFill>
+                  <a:schemeClr val="bg1"/>
+                </a:solidFill>
+                <a:latin typeface="Trade Gothic Next" panose="020B0503040303020004" pitchFamily="34" charset="0"/>
+              </a:rPr>
+              <a:t>Optional: Self-</a:t>
+            </a:r>
+            <a:r>
+              <a:rPr lang="de-DE" sz="1300" dirty="0" err="1">
+                <a:solidFill>
+                  <a:schemeClr val="bg1"/>
+                </a:solidFill>
+                <a:latin typeface="Trade Gothic Next" panose="020B0503040303020004" pitchFamily="34" charset="0"/>
+              </a:rPr>
+              <a:t>implementend</a:t>
+            </a:r>
+            <a:r>
+              <a:rPr lang="de-DE" sz="1300" dirty="0">
+                <a:solidFill>
+                  <a:schemeClr val="bg1"/>
+                </a:solidFill>
+                <a:latin typeface="Trade Gothic Next" panose="020B0503040303020004" pitchFamily="34" charset="0"/>
+              </a:rPr>
+              <a:t> Models</a:t>
+            </a:r>
+          </a:p>
+        </p:txBody>
+      </p:sp>
+      <p:cxnSp>
+        <p:nvCxnSpPr>
+          <p:cNvPr id="11304" name="Gerade Verbindung mit Pfeil 11303">
+            <a:extLst>
+              <a:ext uri="{FF2B5EF4-FFF2-40B4-BE49-F238E27FC236}">
+                <a16:creationId xmlns:a16="http://schemas.microsoft.com/office/drawing/2014/main" id="{FEAE3C22-9158-2FA9-C810-9AFF74B58AA6}"/>
+              </a:ext>
+            </a:extLst>
+          </p:cNvPr>
+          <p:cNvCxnSpPr>
+            <a:cxnSpLocks/>
+          </p:cNvCxnSpPr>
+          <p:nvPr/>
+        </p:nvCxnSpPr>
+        <p:spPr>
+          <a:xfrm>
+            <a:off x="7441717" y="2219959"/>
+            <a:ext cx="416069" cy="793730"/>
+          </a:xfrm>
+          <a:prstGeom prst="straightConnector1">
+            <a:avLst/>
+          </a:prstGeom>
+          <a:ln w="44450">
+            <a:solidFill>
+              <a:srgbClr val="C61826"/>
+            </a:solidFill>
+            <a:tailEnd type="triangle"/>
+          </a:ln>
+        </p:spPr>
+        <p:style>
+          <a:lnRef idx="1">
+            <a:schemeClr val="accent1"/>
+          </a:lnRef>
+          <a:fillRef idx="0">
+            <a:schemeClr val="accent1"/>
+          </a:fillRef>
+          <a:effectRef idx="0">
+            <a:schemeClr val="accent1"/>
+          </a:effectRef>
+          <a:fontRef idx="minor">
+            <a:schemeClr val="tx1"/>
+          </a:fontRef>
+        </p:style>
+      </p:cxnSp>
+      <p:cxnSp>
+        <p:nvCxnSpPr>
+          <p:cNvPr id="11306" name="Gerade Verbindung mit Pfeil 11305">
+            <a:extLst>
+              <a:ext uri="{FF2B5EF4-FFF2-40B4-BE49-F238E27FC236}">
+                <a16:creationId xmlns:a16="http://schemas.microsoft.com/office/drawing/2014/main" id="{BE80D363-3F6D-8F7E-C5F2-774143E3B57F}"/>
+              </a:ext>
+            </a:extLst>
+          </p:cNvPr>
+          <p:cNvCxnSpPr>
+            <a:cxnSpLocks/>
+          </p:cNvCxnSpPr>
+          <p:nvPr/>
+        </p:nvCxnSpPr>
+        <p:spPr>
+          <a:xfrm>
+            <a:off x="7560763" y="3278063"/>
+            <a:ext cx="377976" cy="0"/>
+          </a:xfrm>
+          <a:prstGeom prst="straightConnector1">
+            <a:avLst/>
+          </a:prstGeom>
+          <a:ln w="44450">
+            <a:solidFill>
+              <a:srgbClr val="C61826"/>
+            </a:solidFill>
+            <a:tailEnd type="triangle"/>
+          </a:ln>
+        </p:spPr>
+        <p:style>
+          <a:lnRef idx="1">
+            <a:schemeClr val="accent1"/>
+          </a:lnRef>
+          <a:fillRef idx="0">
+            <a:schemeClr val="accent1"/>
+          </a:fillRef>
+          <a:effectRef idx="0">
+            <a:schemeClr val="accent1"/>
+          </a:effectRef>
+          <a:fontRef idx="minor">
+            <a:schemeClr val="tx1"/>
+          </a:fontRef>
+        </p:style>
+      </p:cxnSp>
+      <p:cxnSp>
+        <p:nvCxnSpPr>
+          <p:cNvPr id="11308" name="Gerade Verbindung mit Pfeil 11307">
+            <a:extLst>
+              <a:ext uri="{FF2B5EF4-FFF2-40B4-BE49-F238E27FC236}">
+                <a16:creationId xmlns:a16="http://schemas.microsoft.com/office/drawing/2014/main" id="{B69B4529-3351-1927-1A8A-0BDD535DCCA3}"/>
+              </a:ext>
+            </a:extLst>
+          </p:cNvPr>
+          <p:cNvCxnSpPr>
+            <a:cxnSpLocks/>
+          </p:cNvCxnSpPr>
+          <p:nvPr/>
+        </p:nvCxnSpPr>
+        <p:spPr>
+          <a:xfrm flipV="1">
+            <a:off x="7441717" y="3558347"/>
+            <a:ext cx="443977" cy="747497"/>
+          </a:xfrm>
+          <a:prstGeom prst="straightConnector1">
+            <a:avLst/>
+          </a:prstGeom>
+          <a:ln w="44450">
+            <a:solidFill>
+              <a:srgbClr val="C61826"/>
+            </a:solidFill>
+            <a:tailEnd type="triangle"/>
+          </a:ln>
+        </p:spPr>
+        <p:style>
+          <a:lnRef idx="1">
+            <a:schemeClr val="accent1"/>
+          </a:lnRef>
+          <a:fillRef idx="0">
+            <a:schemeClr val="accent1"/>
+          </a:fillRef>
+          <a:effectRef idx="0">
+            <a:schemeClr val="accent1"/>
+          </a:effectRef>
+          <a:fontRef idx="minor">
+            <a:schemeClr val="tx1"/>
+          </a:fontRef>
+        </p:style>
+      </p:cxnSp>
+      <p:pic>
+        <p:nvPicPr>
+          <p:cNvPr id="11312" name="Grafik 11311" descr="Fernsehen mit einfarbiger Füllung">
+            <a:extLst>
+              <a:ext uri="{FF2B5EF4-FFF2-40B4-BE49-F238E27FC236}">
+                <a16:creationId xmlns:a16="http://schemas.microsoft.com/office/drawing/2014/main" id="{34071518-8861-72B0-7F49-3B53EDDBFDBA}"/>
+              </a:ext>
+            </a:extLst>
+          </p:cNvPr>
+          <p:cNvPicPr>
+            <a:picLocks noChangeAspect="1"/>
+          </p:cNvPicPr>
+          <p:nvPr/>
+        </p:nvPicPr>
+        <p:blipFill>
+          <a:blip r:embed="rId14">
+            <a:extLst>
+              <a:ext uri="{28A0092B-C50C-407E-A947-70E740481C1C}">
+                <a14:useLocalDpi xmlns:a14="http://schemas.microsoft.com/office/drawing/2010/main" val="0"/>
+              </a:ext>
+              <a:ext uri="{96DAC541-7B7A-43D3-8B79-37D633B846F1}">
+                <asvg:svgBlip xmlns:asvg="http://schemas.microsoft.com/office/drawing/2016/SVG/main" r:embed="rId15"/>
+              </a:ext>
+            </a:extLst>
+          </a:blip>
+          <a:stretch>
+            <a:fillRect/>
+          </a:stretch>
+        </p:blipFill>
+        <p:spPr>
+          <a:xfrm>
+            <a:off x="8104826" y="2643947"/>
+            <a:ext cx="914400" cy="914400"/>
+          </a:xfrm>
+          <a:prstGeom prst="rect">
+            <a:avLst/>
+          </a:prstGeom>
+        </p:spPr>
+      </p:pic>
+      <p:sp>
+        <p:nvSpPr>
+          <p:cNvPr id="11313" name="Textfeld 11312">
+            <a:extLst>
+              <a:ext uri="{FF2B5EF4-FFF2-40B4-BE49-F238E27FC236}">
+                <a16:creationId xmlns:a16="http://schemas.microsoft.com/office/drawing/2014/main" id="{948A574A-DF04-8CF3-2C27-99F3367CD6D5}"/>
+              </a:ext>
+            </a:extLst>
+          </p:cNvPr>
+          <p:cNvSpPr txBox="1"/>
+          <p:nvPr/>
+        </p:nvSpPr>
+        <p:spPr>
+          <a:xfrm>
+            <a:off x="7896473" y="3575816"/>
+            <a:ext cx="1482426" cy="553998"/>
+          </a:xfrm>
+          <a:prstGeom prst="rect">
+            <a:avLst/>
+          </a:prstGeom>
+          <a:noFill/>
+        </p:spPr>
+        <p:txBody>
+          <a:bodyPr wrap="square" rtlCol="0">
+            <a:spAutoFit/>
+          </a:bodyPr>
+          <a:lstStyle/>
+          <a:p>
+            <a:pPr algn="ctr"/>
+            <a:r>
+              <a:rPr lang="de-DE" dirty="0">
+                <a:solidFill>
+                  <a:srgbClr val="36060A"/>
+                </a:solidFill>
+                <a:latin typeface="Trade Gothic Next" panose="020B0503040303020004" pitchFamily="34" charset="0"/>
+              </a:rPr>
+              <a:t>Interpretation /</a:t>
+            </a:r>
+          </a:p>
+          <a:p>
+            <a:pPr algn="ctr"/>
+            <a:r>
+              <a:rPr lang="de-DE" dirty="0" err="1">
+                <a:solidFill>
+                  <a:srgbClr val="36060A"/>
+                </a:solidFill>
+                <a:latin typeface="Trade Gothic Next" panose="020B0503040303020004" pitchFamily="34" charset="0"/>
+              </a:rPr>
+              <a:t>Visualization</a:t>
+            </a:r>
+            <a:endParaRPr lang="de-DE" dirty="0">
               <a:solidFill>
                 <a:srgbClr val="36060A"/>
               </a:solidFill>
-            </a:ln>
-          </p:spPr>
-          <p:style>
-            <a:lnRef idx="2">
-              <a:schemeClr val="accent1">
-                <a:shade val="50000"/>
-              </a:schemeClr>
-            </a:lnRef>
-            <a:fillRef idx="1">
-              <a:schemeClr val="accent1"/>
-            </a:fillRef>
-            <a:effectRef idx="0">
-              <a:schemeClr val="accent1"/>
-            </a:effectRef>
-            <a:fontRef idx="minor">
-              <a:schemeClr val="lt1"/>
-            </a:fontRef>
-          </p:style>
-          <p:txBody>
-            <a:bodyPr rtlCol="0" anchor="ctr"/>
-            <a:lstStyle/>
-            <a:p>
-              <a:pPr algn="ctr"/>
-              <a:endParaRPr lang="de-DE"/>
-            </a:p>
-          </p:txBody>
-        </p:sp>
-        <p:sp>
-          <p:nvSpPr>
-            <p:cNvPr id="11291" name="Zylinder 11290">
-              <a:extLst>
-                <a:ext uri="{FF2B5EF4-FFF2-40B4-BE49-F238E27FC236}">
-                  <a16:creationId xmlns:a16="http://schemas.microsoft.com/office/drawing/2014/main" id="{F38F70F2-2400-C61A-8742-7EACD2F21881}"/>
-                </a:ext>
-              </a:extLst>
-            </p:cNvPr>
-            <p:cNvSpPr/>
-            <p:nvPr/>
-          </p:nvSpPr>
-          <p:spPr>
-            <a:xfrm rot="5400000">
-              <a:off x="5853517" y="1367810"/>
-              <a:ext cx="602248" cy="2171534"/>
-            </a:xfrm>
-            <a:prstGeom prst="can">
-              <a:avLst/>
-            </a:prstGeom>
+              <a:latin typeface="Trade Gothic Next" panose="020B0503040303020004" pitchFamily="34" charset="0"/>
+            </a:endParaRPr>
+          </a:p>
+        </p:txBody>
+      </p:sp>
+      <p:pic>
+        <p:nvPicPr>
+          <p:cNvPr id="11316" name="Grafik 11315" descr="Tabelle mit einfarbiger Füllung">
+            <a:extLst>
+              <a:ext uri="{FF2B5EF4-FFF2-40B4-BE49-F238E27FC236}">
+                <a16:creationId xmlns:a16="http://schemas.microsoft.com/office/drawing/2014/main" id="{65077440-3020-DDB6-B57F-6D21C54A73CC}"/>
+              </a:ext>
+            </a:extLst>
+          </p:cNvPr>
+          <p:cNvPicPr>
+            <a:picLocks noChangeAspect="1"/>
+          </p:cNvPicPr>
+          <p:nvPr/>
+        </p:nvPicPr>
+        <p:blipFill>
+          <a:blip r:embed="rId4">
+            <a:extLst>
+              <a:ext uri="{28A0092B-C50C-407E-A947-70E740481C1C}">
+                <a14:useLocalDpi xmlns:a14="http://schemas.microsoft.com/office/drawing/2010/main" val="0"/>
+              </a:ext>
+              <a:ext uri="{96DAC541-7B7A-43D3-8B79-37D633B846F1}">
+                <asvg:svgBlip xmlns:asvg="http://schemas.microsoft.com/office/drawing/2016/SVG/main" r:embed="rId5"/>
+              </a:ext>
+            </a:extLst>
+          </a:blip>
+          <a:stretch>
+            <a:fillRect/>
+          </a:stretch>
+        </p:blipFill>
+        <p:spPr>
+          <a:xfrm>
+            <a:off x="1714536" y="4595073"/>
+            <a:ext cx="914400" cy="914400"/>
+          </a:xfrm>
+          <a:prstGeom prst="rect">
+            <a:avLst/>
+          </a:prstGeom>
+        </p:spPr>
+      </p:pic>
+      <p:cxnSp>
+        <p:nvCxnSpPr>
+          <p:cNvPr id="11331" name="Verbinder: gewinkelt 11330">
+            <a:extLst>
+              <a:ext uri="{FF2B5EF4-FFF2-40B4-BE49-F238E27FC236}">
+                <a16:creationId xmlns:a16="http://schemas.microsoft.com/office/drawing/2014/main" id="{BEAFAC7C-3436-CCDD-C4ED-F516A2BAC9D0}"/>
+              </a:ext>
+            </a:extLst>
+          </p:cNvPr>
+          <p:cNvCxnSpPr>
+            <a:cxnSpLocks/>
+            <a:endCxn id="11316" idx="1"/>
+          </p:cNvCxnSpPr>
+          <p:nvPr/>
+        </p:nvCxnSpPr>
+        <p:spPr>
+          <a:xfrm rot="16200000" flipH="1">
+            <a:off x="1109952" y="4447689"/>
+            <a:ext cx="788642" cy="420526"/>
+          </a:xfrm>
+          <a:prstGeom prst="bentConnector2">
+            <a:avLst/>
+          </a:prstGeom>
+          <a:ln w="44450">
             <a:solidFill>
-              <a:srgbClr val="C61826"/>
+              <a:srgbClr val="750E17"/>
             </a:solidFill>
-            <a:ln>
-              <a:solidFill>
-                <a:srgbClr val="36060A"/>
-              </a:solidFill>
-            </a:ln>
-          </p:spPr>
-          <p:style>
-            <a:lnRef idx="2">
-              <a:schemeClr val="accent1">
-                <a:shade val="50000"/>
-              </a:schemeClr>
-            </a:lnRef>
-            <a:fillRef idx="1">
-              <a:schemeClr val="accent1"/>
-            </a:fillRef>
-            <a:effectRef idx="0">
-              <a:schemeClr val="accent1"/>
-            </a:effectRef>
-            <a:fontRef idx="minor">
-              <a:schemeClr val="lt1"/>
-            </a:fontRef>
-          </p:style>
-          <p:txBody>
-            <a:bodyPr rtlCol="0" anchor="ctr"/>
-            <a:lstStyle/>
-            <a:p>
-              <a:pPr algn="ctr"/>
-              <a:endParaRPr lang="de-DE"/>
-            </a:p>
-          </p:txBody>
-        </p:sp>
-        <p:pic>
-          <p:nvPicPr>
-            <p:cNvPr id="4" name="Grafik 3" descr="Tabelle mit einfarbiger Füllung">
-              <a:extLst>
-                <a:ext uri="{FF2B5EF4-FFF2-40B4-BE49-F238E27FC236}">
-                  <a16:creationId xmlns:a16="http://schemas.microsoft.com/office/drawing/2014/main" id="{41A7AD7B-9DBE-02A1-B3ED-2007138D0F13}"/>
-                </a:ext>
-              </a:extLst>
-            </p:cNvPr>
-            <p:cNvPicPr>
-              <a:picLocks noChangeAspect="1"/>
-            </p:cNvPicPr>
-            <p:nvPr/>
-          </p:nvPicPr>
-          <p:blipFill>
-            <a:blip r:embed="rId4">
-              <a:extLst>
-                <a:ext uri="{28A0092B-C50C-407E-A947-70E740481C1C}">
-                  <a14:useLocalDpi xmlns:a14="http://schemas.microsoft.com/office/drawing/2010/main" val="0"/>
-                </a:ext>
-                <a:ext uri="{96DAC541-7B7A-43D3-8B79-37D633B846F1}">
-                  <asvg:svgBlip xmlns:asvg="http://schemas.microsoft.com/office/drawing/2016/SVG/main" r:embed="rId5"/>
-                </a:ext>
-              </a:extLst>
-            </a:blip>
-            <a:stretch>
-              <a:fillRect/>
-            </a:stretch>
-          </p:blipFill>
-          <p:spPr>
-            <a:xfrm>
-              <a:off x="1015107" y="3575629"/>
-              <a:ext cx="914400" cy="914400"/>
-            </a:xfrm>
-            <a:prstGeom prst="rect">
-              <a:avLst/>
-            </a:prstGeom>
-          </p:spPr>
-        </p:pic>
-        <p:sp>
-          <p:nvSpPr>
-            <p:cNvPr id="5" name="Textfeld 4">
-              <a:extLst>
-                <a:ext uri="{FF2B5EF4-FFF2-40B4-BE49-F238E27FC236}">
-                  <a16:creationId xmlns:a16="http://schemas.microsoft.com/office/drawing/2014/main" id="{8F90917B-D0B5-D9CC-351C-8B1FF6C09C08}"/>
-                </a:ext>
-              </a:extLst>
-            </p:cNvPr>
-            <p:cNvSpPr txBox="1"/>
-            <p:nvPr/>
-          </p:nvSpPr>
-          <p:spPr>
-            <a:xfrm>
-              <a:off x="872377" y="1846304"/>
-              <a:ext cx="1800200" cy="324036"/>
-            </a:xfrm>
-            <a:prstGeom prst="rect">
-              <a:avLst/>
-            </a:prstGeom>
-            <a:noFill/>
-          </p:spPr>
-          <p:txBody>
-            <a:bodyPr wrap="square" rtlCol="0">
-              <a:spAutoFit/>
-            </a:bodyPr>
-            <a:lstStyle/>
-            <a:p>
-              <a:r>
-                <a:rPr lang="de-DE" dirty="0">
-                  <a:solidFill>
-                    <a:srgbClr val="750E17"/>
-                  </a:solidFill>
-                  <a:latin typeface="Trade Gothic Next" panose="020B0503040303020004" pitchFamily="34" charset="0"/>
-                </a:rPr>
-                <a:t>List </a:t>
-              </a:r>
-              <a:r>
-                <a:rPr lang="de-DE" dirty="0" err="1">
-                  <a:solidFill>
-                    <a:srgbClr val="750E17"/>
-                  </a:solidFill>
-                  <a:latin typeface="Trade Gothic Next" panose="020B0503040303020004" pitchFamily="34" charset="0"/>
-                </a:rPr>
-                <a:t>of</a:t>
-              </a:r>
-              <a:r>
-                <a:rPr lang="de-DE" dirty="0">
-                  <a:solidFill>
-                    <a:srgbClr val="750E17"/>
-                  </a:solidFill>
-                  <a:latin typeface="Trade Gothic Next" panose="020B0503040303020004" pitchFamily="34" charset="0"/>
-                </a:rPr>
-                <a:t> Artists</a:t>
-              </a:r>
-            </a:p>
-          </p:txBody>
-        </p:sp>
-        <p:pic>
-          <p:nvPicPr>
-            <p:cNvPr id="7" name="Grafik 6" descr="Internet mit einfarbiger Füllung">
-              <a:extLst>
-                <a:ext uri="{FF2B5EF4-FFF2-40B4-BE49-F238E27FC236}">
-                  <a16:creationId xmlns:a16="http://schemas.microsoft.com/office/drawing/2014/main" id="{A49E8284-2910-63C8-12E9-29C5244D4D62}"/>
-                </a:ext>
-              </a:extLst>
-            </p:cNvPr>
-            <p:cNvPicPr>
-              <a:picLocks noChangeAspect="1"/>
-            </p:cNvPicPr>
-            <p:nvPr/>
-          </p:nvPicPr>
-          <p:blipFill>
-            <a:blip r:embed="rId6">
-              <a:extLst>
-                <a:ext uri="{28A0092B-C50C-407E-A947-70E740481C1C}">
-                  <a14:useLocalDpi xmlns:a14="http://schemas.microsoft.com/office/drawing/2010/main" val="0"/>
-                </a:ext>
-                <a:ext uri="{96DAC541-7B7A-43D3-8B79-37D633B846F1}">
-                  <asvg:svgBlip xmlns:asvg="http://schemas.microsoft.com/office/drawing/2016/SVG/main" r:embed="rId7"/>
-                </a:ext>
-              </a:extLst>
-            </a:blip>
-            <a:stretch>
-              <a:fillRect/>
-            </a:stretch>
-          </p:blipFill>
-          <p:spPr>
-            <a:xfrm>
-              <a:off x="-223920" y="2076653"/>
-              <a:ext cx="914400" cy="914400"/>
-            </a:xfrm>
-            <a:prstGeom prst="rect">
-              <a:avLst/>
-            </a:prstGeom>
-          </p:spPr>
-        </p:pic>
-        <p:pic>
-          <p:nvPicPr>
-            <p:cNvPr id="9" name="Grafik 8" descr="Datenbank mit einfarbiger Füllung">
-              <a:extLst>
-                <a:ext uri="{FF2B5EF4-FFF2-40B4-BE49-F238E27FC236}">
-                  <a16:creationId xmlns:a16="http://schemas.microsoft.com/office/drawing/2014/main" id="{6ADDCC11-F209-E333-DD21-F214E98E3EA4}"/>
-                </a:ext>
-              </a:extLst>
-            </p:cNvPr>
-            <p:cNvPicPr>
-              <a:picLocks noChangeAspect="1"/>
-            </p:cNvPicPr>
-            <p:nvPr/>
-          </p:nvPicPr>
-          <p:blipFill>
-            <a:blip r:embed="rId8">
-              <a:extLst>
-                <a:ext uri="{28A0092B-C50C-407E-A947-70E740481C1C}">
-                  <a14:useLocalDpi xmlns:a14="http://schemas.microsoft.com/office/drawing/2010/main" val="0"/>
-                </a:ext>
-                <a:ext uri="{96DAC541-7B7A-43D3-8B79-37D633B846F1}">
-                  <asvg:svgBlip xmlns:asvg="http://schemas.microsoft.com/office/drawing/2016/SVG/main" r:embed="rId9"/>
-                </a:ext>
-              </a:extLst>
-            </a:blip>
-            <a:stretch>
-              <a:fillRect/>
-            </a:stretch>
-          </p:blipFill>
-          <p:spPr>
-            <a:xfrm>
-              <a:off x="2325861" y="3072554"/>
-              <a:ext cx="914400" cy="914400"/>
-            </a:xfrm>
-            <a:prstGeom prst="rect">
-              <a:avLst/>
-            </a:prstGeom>
-          </p:spPr>
-        </p:pic>
-        <p:pic>
-          <p:nvPicPr>
-            <p:cNvPr id="10" name="Grafik 9" descr="Tabelle mit einfarbiger Füllung">
-              <a:extLst>
-                <a:ext uri="{FF2B5EF4-FFF2-40B4-BE49-F238E27FC236}">
-                  <a16:creationId xmlns:a16="http://schemas.microsoft.com/office/drawing/2014/main" id="{B3FC173A-2D79-E2F5-7733-1D7343326507}"/>
-                </a:ext>
-              </a:extLst>
-            </p:cNvPr>
-            <p:cNvPicPr>
-              <a:picLocks noChangeAspect="1"/>
-            </p:cNvPicPr>
-            <p:nvPr/>
-          </p:nvPicPr>
-          <p:blipFill>
-            <a:blip r:embed="rId10">
-              <a:extLst>
-                <a:ext uri="{28A0092B-C50C-407E-A947-70E740481C1C}">
-                  <a14:useLocalDpi xmlns:a14="http://schemas.microsoft.com/office/drawing/2010/main" val="0"/>
-                </a:ext>
-                <a:ext uri="{96DAC541-7B7A-43D3-8B79-37D633B846F1}">
-                  <asvg:svgBlip xmlns:asvg="http://schemas.microsoft.com/office/drawing/2016/SVG/main" r:embed="rId11"/>
-                </a:ext>
-              </a:extLst>
-            </a:blip>
-            <a:stretch>
-              <a:fillRect/>
-            </a:stretch>
-          </p:blipFill>
-          <p:spPr>
-            <a:xfrm>
-              <a:off x="1015074" y="2038306"/>
-              <a:ext cx="914400" cy="914400"/>
-            </a:xfrm>
-            <a:prstGeom prst="rect">
-              <a:avLst/>
-            </a:prstGeom>
-          </p:spPr>
-        </p:pic>
-        <p:sp>
-          <p:nvSpPr>
-            <p:cNvPr id="11" name="Textfeld 10">
-              <a:extLst>
-                <a:ext uri="{FF2B5EF4-FFF2-40B4-BE49-F238E27FC236}">
-                  <a16:creationId xmlns:a16="http://schemas.microsoft.com/office/drawing/2014/main" id="{A5E44F06-40BE-5675-CC0A-8FA409C02595}"/>
-                </a:ext>
-              </a:extLst>
-            </p:cNvPr>
-            <p:cNvSpPr txBox="1"/>
-            <p:nvPr/>
-          </p:nvSpPr>
-          <p:spPr>
-            <a:xfrm>
-              <a:off x="566911" y="3146843"/>
-              <a:ext cx="1800200" cy="553998"/>
-            </a:xfrm>
-            <a:prstGeom prst="rect">
-              <a:avLst/>
-            </a:prstGeom>
-            <a:noFill/>
-          </p:spPr>
-          <p:txBody>
-            <a:bodyPr wrap="square" rtlCol="0">
-              <a:spAutoFit/>
-            </a:bodyPr>
-            <a:lstStyle/>
-            <a:p>
-              <a:pPr algn="ctr"/>
-              <a:r>
-                <a:rPr lang="de-DE" dirty="0">
-                  <a:solidFill>
-                    <a:srgbClr val="750E17"/>
-                  </a:solidFill>
-                  <a:latin typeface="Trade Gothic Next" panose="020B0503040303020004" pitchFamily="34" charset="0"/>
-                </a:rPr>
-                <a:t>Lyrics Data </a:t>
-              </a:r>
-            </a:p>
-            <a:p>
-              <a:pPr algn="ctr"/>
-              <a:r>
-                <a:rPr lang="de-DE" dirty="0">
-                  <a:solidFill>
-                    <a:srgbClr val="750E17"/>
-                  </a:solidFill>
-                  <a:latin typeface="Trade Gothic Next" panose="020B0503040303020004" pitchFamily="34" charset="0"/>
-                </a:rPr>
-                <a:t>German</a:t>
-              </a:r>
-            </a:p>
-          </p:txBody>
-        </p:sp>
-        <p:pic>
-          <p:nvPicPr>
-            <p:cNvPr id="15" name="Grafik 14">
-              <a:extLst>
-                <a:ext uri="{FF2B5EF4-FFF2-40B4-BE49-F238E27FC236}">
-                  <a16:creationId xmlns:a16="http://schemas.microsoft.com/office/drawing/2014/main" id="{083F0ED8-BB5E-7AE0-F9D1-A77D4A86553A}"/>
-                </a:ext>
-              </a:extLst>
-            </p:cNvPr>
-            <p:cNvPicPr>
-              <a:picLocks noChangeAspect="1"/>
-            </p:cNvPicPr>
-            <p:nvPr/>
-          </p:nvPicPr>
-          <p:blipFill>
-            <a:blip r:embed="rId12">
-              <a:extLst>
-                <a:ext uri="{28A0092B-C50C-407E-A947-70E740481C1C}">
-                  <a14:useLocalDpi xmlns:a14="http://schemas.microsoft.com/office/drawing/2010/main" val="0"/>
-                </a:ext>
-                <a:ext uri="{96DAC541-7B7A-43D3-8B79-37D633B846F1}">
-                  <asvg:svgBlip xmlns:asvg="http://schemas.microsoft.com/office/drawing/2016/SVG/main" r:embed="rId13"/>
-                </a:ext>
-              </a:extLst>
-            </a:blip>
-            <a:stretch>
-              <a:fillRect/>
-            </a:stretch>
-          </p:blipFill>
-          <p:spPr>
-            <a:xfrm>
-              <a:off x="3503169" y="3072554"/>
-              <a:ext cx="914400" cy="914400"/>
-            </a:xfrm>
-            <a:prstGeom prst="rect">
-              <a:avLst/>
-            </a:prstGeom>
-          </p:spPr>
-        </p:pic>
-        <p:pic>
-          <p:nvPicPr>
-            <p:cNvPr id="16" name="Grafik 15" descr="Internet mit einfarbiger Füllung">
-              <a:extLst>
-                <a:ext uri="{FF2B5EF4-FFF2-40B4-BE49-F238E27FC236}">
-                  <a16:creationId xmlns:a16="http://schemas.microsoft.com/office/drawing/2014/main" id="{0B510EDD-A1F4-C596-45F7-FF7281E2BB5E}"/>
-                </a:ext>
-              </a:extLst>
-            </p:cNvPr>
-            <p:cNvPicPr>
-              <a:picLocks noChangeAspect="1"/>
-            </p:cNvPicPr>
-            <p:nvPr/>
-          </p:nvPicPr>
-          <p:blipFill>
-            <a:blip r:embed="rId6">
-              <a:extLst>
-                <a:ext uri="{28A0092B-C50C-407E-A947-70E740481C1C}">
-                  <a14:useLocalDpi xmlns:a14="http://schemas.microsoft.com/office/drawing/2010/main" val="0"/>
-                </a:ext>
-                <a:ext uri="{96DAC541-7B7A-43D3-8B79-37D633B846F1}">
-                  <asvg:svgBlip xmlns:asvg="http://schemas.microsoft.com/office/drawing/2016/SVG/main" r:embed="rId7"/>
-                </a:ext>
-              </a:extLst>
-            </a:blip>
-            <a:stretch>
-              <a:fillRect/>
-            </a:stretch>
-          </p:blipFill>
-          <p:spPr>
-            <a:xfrm>
-              <a:off x="-232153" y="3530111"/>
-              <a:ext cx="914400" cy="914400"/>
-            </a:xfrm>
-            <a:prstGeom prst="rect">
-              <a:avLst/>
-            </a:prstGeom>
-          </p:spPr>
-        </p:pic>
-        <p:sp>
-          <p:nvSpPr>
-            <p:cNvPr id="17" name="Textfeld 16">
-              <a:extLst>
-                <a:ext uri="{FF2B5EF4-FFF2-40B4-BE49-F238E27FC236}">
-                  <a16:creationId xmlns:a16="http://schemas.microsoft.com/office/drawing/2014/main" id="{BC85A9A4-4AA2-70D3-868F-9CF4A8924C8C}"/>
-                </a:ext>
-              </a:extLst>
-            </p:cNvPr>
-            <p:cNvSpPr txBox="1"/>
-            <p:nvPr/>
-          </p:nvSpPr>
-          <p:spPr>
-            <a:xfrm>
-              <a:off x="-291920" y="3333030"/>
-              <a:ext cx="1129040" cy="324036"/>
-            </a:xfrm>
-            <a:prstGeom prst="rect">
-              <a:avLst/>
-            </a:prstGeom>
-            <a:noFill/>
-          </p:spPr>
-          <p:txBody>
-            <a:bodyPr wrap="square" rtlCol="0">
-              <a:spAutoFit/>
-            </a:bodyPr>
-            <a:lstStyle/>
-            <a:p>
-              <a:r>
-                <a:rPr lang="de-DE" dirty="0" err="1">
-                  <a:solidFill>
-                    <a:srgbClr val="C61826"/>
-                  </a:solidFill>
-                  <a:latin typeface="Trade Gothic Next" panose="020B0503040303020004" pitchFamily="34" charset="0"/>
-                </a:rPr>
-                <a:t>Genuis</a:t>
-              </a:r>
-              <a:r>
-                <a:rPr lang="de-DE" dirty="0">
-                  <a:solidFill>
-                    <a:srgbClr val="C61826"/>
-                  </a:solidFill>
-                  <a:latin typeface="Trade Gothic Next" panose="020B0503040303020004" pitchFamily="34" charset="0"/>
-                </a:rPr>
-                <a:t> API</a:t>
-              </a:r>
-            </a:p>
-          </p:txBody>
-        </p:sp>
-        <p:sp>
-          <p:nvSpPr>
-            <p:cNvPr id="18" name="Textfeld 17">
-              <a:extLst>
-                <a:ext uri="{FF2B5EF4-FFF2-40B4-BE49-F238E27FC236}">
-                  <a16:creationId xmlns:a16="http://schemas.microsoft.com/office/drawing/2014/main" id="{6E346AF3-3B31-8A23-58C3-746219640590}"/>
-                </a:ext>
-              </a:extLst>
-            </p:cNvPr>
-            <p:cNvSpPr txBox="1"/>
-            <p:nvPr/>
-          </p:nvSpPr>
-          <p:spPr>
-            <a:xfrm>
-              <a:off x="-313677" y="1846304"/>
-              <a:ext cx="1129040" cy="324036"/>
-            </a:xfrm>
-            <a:prstGeom prst="rect">
-              <a:avLst/>
-            </a:prstGeom>
-            <a:noFill/>
-          </p:spPr>
-          <p:txBody>
-            <a:bodyPr wrap="square" rtlCol="0">
-              <a:spAutoFit/>
-            </a:bodyPr>
-            <a:lstStyle/>
-            <a:p>
-              <a:pPr algn="ctr"/>
-              <a:r>
-                <a:rPr lang="de-DE" dirty="0" err="1">
-                  <a:solidFill>
-                    <a:srgbClr val="C61826"/>
-                  </a:solidFill>
-                  <a:latin typeface="Trade Gothic Next" panose="020B0503040303020004" pitchFamily="34" charset="0"/>
-                </a:rPr>
-                <a:t>tbd</a:t>
-              </a:r>
-              <a:endParaRPr lang="de-DE" dirty="0">
-                <a:solidFill>
-                  <a:srgbClr val="C61826"/>
-                </a:solidFill>
-                <a:latin typeface="Trade Gothic Next" panose="020B0503040303020004" pitchFamily="34" charset="0"/>
-              </a:endParaRPr>
-            </a:p>
-          </p:txBody>
-        </p:sp>
-        <p:cxnSp>
-          <p:nvCxnSpPr>
-            <p:cNvPr id="20" name="Gerade Verbindung mit Pfeil 19">
-              <a:extLst>
-                <a:ext uri="{FF2B5EF4-FFF2-40B4-BE49-F238E27FC236}">
-                  <a16:creationId xmlns:a16="http://schemas.microsoft.com/office/drawing/2014/main" id="{D43799C6-0BD1-91B5-DE5E-E2B06368CCE5}"/>
-                </a:ext>
-              </a:extLst>
-            </p:cNvPr>
-            <p:cNvCxnSpPr>
-              <a:cxnSpLocks/>
-            </p:cNvCxnSpPr>
-            <p:nvPr/>
-          </p:nvCxnSpPr>
-          <p:spPr>
-            <a:xfrm>
-              <a:off x="729108" y="2533853"/>
-              <a:ext cx="268497" cy="0"/>
-            </a:xfrm>
-            <a:prstGeom prst="straightConnector1">
-              <a:avLst/>
-            </a:prstGeom>
-            <a:ln w="44450">
-              <a:solidFill>
-                <a:srgbClr val="C61826"/>
-              </a:solidFill>
-              <a:tailEnd type="triangle"/>
-            </a:ln>
-          </p:spPr>
-          <p:style>
-            <a:lnRef idx="1">
-              <a:schemeClr val="accent1"/>
-            </a:lnRef>
-            <a:fillRef idx="0">
-              <a:schemeClr val="accent1"/>
-            </a:fillRef>
-            <a:effectRef idx="0">
-              <a:schemeClr val="accent1"/>
-            </a:effectRef>
-            <a:fontRef idx="minor">
-              <a:schemeClr val="tx1"/>
-            </a:fontRef>
-          </p:style>
-        </p:cxnSp>
-        <p:cxnSp>
-          <p:nvCxnSpPr>
-            <p:cNvPr id="22" name="Gerade Verbindung mit Pfeil 21">
-              <a:extLst>
-                <a:ext uri="{FF2B5EF4-FFF2-40B4-BE49-F238E27FC236}">
-                  <a16:creationId xmlns:a16="http://schemas.microsoft.com/office/drawing/2014/main" id="{F9F1998D-6C59-B5DE-9F7D-DB44D9B38229}"/>
-                </a:ext>
-              </a:extLst>
-            </p:cNvPr>
-            <p:cNvCxnSpPr>
-              <a:cxnSpLocks/>
-              <a:endCxn id="17" idx="0"/>
-            </p:cNvCxnSpPr>
-            <p:nvPr/>
-          </p:nvCxnSpPr>
-          <p:spPr>
-            <a:xfrm flipH="1">
-              <a:off x="272600" y="2883467"/>
-              <a:ext cx="771791" cy="449563"/>
-            </a:xfrm>
-            <a:prstGeom prst="straightConnector1">
-              <a:avLst/>
-            </a:prstGeom>
-            <a:ln w="44450">
-              <a:solidFill>
-                <a:srgbClr val="C61826"/>
-              </a:solidFill>
-              <a:prstDash val="sysDash"/>
-              <a:tailEnd type="triangle"/>
-            </a:ln>
-          </p:spPr>
-          <p:style>
-            <a:lnRef idx="1">
-              <a:schemeClr val="accent1"/>
-            </a:lnRef>
-            <a:fillRef idx="0">
-              <a:schemeClr val="accent1"/>
-            </a:fillRef>
-            <a:effectRef idx="0">
-              <a:schemeClr val="accent1"/>
-            </a:effectRef>
-            <a:fontRef idx="minor">
-              <a:schemeClr val="tx1"/>
-            </a:fontRef>
-          </p:style>
-        </p:cxnSp>
-        <p:cxnSp>
-          <p:nvCxnSpPr>
-            <p:cNvPr id="25" name="Gerade Verbindung mit Pfeil 24">
-              <a:extLst>
-                <a:ext uri="{FF2B5EF4-FFF2-40B4-BE49-F238E27FC236}">
-                  <a16:creationId xmlns:a16="http://schemas.microsoft.com/office/drawing/2014/main" id="{1292AE11-E0D0-E189-A2C7-C161569DF9B1}"/>
-                </a:ext>
-              </a:extLst>
-            </p:cNvPr>
-            <p:cNvCxnSpPr>
-              <a:cxnSpLocks/>
-            </p:cNvCxnSpPr>
-            <p:nvPr/>
-          </p:nvCxnSpPr>
-          <p:spPr>
-            <a:xfrm>
-              <a:off x="705982" y="3929209"/>
-              <a:ext cx="275154" cy="0"/>
-            </a:xfrm>
-            <a:prstGeom prst="straightConnector1">
-              <a:avLst/>
-            </a:prstGeom>
-            <a:ln w="44450">
-              <a:solidFill>
-                <a:srgbClr val="C61826"/>
-              </a:solidFill>
-              <a:tailEnd type="triangle"/>
-            </a:ln>
-          </p:spPr>
-          <p:style>
-            <a:lnRef idx="1">
-              <a:schemeClr val="accent1"/>
-            </a:lnRef>
-            <a:fillRef idx="0">
-              <a:schemeClr val="accent1"/>
-            </a:fillRef>
-            <a:effectRef idx="0">
-              <a:schemeClr val="accent1"/>
-            </a:effectRef>
-            <a:fontRef idx="minor">
-              <a:schemeClr val="tx1"/>
-            </a:fontRef>
-          </p:style>
-        </p:cxnSp>
-        <p:cxnSp>
-          <p:nvCxnSpPr>
-            <p:cNvPr id="29" name="Gerade Verbindung mit Pfeil 28">
-              <a:extLst>
-                <a:ext uri="{FF2B5EF4-FFF2-40B4-BE49-F238E27FC236}">
-                  <a16:creationId xmlns:a16="http://schemas.microsoft.com/office/drawing/2014/main" id="{1A87948E-D16D-8E14-4DBD-EF89D73C0BBB}"/>
-                </a:ext>
-              </a:extLst>
-            </p:cNvPr>
-            <p:cNvCxnSpPr>
-              <a:cxnSpLocks/>
-            </p:cNvCxnSpPr>
-            <p:nvPr/>
-          </p:nvCxnSpPr>
-          <p:spPr>
-            <a:xfrm>
-              <a:off x="1941655" y="2863732"/>
-              <a:ext cx="370982" cy="435027"/>
-            </a:xfrm>
-            <a:prstGeom prst="straightConnector1">
-              <a:avLst/>
-            </a:prstGeom>
-            <a:ln w="44450">
-              <a:solidFill>
-                <a:srgbClr val="750E17"/>
-              </a:solidFill>
-              <a:tailEnd type="triangle"/>
-            </a:ln>
-          </p:spPr>
-          <p:style>
-            <a:lnRef idx="1">
-              <a:schemeClr val="accent1"/>
-            </a:lnRef>
-            <a:fillRef idx="0">
-              <a:schemeClr val="accent1"/>
-            </a:fillRef>
-            <a:effectRef idx="0">
-              <a:schemeClr val="accent1"/>
-            </a:effectRef>
-            <a:fontRef idx="minor">
-              <a:schemeClr val="tx1"/>
-            </a:fontRef>
-          </p:style>
-        </p:cxnSp>
-        <p:sp>
-          <p:nvSpPr>
-            <p:cNvPr id="35" name="Textfeld 34">
-              <a:extLst>
-                <a:ext uri="{FF2B5EF4-FFF2-40B4-BE49-F238E27FC236}">
-                  <a16:creationId xmlns:a16="http://schemas.microsoft.com/office/drawing/2014/main" id="{FD0A8F78-1B23-7397-CEF3-DB6BCCCAABC4}"/>
-                </a:ext>
-              </a:extLst>
-            </p:cNvPr>
-            <p:cNvSpPr txBox="1"/>
-            <p:nvPr/>
-          </p:nvSpPr>
-          <p:spPr>
-            <a:xfrm>
-              <a:off x="2263131" y="2533853"/>
-              <a:ext cx="1049138" cy="553998"/>
-            </a:xfrm>
-            <a:prstGeom prst="rect">
-              <a:avLst/>
-            </a:prstGeom>
-            <a:noFill/>
-          </p:spPr>
-          <p:txBody>
-            <a:bodyPr wrap="square" rtlCol="0">
-              <a:spAutoFit/>
-            </a:bodyPr>
-            <a:lstStyle/>
-            <a:p>
-              <a:pPr algn="ctr"/>
-              <a:r>
-                <a:rPr lang="de-DE" dirty="0">
-                  <a:solidFill>
-                    <a:srgbClr val="36060A"/>
-                  </a:solidFill>
-                  <a:latin typeface="Trade Gothic Next" panose="020B0503040303020004" pitchFamily="34" charset="0"/>
-                </a:rPr>
-                <a:t>Final Raw </a:t>
-              </a:r>
-            </a:p>
-            <a:p>
-              <a:pPr algn="ctr"/>
-              <a:r>
-                <a:rPr lang="de-DE" dirty="0">
-                  <a:solidFill>
-                    <a:srgbClr val="36060A"/>
-                  </a:solidFill>
-                  <a:latin typeface="Trade Gothic Next" panose="020B0503040303020004" pitchFamily="34" charset="0"/>
-                </a:rPr>
-                <a:t>Data</a:t>
-              </a:r>
-            </a:p>
-          </p:txBody>
-        </p:sp>
-        <p:cxnSp>
-          <p:nvCxnSpPr>
-            <p:cNvPr id="37" name="Gerade Verbindung mit Pfeil 36">
-              <a:extLst>
-                <a:ext uri="{FF2B5EF4-FFF2-40B4-BE49-F238E27FC236}">
-                  <a16:creationId xmlns:a16="http://schemas.microsoft.com/office/drawing/2014/main" id="{35EB7EFB-6885-450A-1988-39686F8EA33E}"/>
-                </a:ext>
-              </a:extLst>
-            </p:cNvPr>
-            <p:cNvCxnSpPr>
-              <a:cxnSpLocks/>
-            </p:cNvCxnSpPr>
-            <p:nvPr/>
-          </p:nvCxnSpPr>
-          <p:spPr>
-            <a:xfrm>
-              <a:off x="3150072" y="3482590"/>
-              <a:ext cx="342217" cy="0"/>
-            </a:xfrm>
-            <a:prstGeom prst="straightConnector1">
-              <a:avLst/>
-            </a:prstGeom>
-            <a:ln w="44450">
-              <a:solidFill>
-                <a:srgbClr val="36060A"/>
-              </a:solidFill>
-              <a:tailEnd type="triangle"/>
-            </a:ln>
-          </p:spPr>
-          <p:style>
-            <a:lnRef idx="1">
-              <a:schemeClr val="accent1"/>
-            </a:lnRef>
-            <a:fillRef idx="0">
-              <a:schemeClr val="accent1"/>
-            </a:fillRef>
-            <a:effectRef idx="0">
-              <a:schemeClr val="accent1"/>
-            </a:effectRef>
-            <a:fontRef idx="minor">
-              <a:schemeClr val="tx1"/>
-            </a:fontRef>
-          </p:style>
-        </p:cxnSp>
-        <p:sp>
-          <p:nvSpPr>
-            <p:cNvPr id="40" name="Textfeld 39">
-              <a:extLst>
-                <a:ext uri="{FF2B5EF4-FFF2-40B4-BE49-F238E27FC236}">
-                  <a16:creationId xmlns:a16="http://schemas.microsoft.com/office/drawing/2014/main" id="{4C47DF3F-C327-0AA9-9030-B82FE6D2F4EF}"/>
-                </a:ext>
-              </a:extLst>
-            </p:cNvPr>
-            <p:cNvSpPr txBox="1"/>
-            <p:nvPr/>
-          </p:nvSpPr>
-          <p:spPr>
-            <a:xfrm>
-              <a:off x="3090429" y="2533853"/>
-              <a:ext cx="1800200" cy="553998"/>
-            </a:xfrm>
-            <a:prstGeom prst="rect">
-              <a:avLst/>
-            </a:prstGeom>
-            <a:noFill/>
-          </p:spPr>
-          <p:txBody>
-            <a:bodyPr wrap="square" rtlCol="0">
-              <a:spAutoFit/>
-            </a:bodyPr>
-            <a:lstStyle/>
-            <a:p>
-              <a:pPr algn="ctr"/>
-              <a:r>
-                <a:rPr lang="de-DE" dirty="0" err="1">
-                  <a:solidFill>
-                    <a:srgbClr val="36060A"/>
-                  </a:solidFill>
-                  <a:latin typeface="Trade Gothic Next" panose="020B0503040303020004" pitchFamily="34" charset="0"/>
-                </a:rPr>
-                <a:t>Elastic</a:t>
-              </a:r>
-              <a:r>
-                <a:rPr lang="de-DE" dirty="0">
-                  <a:solidFill>
-                    <a:srgbClr val="36060A"/>
-                  </a:solidFill>
-                  <a:latin typeface="Trade Gothic Next" panose="020B0503040303020004" pitchFamily="34" charset="0"/>
-                </a:rPr>
-                <a:t> </a:t>
-              </a:r>
-            </a:p>
-            <a:p>
-              <a:pPr algn="ctr"/>
-              <a:r>
-                <a:rPr lang="de-DE" dirty="0">
-                  <a:solidFill>
-                    <a:srgbClr val="36060A"/>
-                  </a:solidFill>
-                  <a:latin typeface="Trade Gothic Next" panose="020B0503040303020004" pitchFamily="34" charset="0"/>
-                </a:rPr>
-                <a:t>Search</a:t>
-              </a:r>
-            </a:p>
-          </p:txBody>
-        </p:sp>
-        <p:cxnSp>
-          <p:nvCxnSpPr>
-            <p:cNvPr id="60" name="Gerade Verbindung mit Pfeil 59">
-              <a:extLst>
-                <a:ext uri="{FF2B5EF4-FFF2-40B4-BE49-F238E27FC236}">
-                  <a16:creationId xmlns:a16="http://schemas.microsoft.com/office/drawing/2014/main" id="{15F7F5B9-48E7-B2C1-9DEC-449FC600E796}"/>
-                </a:ext>
-              </a:extLst>
-            </p:cNvPr>
-            <p:cNvCxnSpPr>
-              <a:cxnSpLocks/>
-            </p:cNvCxnSpPr>
-            <p:nvPr/>
-          </p:nvCxnSpPr>
-          <p:spPr>
-            <a:xfrm>
-              <a:off x="4514302" y="3589700"/>
-              <a:ext cx="491486" cy="9115"/>
-            </a:xfrm>
-            <a:prstGeom prst="straightConnector1">
-              <a:avLst/>
-            </a:prstGeom>
-            <a:ln w="44450">
-              <a:solidFill>
-                <a:srgbClr val="36060A"/>
-              </a:solidFill>
-              <a:tailEnd type="triangle"/>
-            </a:ln>
-          </p:spPr>
-          <p:style>
-            <a:lnRef idx="1">
-              <a:schemeClr val="accent1"/>
-            </a:lnRef>
-            <a:fillRef idx="0">
-              <a:schemeClr val="accent1"/>
-            </a:fillRef>
-            <a:effectRef idx="0">
-              <a:schemeClr val="accent1"/>
-            </a:effectRef>
-            <a:fontRef idx="minor">
-              <a:schemeClr val="tx1"/>
-            </a:fontRef>
-          </p:style>
-        </p:cxnSp>
-        <p:cxnSp>
-          <p:nvCxnSpPr>
-            <p:cNvPr id="11264" name="Gerade Verbindung mit Pfeil 11263">
-              <a:extLst>
-                <a:ext uri="{FF2B5EF4-FFF2-40B4-BE49-F238E27FC236}">
-                  <a16:creationId xmlns:a16="http://schemas.microsoft.com/office/drawing/2014/main" id="{441AA7D4-999D-F54C-3863-30133131EAEA}"/>
-                </a:ext>
-              </a:extLst>
-            </p:cNvPr>
-            <p:cNvCxnSpPr>
-              <a:cxnSpLocks/>
-            </p:cNvCxnSpPr>
-            <p:nvPr/>
-          </p:nvCxnSpPr>
-          <p:spPr>
-            <a:xfrm flipV="1">
-              <a:off x="4526095" y="2592015"/>
-              <a:ext cx="416069" cy="771730"/>
-            </a:xfrm>
-            <a:prstGeom prst="straightConnector1">
-              <a:avLst/>
-            </a:prstGeom>
-            <a:ln w="44450">
-              <a:solidFill>
-                <a:srgbClr val="36060A"/>
-              </a:solidFill>
-              <a:tailEnd type="triangle"/>
-            </a:ln>
-          </p:spPr>
-          <p:style>
-            <a:lnRef idx="1">
-              <a:schemeClr val="accent1"/>
-            </a:lnRef>
-            <a:fillRef idx="0">
-              <a:schemeClr val="accent1"/>
-            </a:fillRef>
-            <a:effectRef idx="0">
-              <a:schemeClr val="accent1"/>
-            </a:effectRef>
-            <a:fontRef idx="minor">
-              <a:schemeClr val="tx1"/>
-            </a:fontRef>
-          </p:style>
-        </p:cxnSp>
-        <p:cxnSp>
-          <p:nvCxnSpPr>
-            <p:cNvPr id="11276" name="Gerade Verbindung mit Pfeil 11275">
-              <a:extLst>
-                <a:ext uri="{FF2B5EF4-FFF2-40B4-BE49-F238E27FC236}">
-                  <a16:creationId xmlns:a16="http://schemas.microsoft.com/office/drawing/2014/main" id="{4269637F-EF20-2C17-40B6-8B8A5B4D0683}"/>
-                </a:ext>
-              </a:extLst>
-            </p:cNvPr>
-            <p:cNvCxnSpPr>
-              <a:cxnSpLocks/>
-            </p:cNvCxnSpPr>
-            <p:nvPr/>
-          </p:nvCxnSpPr>
-          <p:spPr>
-            <a:xfrm>
-              <a:off x="4514302" y="3874709"/>
-              <a:ext cx="491486" cy="661522"/>
-            </a:xfrm>
-            <a:prstGeom prst="straightConnector1">
-              <a:avLst/>
-            </a:prstGeom>
-            <a:ln w="44450">
-              <a:solidFill>
-                <a:srgbClr val="36060A"/>
-              </a:solidFill>
-              <a:tailEnd type="triangle"/>
-            </a:ln>
-          </p:spPr>
-          <p:style>
-            <a:lnRef idx="1">
-              <a:schemeClr val="accent1"/>
-            </a:lnRef>
-            <a:fillRef idx="0">
-              <a:schemeClr val="accent1"/>
-            </a:fillRef>
-            <a:effectRef idx="0">
-              <a:schemeClr val="accent1"/>
-            </a:effectRef>
-            <a:fontRef idx="minor">
-              <a:schemeClr val="tx1"/>
-            </a:fontRef>
-          </p:style>
-        </p:cxnSp>
-        <p:sp>
-          <p:nvSpPr>
-            <p:cNvPr id="11280" name="Textfeld 11279">
-              <a:extLst>
-                <a:ext uri="{FF2B5EF4-FFF2-40B4-BE49-F238E27FC236}">
-                  <a16:creationId xmlns:a16="http://schemas.microsoft.com/office/drawing/2014/main" id="{9893C6A8-C90E-4924-4858-98F921327E2B}"/>
-                </a:ext>
-              </a:extLst>
-            </p:cNvPr>
-            <p:cNvSpPr txBox="1"/>
-            <p:nvPr/>
-          </p:nvSpPr>
-          <p:spPr>
-            <a:xfrm>
-              <a:off x="5280694" y="2169357"/>
-              <a:ext cx="1563287" cy="553998"/>
-            </a:xfrm>
-            <a:prstGeom prst="rect">
-              <a:avLst/>
-            </a:prstGeom>
-            <a:noFill/>
-          </p:spPr>
-          <p:txBody>
-            <a:bodyPr wrap="square" rtlCol="0">
-              <a:spAutoFit/>
-            </a:bodyPr>
-            <a:lstStyle/>
-            <a:p>
-              <a:pPr algn="ctr"/>
-              <a:r>
-                <a:rPr lang="de-DE" dirty="0">
-                  <a:solidFill>
-                    <a:schemeClr val="bg1"/>
-                  </a:solidFill>
-                  <a:latin typeface="Trade Gothic Next" panose="020B0503040303020004" pitchFamily="34" charset="0"/>
-                </a:rPr>
-                <a:t>Basic </a:t>
-              </a:r>
-              <a:r>
-                <a:rPr lang="de-DE" dirty="0" err="1">
-                  <a:solidFill>
-                    <a:schemeClr val="bg1"/>
-                  </a:solidFill>
-                  <a:latin typeface="Trade Gothic Next" panose="020B0503040303020004" pitchFamily="34" charset="0"/>
-                </a:rPr>
-                <a:t>Metric</a:t>
-              </a:r>
-              <a:r>
-                <a:rPr lang="de-DE" dirty="0">
-                  <a:solidFill>
-                    <a:schemeClr val="bg1"/>
-                  </a:solidFill>
-                  <a:latin typeface="Trade Gothic Next" panose="020B0503040303020004" pitchFamily="34" charset="0"/>
-                </a:rPr>
-                <a:t> Analysis</a:t>
-              </a:r>
-            </a:p>
-          </p:txBody>
-        </p:sp>
-        <p:sp>
-          <p:nvSpPr>
-            <p:cNvPr id="11281" name="Textfeld 11280">
-              <a:extLst>
-                <a:ext uri="{FF2B5EF4-FFF2-40B4-BE49-F238E27FC236}">
-                  <a16:creationId xmlns:a16="http://schemas.microsoft.com/office/drawing/2014/main" id="{E2767A7B-C3C3-002B-A8D5-9635D632F38D}"/>
-                </a:ext>
-              </a:extLst>
-            </p:cNvPr>
-            <p:cNvSpPr txBox="1"/>
-            <p:nvPr/>
-          </p:nvSpPr>
-          <p:spPr>
-            <a:xfrm>
-              <a:off x="5004457" y="3175539"/>
-              <a:ext cx="2066610" cy="830997"/>
-            </a:xfrm>
-            <a:prstGeom prst="rect">
-              <a:avLst/>
-            </a:prstGeom>
-            <a:noFill/>
-          </p:spPr>
-          <p:txBody>
-            <a:bodyPr wrap="square" rtlCol="0">
-              <a:spAutoFit/>
-            </a:bodyPr>
-            <a:lstStyle/>
-            <a:p>
-              <a:pPr algn="ctr"/>
-              <a:r>
-                <a:rPr lang="de-DE" sz="1200" dirty="0">
-                  <a:solidFill>
-                    <a:schemeClr val="bg1"/>
-                  </a:solidFill>
-                  <a:latin typeface="Trade Gothic Next" panose="020B0503040303020004" pitchFamily="34" charset="0"/>
-                </a:rPr>
-                <a:t>External Framework Analysis (e.g. </a:t>
-              </a:r>
-              <a:r>
-                <a:rPr lang="de-DE" sz="1200" dirty="0" err="1">
-                  <a:solidFill>
-                    <a:schemeClr val="bg1"/>
-                  </a:solidFill>
-                  <a:latin typeface="Trade Gothic Next" panose="020B0503040303020004" pitchFamily="34" charset="0"/>
-                </a:rPr>
-                <a:t>HateSonar</a:t>
-              </a:r>
-              <a:r>
-                <a:rPr lang="de-DE" sz="1200" dirty="0">
-                  <a:solidFill>
-                    <a:schemeClr val="bg1"/>
-                  </a:solidFill>
-                  <a:latin typeface="Trade Gothic Next" panose="020B0503040303020004" pitchFamily="34" charset="0"/>
-                </a:rPr>
-                <a:t>, NLTK Sentiment Analysis, </a:t>
-              </a:r>
-              <a:r>
-                <a:rPr lang="de-DE" sz="1200" dirty="0" err="1">
-                  <a:solidFill>
-                    <a:schemeClr val="bg1"/>
-                  </a:solidFill>
-                  <a:latin typeface="Trade Gothic Next" panose="020B0503040303020004" pitchFamily="34" charset="0"/>
-                </a:rPr>
-                <a:t>GermanSentimentBert</a:t>
-              </a:r>
-              <a:r>
-                <a:rPr lang="de-DE" sz="1200" dirty="0">
-                  <a:solidFill>
-                    <a:schemeClr val="bg1"/>
-                  </a:solidFill>
-                  <a:latin typeface="Trade Gothic Next" panose="020B0503040303020004" pitchFamily="34" charset="0"/>
-                </a:rPr>
-                <a:t>)</a:t>
-              </a:r>
-            </a:p>
-          </p:txBody>
-        </p:sp>
-        <p:sp>
-          <p:nvSpPr>
-            <p:cNvPr id="11295" name="Textfeld 11294">
-              <a:extLst>
-                <a:ext uri="{FF2B5EF4-FFF2-40B4-BE49-F238E27FC236}">
-                  <a16:creationId xmlns:a16="http://schemas.microsoft.com/office/drawing/2014/main" id="{024B42DD-3C0D-745E-4FCF-140335B793D6}"/>
-                </a:ext>
-              </a:extLst>
-            </p:cNvPr>
-            <p:cNvSpPr txBox="1"/>
-            <p:nvPr/>
-          </p:nvSpPr>
-          <p:spPr>
-            <a:xfrm>
-              <a:off x="1024128" y="4520070"/>
-              <a:ext cx="2216133" cy="646331"/>
-            </a:xfrm>
-            <a:prstGeom prst="rect">
-              <a:avLst/>
-            </a:prstGeom>
-            <a:noFill/>
-          </p:spPr>
-          <p:txBody>
-            <a:bodyPr wrap="square" rtlCol="0">
-              <a:spAutoFit/>
-            </a:bodyPr>
-            <a:lstStyle/>
-            <a:p>
-              <a:pPr algn="ctr"/>
-              <a:r>
-                <a:rPr lang="de-DE" sz="1200" dirty="0">
-                  <a:solidFill>
-                    <a:srgbClr val="750E17"/>
-                  </a:solidFill>
-                  <a:latin typeface="Trade Gothic Next" panose="020B0503040303020004" pitchFamily="34" charset="0"/>
-                </a:rPr>
-                <a:t>Lyrics Data </a:t>
-              </a:r>
-              <a:r>
-                <a:rPr lang="de-DE" sz="1200" dirty="0" err="1">
-                  <a:solidFill>
-                    <a:srgbClr val="750E17"/>
-                  </a:solidFill>
-                  <a:latin typeface="Trade Gothic Next" panose="020B0503040303020004" pitchFamily="34" charset="0"/>
-                </a:rPr>
-                <a:t>Translated</a:t>
-              </a:r>
-              <a:r>
-                <a:rPr lang="de-DE" sz="1200" dirty="0">
-                  <a:solidFill>
-                    <a:srgbClr val="750E17"/>
-                  </a:solidFill>
-                  <a:latin typeface="Trade Gothic Next" panose="020B0503040303020004" pitchFamily="34" charset="0"/>
-                </a:rPr>
-                <a:t> </a:t>
-              </a:r>
-            </a:p>
-            <a:p>
-              <a:pPr algn="ctr"/>
-              <a:r>
-                <a:rPr lang="de-DE" sz="1200" dirty="0">
-                  <a:solidFill>
-                    <a:srgbClr val="750E17"/>
-                  </a:solidFill>
-                  <a:latin typeface="Trade Gothic Next" panose="020B0503040303020004" pitchFamily="34" charset="0"/>
-                </a:rPr>
-                <a:t>(</a:t>
-              </a:r>
-              <a:r>
-                <a:rPr lang="de-DE" sz="1200" dirty="0" err="1">
-                  <a:solidFill>
-                    <a:srgbClr val="750E17"/>
-                  </a:solidFill>
-                  <a:latin typeface="Trade Gothic Next" panose="020B0503040303020004" pitchFamily="34" charset="0"/>
-                </a:rPr>
-                <a:t>using</a:t>
-              </a:r>
-              <a:r>
-                <a:rPr lang="de-DE" sz="1200" dirty="0">
-                  <a:solidFill>
-                    <a:srgbClr val="750E17"/>
-                  </a:solidFill>
-                  <a:latin typeface="Trade Gothic Next" panose="020B0503040303020004" pitchFamily="34" charset="0"/>
-                </a:rPr>
-                <a:t> DL </a:t>
-              </a:r>
-              <a:r>
-                <a:rPr lang="de-DE" sz="1200" dirty="0" err="1">
-                  <a:solidFill>
-                    <a:srgbClr val="750E17"/>
-                  </a:solidFill>
-                  <a:latin typeface="Trade Gothic Next" panose="020B0503040303020004" pitchFamily="34" charset="0"/>
-                </a:rPr>
-                <a:t>Translate</a:t>
-              </a:r>
-              <a:r>
-                <a:rPr lang="de-DE" sz="1200" dirty="0">
-                  <a:solidFill>
-                    <a:srgbClr val="750E17"/>
-                  </a:solidFill>
-                  <a:latin typeface="Trade Gothic Next" panose="020B0503040303020004" pitchFamily="34" charset="0"/>
-                </a:rPr>
-                <a:t> )</a:t>
-              </a:r>
-            </a:p>
-            <a:p>
-              <a:pPr algn="ctr"/>
-              <a:r>
-                <a:rPr lang="de-DE" sz="1200" dirty="0">
-                  <a:solidFill>
-                    <a:srgbClr val="750E17"/>
-                  </a:solidFill>
-                  <a:latin typeface="Trade Gothic Next" panose="020B0503040303020004" pitchFamily="34" charset="0"/>
-                </a:rPr>
-                <a:t>   </a:t>
-              </a:r>
-            </a:p>
-          </p:txBody>
-        </p:sp>
-        <p:sp>
-          <p:nvSpPr>
-            <p:cNvPr id="11302" name="Zylinder 11301">
-              <a:extLst>
-                <a:ext uri="{FF2B5EF4-FFF2-40B4-BE49-F238E27FC236}">
-                  <a16:creationId xmlns:a16="http://schemas.microsoft.com/office/drawing/2014/main" id="{3650C3F1-13DB-4C1E-924E-FD1C0D4F66D6}"/>
-                </a:ext>
-              </a:extLst>
-            </p:cNvPr>
-            <p:cNvSpPr/>
-            <p:nvPr/>
-          </p:nvSpPr>
-          <p:spPr>
-            <a:xfrm rot="5400000">
-              <a:off x="5907934" y="3468059"/>
-              <a:ext cx="602248" cy="2136345"/>
-            </a:xfrm>
-            <a:prstGeom prst="can">
-              <a:avLst/>
-            </a:prstGeom>
+            <a:tailEnd type="triangle"/>
+          </a:ln>
+        </p:spPr>
+        <p:style>
+          <a:lnRef idx="1">
+            <a:schemeClr val="accent1"/>
+          </a:lnRef>
+          <a:fillRef idx="0">
+            <a:schemeClr val="accent1"/>
+          </a:fillRef>
+          <a:effectRef idx="0">
+            <a:schemeClr val="accent1"/>
+          </a:effectRef>
+          <a:fontRef idx="minor">
+            <a:schemeClr val="tx1"/>
+          </a:fontRef>
+        </p:style>
+      </p:cxnSp>
+      <p:cxnSp>
+        <p:nvCxnSpPr>
+          <p:cNvPr id="11334" name="Verbinder: gewinkelt 11333">
+            <a:extLst>
+              <a:ext uri="{FF2B5EF4-FFF2-40B4-BE49-F238E27FC236}">
+                <a16:creationId xmlns:a16="http://schemas.microsoft.com/office/drawing/2014/main" id="{3FA9F078-2A8E-78FC-9916-2FF5AA7BE1A8}"/>
+              </a:ext>
+            </a:extLst>
+          </p:cNvPr>
+          <p:cNvCxnSpPr>
+            <a:cxnSpLocks/>
+            <a:stCxn id="11316" idx="3"/>
+          </p:cNvCxnSpPr>
+          <p:nvPr/>
+        </p:nvCxnSpPr>
+        <p:spPr>
+          <a:xfrm flipV="1">
+            <a:off x="2628936" y="3905369"/>
+            <a:ext cx="312835" cy="1146904"/>
+          </a:xfrm>
+          <a:prstGeom prst="bentConnector2">
+            <a:avLst/>
+          </a:prstGeom>
+          <a:ln w="44450">
             <a:solidFill>
-              <a:srgbClr val="C61826"/>
+              <a:srgbClr val="750E17"/>
             </a:solidFill>
-            <a:ln>
-              <a:solidFill>
-                <a:srgbClr val="36060A"/>
-              </a:solidFill>
-            </a:ln>
-          </p:spPr>
-          <p:style>
-            <a:lnRef idx="2">
-              <a:schemeClr val="accent1">
-                <a:shade val="50000"/>
-              </a:schemeClr>
-            </a:lnRef>
-            <a:fillRef idx="1">
-              <a:schemeClr val="accent1"/>
-            </a:fillRef>
-            <a:effectRef idx="0">
-              <a:schemeClr val="accent1"/>
-            </a:effectRef>
-            <a:fontRef idx="minor">
-              <a:schemeClr val="lt1"/>
-            </a:fontRef>
-          </p:style>
-          <p:txBody>
-            <a:bodyPr rtlCol="0" anchor="ctr"/>
-            <a:lstStyle/>
-            <a:p>
-              <a:pPr algn="ctr"/>
-              <a:endParaRPr lang="de-DE"/>
-            </a:p>
-          </p:txBody>
-        </p:sp>
-        <p:sp>
-          <p:nvSpPr>
-            <p:cNvPr id="11303" name="Textfeld 11302">
-              <a:extLst>
-                <a:ext uri="{FF2B5EF4-FFF2-40B4-BE49-F238E27FC236}">
-                  <a16:creationId xmlns:a16="http://schemas.microsoft.com/office/drawing/2014/main" id="{B422DE2B-72E1-3A1D-AD44-77CA3E0C6BC3}"/>
-                </a:ext>
-              </a:extLst>
-            </p:cNvPr>
-            <p:cNvSpPr txBox="1"/>
-            <p:nvPr/>
-          </p:nvSpPr>
-          <p:spPr>
-            <a:xfrm>
-              <a:off x="5227124" y="4286020"/>
-              <a:ext cx="1774590" cy="492443"/>
-            </a:xfrm>
-            <a:prstGeom prst="rect">
-              <a:avLst/>
-            </a:prstGeom>
-            <a:noFill/>
-          </p:spPr>
-          <p:txBody>
-            <a:bodyPr wrap="square" rtlCol="0">
-              <a:spAutoFit/>
-            </a:bodyPr>
-            <a:lstStyle/>
-            <a:p>
-              <a:pPr algn="ctr"/>
-              <a:r>
-                <a:rPr lang="de-DE" sz="1300" dirty="0">
-                  <a:solidFill>
-                    <a:schemeClr val="bg1"/>
-                  </a:solidFill>
-                  <a:latin typeface="Trade Gothic Next" panose="020B0503040303020004" pitchFamily="34" charset="0"/>
-                </a:rPr>
-                <a:t>Optional: Self-</a:t>
-              </a:r>
-              <a:r>
-                <a:rPr lang="de-DE" sz="1300" dirty="0" err="1">
-                  <a:solidFill>
-                    <a:schemeClr val="bg1"/>
-                  </a:solidFill>
-                  <a:latin typeface="Trade Gothic Next" panose="020B0503040303020004" pitchFamily="34" charset="0"/>
-                </a:rPr>
-                <a:t>implementend</a:t>
-              </a:r>
-              <a:r>
-                <a:rPr lang="de-DE" sz="1300" dirty="0">
-                  <a:solidFill>
-                    <a:schemeClr val="bg1"/>
-                  </a:solidFill>
-                  <a:latin typeface="Trade Gothic Next" panose="020B0503040303020004" pitchFamily="34" charset="0"/>
-                </a:rPr>
-                <a:t> Models</a:t>
-              </a:r>
-            </a:p>
-          </p:txBody>
-        </p:sp>
-        <p:cxnSp>
-          <p:nvCxnSpPr>
-            <p:cNvPr id="11304" name="Gerade Verbindung mit Pfeil 11303">
-              <a:extLst>
-                <a:ext uri="{FF2B5EF4-FFF2-40B4-BE49-F238E27FC236}">
-                  <a16:creationId xmlns:a16="http://schemas.microsoft.com/office/drawing/2014/main" id="{FEAE3C22-9158-2FA9-C810-9AFF74B58AA6}"/>
-                </a:ext>
-              </a:extLst>
-            </p:cNvPr>
-            <p:cNvCxnSpPr>
-              <a:cxnSpLocks/>
-            </p:cNvCxnSpPr>
-            <p:nvPr/>
-          </p:nvCxnSpPr>
-          <p:spPr>
-            <a:xfrm>
-              <a:off x="7452175" y="2446356"/>
-              <a:ext cx="416069" cy="793730"/>
-            </a:xfrm>
-            <a:prstGeom prst="straightConnector1">
-              <a:avLst/>
-            </a:prstGeom>
-            <a:ln w="44450">
-              <a:solidFill>
-                <a:srgbClr val="C61826"/>
-              </a:solidFill>
-              <a:tailEnd type="triangle"/>
-            </a:ln>
-          </p:spPr>
-          <p:style>
-            <a:lnRef idx="1">
-              <a:schemeClr val="accent1"/>
-            </a:lnRef>
-            <a:fillRef idx="0">
-              <a:schemeClr val="accent1"/>
-            </a:fillRef>
-            <a:effectRef idx="0">
-              <a:schemeClr val="accent1"/>
-            </a:effectRef>
-            <a:fontRef idx="minor">
-              <a:schemeClr val="tx1"/>
-            </a:fontRef>
-          </p:style>
-        </p:cxnSp>
-        <p:cxnSp>
-          <p:nvCxnSpPr>
-            <p:cNvPr id="11306" name="Gerade Verbindung mit Pfeil 11305">
-              <a:extLst>
-                <a:ext uri="{FF2B5EF4-FFF2-40B4-BE49-F238E27FC236}">
-                  <a16:creationId xmlns:a16="http://schemas.microsoft.com/office/drawing/2014/main" id="{BE80D363-3F6D-8F7E-C5F2-774143E3B57F}"/>
-                </a:ext>
-              </a:extLst>
-            </p:cNvPr>
-            <p:cNvCxnSpPr>
-              <a:cxnSpLocks/>
-            </p:cNvCxnSpPr>
-            <p:nvPr/>
-          </p:nvCxnSpPr>
-          <p:spPr>
-            <a:xfrm>
-              <a:off x="7571221" y="3504460"/>
-              <a:ext cx="377976" cy="0"/>
-            </a:xfrm>
-            <a:prstGeom prst="straightConnector1">
-              <a:avLst/>
-            </a:prstGeom>
-            <a:ln w="44450">
-              <a:solidFill>
-                <a:srgbClr val="C61826"/>
-              </a:solidFill>
-              <a:tailEnd type="triangle"/>
-            </a:ln>
-          </p:spPr>
-          <p:style>
-            <a:lnRef idx="1">
-              <a:schemeClr val="accent1"/>
-            </a:lnRef>
-            <a:fillRef idx="0">
-              <a:schemeClr val="accent1"/>
-            </a:fillRef>
-            <a:effectRef idx="0">
-              <a:schemeClr val="accent1"/>
-            </a:effectRef>
-            <a:fontRef idx="minor">
-              <a:schemeClr val="tx1"/>
-            </a:fontRef>
-          </p:style>
-        </p:cxnSp>
-        <p:cxnSp>
-          <p:nvCxnSpPr>
-            <p:cNvPr id="11308" name="Gerade Verbindung mit Pfeil 11307">
-              <a:extLst>
-                <a:ext uri="{FF2B5EF4-FFF2-40B4-BE49-F238E27FC236}">
-                  <a16:creationId xmlns:a16="http://schemas.microsoft.com/office/drawing/2014/main" id="{B69B4529-3351-1927-1A8A-0BDD535DCCA3}"/>
-                </a:ext>
-              </a:extLst>
-            </p:cNvPr>
-            <p:cNvCxnSpPr>
-              <a:cxnSpLocks/>
-            </p:cNvCxnSpPr>
-            <p:nvPr/>
-          </p:nvCxnSpPr>
-          <p:spPr>
-            <a:xfrm flipV="1">
-              <a:off x="7452175" y="3784744"/>
-              <a:ext cx="443977" cy="747497"/>
-            </a:xfrm>
-            <a:prstGeom prst="straightConnector1">
-              <a:avLst/>
-            </a:prstGeom>
-            <a:ln w="44450">
-              <a:solidFill>
-                <a:srgbClr val="C61826"/>
-              </a:solidFill>
-              <a:tailEnd type="triangle"/>
-            </a:ln>
-          </p:spPr>
-          <p:style>
-            <a:lnRef idx="1">
-              <a:schemeClr val="accent1"/>
-            </a:lnRef>
-            <a:fillRef idx="0">
-              <a:schemeClr val="accent1"/>
-            </a:fillRef>
-            <a:effectRef idx="0">
-              <a:schemeClr val="accent1"/>
-            </a:effectRef>
-            <a:fontRef idx="minor">
-              <a:schemeClr val="tx1"/>
-            </a:fontRef>
-          </p:style>
-        </p:cxnSp>
-        <p:pic>
-          <p:nvPicPr>
-            <p:cNvPr id="11312" name="Grafik 11311" descr="Fernsehen mit einfarbiger Füllung">
-              <a:extLst>
-                <a:ext uri="{FF2B5EF4-FFF2-40B4-BE49-F238E27FC236}">
-                  <a16:creationId xmlns:a16="http://schemas.microsoft.com/office/drawing/2014/main" id="{34071518-8861-72B0-7F49-3B53EDDBFDBA}"/>
-                </a:ext>
-              </a:extLst>
-            </p:cNvPr>
-            <p:cNvPicPr>
-              <a:picLocks noChangeAspect="1"/>
-            </p:cNvPicPr>
-            <p:nvPr/>
-          </p:nvPicPr>
-          <p:blipFill>
-            <a:blip r:embed="rId14">
-              <a:extLst>
-                <a:ext uri="{28A0092B-C50C-407E-A947-70E740481C1C}">
-                  <a14:useLocalDpi xmlns:a14="http://schemas.microsoft.com/office/drawing/2010/main" val="0"/>
-                </a:ext>
-                <a:ext uri="{96DAC541-7B7A-43D3-8B79-37D633B846F1}">
-                  <asvg:svgBlip xmlns:asvg="http://schemas.microsoft.com/office/drawing/2016/SVG/main" r:embed="rId15"/>
-                </a:ext>
-              </a:extLst>
-            </a:blip>
-            <a:stretch>
-              <a:fillRect/>
-            </a:stretch>
-          </p:blipFill>
-          <p:spPr>
-            <a:xfrm>
-              <a:off x="8115284" y="2870344"/>
-              <a:ext cx="914400" cy="914400"/>
-            </a:xfrm>
-            <a:prstGeom prst="rect">
-              <a:avLst/>
-            </a:prstGeom>
-          </p:spPr>
-        </p:pic>
-        <p:sp>
-          <p:nvSpPr>
-            <p:cNvPr id="11313" name="Textfeld 11312">
-              <a:extLst>
-                <a:ext uri="{FF2B5EF4-FFF2-40B4-BE49-F238E27FC236}">
-                  <a16:creationId xmlns:a16="http://schemas.microsoft.com/office/drawing/2014/main" id="{948A574A-DF04-8CF3-2C27-99F3367CD6D5}"/>
-                </a:ext>
-              </a:extLst>
-            </p:cNvPr>
-            <p:cNvSpPr txBox="1"/>
-            <p:nvPr/>
-          </p:nvSpPr>
-          <p:spPr>
-            <a:xfrm>
-              <a:off x="7906931" y="3802213"/>
-              <a:ext cx="1482426" cy="553998"/>
-            </a:xfrm>
-            <a:prstGeom prst="rect">
-              <a:avLst/>
-            </a:prstGeom>
-            <a:noFill/>
-          </p:spPr>
-          <p:txBody>
-            <a:bodyPr wrap="square" rtlCol="0">
-              <a:spAutoFit/>
-            </a:bodyPr>
-            <a:lstStyle/>
-            <a:p>
-              <a:pPr algn="ctr"/>
-              <a:r>
-                <a:rPr lang="de-DE" dirty="0">
-                  <a:solidFill>
-                    <a:srgbClr val="36060A"/>
-                  </a:solidFill>
-                  <a:latin typeface="Trade Gothic Next" panose="020B0503040303020004" pitchFamily="34" charset="0"/>
-                </a:rPr>
-                <a:t>Interpretation /</a:t>
-              </a:r>
-            </a:p>
-            <a:p>
-              <a:pPr algn="ctr"/>
-              <a:r>
-                <a:rPr lang="de-DE" dirty="0" err="1">
-                  <a:solidFill>
-                    <a:srgbClr val="36060A"/>
-                  </a:solidFill>
-                  <a:latin typeface="Trade Gothic Next" panose="020B0503040303020004" pitchFamily="34" charset="0"/>
-                </a:rPr>
-                <a:t>Visualization</a:t>
-              </a:r>
-              <a:endParaRPr lang="de-DE" dirty="0">
-                <a:solidFill>
-                  <a:srgbClr val="36060A"/>
-                </a:solidFill>
-                <a:latin typeface="Trade Gothic Next" panose="020B0503040303020004" pitchFamily="34" charset="0"/>
-              </a:endParaRPr>
-            </a:p>
-          </p:txBody>
-        </p:sp>
-        <p:pic>
-          <p:nvPicPr>
-            <p:cNvPr id="11316" name="Grafik 11315" descr="Tabelle mit einfarbiger Füllung">
-              <a:extLst>
-                <a:ext uri="{FF2B5EF4-FFF2-40B4-BE49-F238E27FC236}">
-                  <a16:creationId xmlns:a16="http://schemas.microsoft.com/office/drawing/2014/main" id="{65077440-3020-DDB6-B57F-6D21C54A73CC}"/>
-                </a:ext>
-              </a:extLst>
-            </p:cNvPr>
-            <p:cNvPicPr>
-              <a:picLocks noChangeAspect="1"/>
-            </p:cNvPicPr>
-            <p:nvPr/>
-          </p:nvPicPr>
-          <p:blipFill>
-            <a:blip r:embed="rId4">
-              <a:extLst>
-                <a:ext uri="{28A0092B-C50C-407E-A947-70E740481C1C}">
-                  <a14:useLocalDpi xmlns:a14="http://schemas.microsoft.com/office/drawing/2010/main" val="0"/>
-                </a:ext>
-                <a:ext uri="{96DAC541-7B7A-43D3-8B79-37D633B846F1}">
-                  <asvg:svgBlip xmlns:asvg="http://schemas.microsoft.com/office/drawing/2016/SVG/main" r:embed="rId5"/>
-                </a:ext>
-              </a:extLst>
-            </a:blip>
-            <a:stretch>
-              <a:fillRect/>
-            </a:stretch>
-          </p:blipFill>
-          <p:spPr>
-            <a:xfrm>
-              <a:off x="1724994" y="4821470"/>
-              <a:ext cx="914400" cy="914400"/>
-            </a:xfrm>
-            <a:prstGeom prst="rect">
-              <a:avLst/>
-            </a:prstGeom>
-          </p:spPr>
-        </p:pic>
-        <p:cxnSp>
-          <p:nvCxnSpPr>
-            <p:cNvPr id="11331" name="Verbinder: gewinkelt 11330">
-              <a:extLst>
-                <a:ext uri="{FF2B5EF4-FFF2-40B4-BE49-F238E27FC236}">
-                  <a16:creationId xmlns:a16="http://schemas.microsoft.com/office/drawing/2014/main" id="{BEAFAC7C-3436-CCDD-C4ED-F516A2BAC9D0}"/>
-                </a:ext>
-              </a:extLst>
-            </p:cNvPr>
-            <p:cNvCxnSpPr>
-              <a:cxnSpLocks/>
-              <a:endCxn id="11316" idx="1"/>
-            </p:cNvCxnSpPr>
-            <p:nvPr/>
-          </p:nvCxnSpPr>
-          <p:spPr>
-            <a:xfrm rot="16200000" flipH="1">
-              <a:off x="1120410" y="4674086"/>
-              <a:ext cx="788642" cy="420526"/>
-            </a:xfrm>
-            <a:prstGeom prst="bentConnector2">
-              <a:avLst/>
-            </a:prstGeom>
-            <a:ln w="44450">
-              <a:solidFill>
-                <a:srgbClr val="750E17"/>
-              </a:solidFill>
-              <a:tailEnd type="triangle"/>
-            </a:ln>
-          </p:spPr>
-          <p:style>
-            <a:lnRef idx="1">
-              <a:schemeClr val="accent1"/>
-            </a:lnRef>
-            <a:fillRef idx="0">
-              <a:schemeClr val="accent1"/>
-            </a:fillRef>
-            <a:effectRef idx="0">
-              <a:schemeClr val="accent1"/>
-            </a:effectRef>
-            <a:fontRef idx="minor">
-              <a:schemeClr val="tx1"/>
-            </a:fontRef>
-          </p:style>
-        </p:cxnSp>
-        <p:cxnSp>
-          <p:nvCxnSpPr>
-            <p:cNvPr id="11334" name="Verbinder: gewinkelt 11333">
-              <a:extLst>
-                <a:ext uri="{FF2B5EF4-FFF2-40B4-BE49-F238E27FC236}">
-                  <a16:creationId xmlns:a16="http://schemas.microsoft.com/office/drawing/2014/main" id="{3FA9F078-2A8E-78FC-9916-2FF5AA7BE1A8}"/>
-                </a:ext>
-              </a:extLst>
-            </p:cNvPr>
-            <p:cNvCxnSpPr>
-              <a:cxnSpLocks/>
-              <a:stCxn id="11316" idx="3"/>
-            </p:cNvCxnSpPr>
-            <p:nvPr/>
-          </p:nvCxnSpPr>
-          <p:spPr>
-            <a:xfrm flipV="1">
-              <a:off x="2639394" y="4131766"/>
-              <a:ext cx="312835" cy="1146904"/>
-            </a:xfrm>
-            <a:prstGeom prst="bentConnector2">
-              <a:avLst/>
-            </a:prstGeom>
-            <a:ln w="44450">
-              <a:solidFill>
-                <a:srgbClr val="750E17"/>
-              </a:solidFill>
-              <a:tailEnd type="triangle"/>
-            </a:ln>
-          </p:spPr>
-          <p:style>
-            <a:lnRef idx="1">
-              <a:schemeClr val="accent1"/>
-            </a:lnRef>
-            <a:fillRef idx="0">
-              <a:schemeClr val="accent1"/>
-            </a:fillRef>
-            <a:effectRef idx="0">
-              <a:schemeClr val="accent1"/>
-            </a:effectRef>
-            <a:fontRef idx="minor">
-              <a:schemeClr val="tx1"/>
-            </a:fontRef>
-          </p:style>
-        </p:cxnSp>
-        <p:cxnSp>
-          <p:nvCxnSpPr>
-            <p:cNvPr id="11339" name="Gerade Verbindung mit Pfeil 11338">
-              <a:extLst>
-                <a:ext uri="{FF2B5EF4-FFF2-40B4-BE49-F238E27FC236}">
-                  <a16:creationId xmlns:a16="http://schemas.microsoft.com/office/drawing/2014/main" id="{3F090A02-3D27-58A4-39B7-E0E94F97161C}"/>
-                </a:ext>
-              </a:extLst>
-            </p:cNvPr>
-            <p:cNvCxnSpPr>
-              <a:cxnSpLocks/>
-            </p:cNvCxnSpPr>
-            <p:nvPr/>
-          </p:nvCxnSpPr>
-          <p:spPr>
-            <a:xfrm flipV="1">
-              <a:off x="1996359" y="3671626"/>
-              <a:ext cx="419312" cy="412543"/>
-            </a:xfrm>
-            <a:prstGeom prst="straightConnector1">
-              <a:avLst/>
-            </a:prstGeom>
-            <a:ln w="44450">
-              <a:solidFill>
-                <a:srgbClr val="750E17"/>
-              </a:solidFill>
-              <a:tailEnd type="triangle"/>
-            </a:ln>
-          </p:spPr>
-          <p:style>
-            <a:lnRef idx="1">
-              <a:schemeClr val="accent1"/>
-            </a:lnRef>
-            <a:fillRef idx="0">
-              <a:schemeClr val="accent1"/>
-            </a:fillRef>
-            <a:effectRef idx="0">
-              <a:schemeClr val="accent1"/>
-            </a:effectRef>
-            <a:fontRef idx="minor">
-              <a:schemeClr val="tx1"/>
-            </a:fontRef>
-          </p:style>
-        </p:cxnSp>
-      </p:grpSp>
+            <a:tailEnd type="triangle"/>
+          </a:ln>
+        </p:spPr>
+        <p:style>
+          <a:lnRef idx="1">
+            <a:schemeClr val="accent1"/>
+          </a:lnRef>
+          <a:fillRef idx="0">
+            <a:schemeClr val="accent1"/>
+          </a:fillRef>
+          <a:effectRef idx="0">
+            <a:schemeClr val="accent1"/>
+          </a:effectRef>
+          <a:fontRef idx="minor">
+            <a:schemeClr val="tx1"/>
+          </a:fontRef>
+        </p:style>
+      </p:cxnSp>
+      <p:cxnSp>
+        <p:nvCxnSpPr>
+          <p:cNvPr id="11339" name="Gerade Verbindung mit Pfeil 11338">
+            <a:extLst>
+              <a:ext uri="{FF2B5EF4-FFF2-40B4-BE49-F238E27FC236}">
+                <a16:creationId xmlns:a16="http://schemas.microsoft.com/office/drawing/2014/main" id="{3F090A02-3D27-58A4-39B7-E0E94F97161C}"/>
+              </a:ext>
+            </a:extLst>
+          </p:cNvPr>
+          <p:cNvCxnSpPr>
+            <a:cxnSpLocks/>
+          </p:cNvCxnSpPr>
+          <p:nvPr/>
+        </p:nvCxnSpPr>
+        <p:spPr>
+          <a:xfrm flipV="1">
+            <a:off x="1985901" y="3445229"/>
+            <a:ext cx="419312" cy="412543"/>
+          </a:xfrm>
+          <a:prstGeom prst="straightConnector1">
+            <a:avLst/>
+          </a:prstGeom>
+          <a:ln w="44450">
+            <a:solidFill>
+              <a:srgbClr val="750E17"/>
+            </a:solidFill>
+            <a:tailEnd type="triangle"/>
+          </a:ln>
+        </p:spPr>
+        <p:style>
+          <a:lnRef idx="1">
+            <a:schemeClr val="accent1"/>
+          </a:lnRef>
+          <a:fillRef idx="0">
+            <a:schemeClr val="accent1"/>
+          </a:fillRef>
+          <a:effectRef idx="0">
+            <a:schemeClr val="accent1"/>
+          </a:effectRef>
+          <a:fontRef idx="minor">
+            <a:schemeClr val="tx1"/>
+          </a:fontRef>
+        </p:style>
+      </p:cxnSp>
     </p:spTree>
   </p:cSld>
   <p:clrMapOvr>
@@ -8607,10 +10422,10 @@
       </p:grpSpPr>
       <p:pic>
         <p:nvPicPr>
-          <p:cNvPr id="2" name="Grafik 1">
-            <a:extLst>
-              <a:ext uri="{FF2B5EF4-FFF2-40B4-BE49-F238E27FC236}">
-                <a16:creationId xmlns:a16="http://schemas.microsoft.com/office/drawing/2014/main" id="{D22DC713-4D58-D962-F520-5301ADA8E46D}"/>
+          <p:cNvPr id="11315" name="Grafik 11314">
+            <a:extLst>
+              <a:ext uri="{FF2B5EF4-FFF2-40B4-BE49-F238E27FC236}">
+                <a16:creationId xmlns:a16="http://schemas.microsoft.com/office/drawing/2014/main" id="{4EF3AE3F-D7F1-5B9A-A60C-0255FD1FC161}"/>
               </a:ext>
             </a:extLst>
           </p:cNvPr>
@@ -8627,8 +10442,3201 @@
         </p:blipFill>
         <p:spPr>
           <a:xfrm>
-            <a:off x="575965" y="1763923"/>
-            <a:ext cx="7956786" cy="3201695"/>
+            <a:off x="1143523" y="3569685"/>
+            <a:ext cx="695448" cy="457275"/>
+          </a:xfrm>
+          <a:prstGeom prst="rect">
+            <a:avLst/>
+          </a:prstGeom>
+        </p:spPr>
+      </p:pic>
+      <p:sp>
+        <p:nvSpPr>
+          <p:cNvPr id="11291" name="Zylinder 11290">
+            <a:extLst>
+              <a:ext uri="{FF2B5EF4-FFF2-40B4-BE49-F238E27FC236}">
+                <a16:creationId xmlns:a16="http://schemas.microsoft.com/office/drawing/2014/main" id="{F38F70F2-2400-C61A-8742-7EACD2F21881}"/>
+              </a:ext>
+            </a:extLst>
+          </p:cNvPr>
+          <p:cNvSpPr/>
+          <p:nvPr/>
+        </p:nvSpPr>
+        <p:spPr>
+          <a:xfrm rot="5400000">
+            <a:off x="7036508" y="631973"/>
+            <a:ext cx="771729" cy="2171534"/>
+          </a:xfrm>
+          <a:prstGeom prst="can">
+            <a:avLst/>
+          </a:prstGeom>
+          <a:solidFill>
+            <a:srgbClr val="C61826"/>
+          </a:solidFill>
+          <a:ln>
+            <a:solidFill>
+              <a:srgbClr val="36060A"/>
+            </a:solidFill>
+          </a:ln>
+        </p:spPr>
+        <p:style>
+          <a:lnRef idx="2">
+            <a:schemeClr val="accent1">
+              <a:shade val="50000"/>
+            </a:schemeClr>
+          </a:lnRef>
+          <a:fillRef idx="1">
+            <a:schemeClr val="accent1"/>
+          </a:fillRef>
+          <a:effectRef idx="0">
+            <a:schemeClr val="accent1"/>
+          </a:effectRef>
+          <a:fontRef idx="minor">
+            <a:schemeClr val="lt1"/>
+          </a:fontRef>
+        </p:style>
+        <p:txBody>
+          <a:bodyPr rtlCol="0" anchor="ctr"/>
+          <a:lstStyle/>
+          <a:p>
+            <a:pPr algn="ctr"/>
+            <a:endParaRPr lang="de-DE"/>
+          </a:p>
+        </p:txBody>
+      </p:sp>
+      <p:pic>
+        <p:nvPicPr>
+          <p:cNvPr id="4" name="Grafik 3" descr="Tabelle mit einfarbiger Füllung">
+            <a:extLst>
+              <a:ext uri="{FF2B5EF4-FFF2-40B4-BE49-F238E27FC236}">
+                <a16:creationId xmlns:a16="http://schemas.microsoft.com/office/drawing/2014/main" id="{41A7AD7B-9DBE-02A1-B3ED-2007138D0F13}"/>
+              </a:ext>
+            </a:extLst>
+          </p:cNvPr>
+          <p:cNvPicPr>
+            <a:picLocks noChangeAspect="1"/>
+          </p:cNvPicPr>
+          <p:nvPr/>
+        </p:nvPicPr>
+        <p:blipFill>
+          <a:blip r:embed="rId3">
+            <a:extLst>
+              <a:ext uri="{28A0092B-C50C-407E-A947-70E740481C1C}">
+                <a14:useLocalDpi xmlns:a14="http://schemas.microsoft.com/office/drawing/2010/main" val="0"/>
+              </a:ext>
+              <a:ext uri="{96DAC541-7B7A-43D3-8B79-37D633B846F1}">
+                <asvg:svgBlip xmlns:asvg="http://schemas.microsoft.com/office/drawing/2016/SVG/main" r:embed="rId4"/>
+              </a:ext>
+            </a:extLst>
+          </a:blip>
+          <a:stretch>
+            <a:fillRect/>
+          </a:stretch>
+        </p:blipFill>
+        <p:spPr>
+          <a:xfrm>
+            <a:off x="1004649" y="3349232"/>
+            <a:ext cx="914400" cy="914400"/>
+          </a:xfrm>
+          <a:prstGeom prst="rect">
+            <a:avLst/>
+          </a:prstGeom>
+        </p:spPr>
+      </p:pic>
+      <p:sp>
+        <p:nvSpPr>
+          <p:cNvPr id="5" name="Textfeld 4">
+            <a:extLst>
+              <a:ext uri="{FF2B5EF4-FFF2-40B4-BE49-F238E27FC236}">
+                <a16:creationId xmlns:a16="http://schemas.microsoft.com/office/drawing/2014/main" id="{8F90917B-D0B5-D9CC-351C-8B1FF6C09C08}"/>
+              </a:ext>
+            </a:extLst>
+          </p:cNvPr>
+          <p:cNvSpPr txBox="1"/>
+          <p:nvPr/>
+        </p:nvSpPr>
+        <p:spPr>
+          <a:xfrm>
+            <a:off x="861919" y="1619907"/>
+            <a:ext cx="1800200" cy="324036"/>
+          </a:xfrm>
+          <a:prstGeom prst="rect">
+            <a:avLst/>
+          </a:prstGeom>
+          <a:noFill/>
+        </p:spPr>
+        <p:txBody>
+          <a:bodyPr wrap="square" rtlCol="0">
+            <a:spAutoFit/>
+          </a:bodyPr>
+          <a:lstStyle/>
+          <a:p>
+            <a:r>
+              <a:rPr lang="de-DE" dirty="0">
+                <a:solidFill>
+                  <a:srgbClr val="750E17"/>
+                </a:solidFill>
+                <a:latin typeface="Trade Gothic Next" panose="020B0503040303020004" pitchFamily="34" charset="0"/>
+              </a:rPr>
+              <a:t>List </a:t>
+            </a:r>
+            <a:r>
+              <a:rPr lang="de-DE" dirty="0" err="1">
+                <a:solidFill>
+                  <a:srgbClr val="750E17"/>
+                </a:solidFill>
+                <a:latin typeface="Trade Gothic Next" panose="020B0503040303020004" pitchFamily="34" charset="0"/>
+              </a:rPr>
+              <a:t>of</a:t>
+            </a:r>
+            <a:r>
+              <a:rPr lang="de-DE" dirty="0">
+                <a:solidFill>
+                  <a:srgbClr val="750E17"/>
+                </a:solidFill>
+                <a:latin typeface="Trade Gothic Next" panose="020B0503040303020004" pitchFamily="34" charset="0"/>
+              </a:rPr>
+              <a:t> Artists</a:t>
+            </a:r>
+          </a:p>
+        </p:txBody>
+      </p:sp>
+      <p:pic>
+        <p:nvPicPr>
+          <p:cNvPr id="7" name="Grafik 6" descr="Internet mit einfarbiger Füllung">
+            <a:extLst>
+              <a:ext uri="{FF2B5EF4-FFF2-40B4-BE49-F238E27FC236}">
+                <a16:creationId xmlns:a16="http://schemas.microsoft.com/office/drawing/2014/main" id="{A49E8284-2910-63C8-12E9-29C5244D4D62}"/>
+              </a:ext>
+            </a:extLst>
+          </p:cNvPr>
+          <p:cNvPicPr>
+            <a:picLocks noChangeAspect="1"/>
+          </p:cNvPicPr>
+          <p:nvPr/>
+        </p:nvPicPr>
+        <p:blipFill>
+          <a:blip r:embed="rId5">
+            <a:extLst>
+              <a:ext uri="{28A0092B-C50C-407E-A947-70E740481C1C}">
+                <a14:useLocalDpi xmlns:a14="http://schemas.microsoft.com/office/drawing/2010/main" val="0"/>
+              </a:ext>
+              <a:ext uri="{96DAC541-7B7A-43D3-8B79-37D633B846F1}">
+                <asvg:svgBlip xmlns:asvg="http://schemas.microsoft.com/office/drawing/2016/SVG/main" r:embed="rId6"/>
+              </a:ext>
+            </a:extLst>
+          </a:blip>
+          <a:stretch>
+            <a:fillRect/>
+          </a:stretch>
+        </p:blipFill>
+        <p:spPr>
+          <a:xfrm>
+            <a:off x="-234378" y="1850256"/>
+            <a:ext cx="914400" cy="914400"/>
+          </a:xfrm>
+          <a:prstGeom prst="rect">
+            <a:avLst/>
+          </a:prstGeom>
+        </p:spPr>
+      </p:pic>
+      <p:pic>
+        <p:nvPicPr>
+          <p:cNvPr id="9" name="Grafik 8" descr="Datenbank mit einfarbiger Füllung">
+            <a:extLst>
+              <a:ext uri="{FF2B5EF4-FFF2-40B4-BE49-F238E27FC236}">
+                <a16:creationId xmlns:a16="http://schemas.microsoft.com/office/drawing/2014/main" id="{6ADDCC11-F209-E333-DD21-F214E98E3EA4}"/>
+              </a:ext>
+            </a:extLst>
+          </p:cNvPr>
+          <p:cNvPicPr>
+            <a:picLocks noChangeAspect="1"/>
+          </p:cNvPicPr>
+          <p:nvPr/>
+        </p:nvPicPr>
+        <p:blipFill>
+          <a:blip r:embed="rId7">
+            <a:extLst>
+              <a:ext uri="{28A0092B-C50C-407E-A947-70E740481C1C}">
+                <a14:useLocalDpi xmlns:a14="http://schemas.microsoft.com/office/drawing/2010/main" val="0"/>
+              </a:ext>
+              <a:ext uri="{96DAC541-7B7A-43D3-8B79-37D633B846F1}">
+                <asvg:svgBlip xmlns:asvg="http://schemas.microsoft.com/office/drawing/2016/SVG/main" r:embed="rId8"/>
+              </a:ext>
+            </a:extLst>
+          </a:blip>
+          <a:stretch>
+            <a:fillRect/>
+          </a:stretch>
+        </p:blipFill>
+        <p:spPr>
+          <a:xfrm>
+            <a:off x="2314360" y="2615162"/>
+            <a:ext cx="914400" cy="914400"/>
+          </a:xfrm>
+          <a:prstGeom prst="rect">
+            <a:avLst/>
+          </a:prstGeom>
+        </p:spPr>
+      </p:pic>
+      <p:pic>
+        <p:nvPicPr>
+          <p:cNvPr id="10" name="Grafik 9" descr="Tabelle mit einfarbiger Füllung">
+            <a:extLst>
+              <a:ext uri="{FF2B5EF4-FFF2-40B4-BE49-F238E27FC236}">
+                <a16:creationId xmlns:a16="http://schemas.microsoft.com/office/drawing/2014/main" id="{B3FC173A-2D79-E2F5-7733-1D7343326507}"/>
+              </a:ext>
+            </a:extLst>
+          </p:cNvPr>
+          <p:cNvPicPr>
+            <a:picLocks noChangeAspect="1"/>
+          </p:cNvPicPr>
+          <p:nvPr/>
+        </p:nvPicPr>
+        <p:blipFill>
+          <a:blip r:embed="rId9">
+            <a:extLst>
+              <a:ext uri="{28A0092B-C50C-407E-A947-70E740481C1C}">
+                <a14:useLocalDpi xmlns:a14="http://schemas.microsoft.com/office/drawing/2010/main" val="0"/>
+              </a:ext>
+              <a:ext uri="{96DAC541-7B7A-43D3-8B79-37D633B846F1}">
+                <asvg:svgBlip xmlns:asvg="http://schemas.microsoft.com/office/drawing/2016/SVG/main" r:embed="rId10"/>
+              </a:ext>
+            </a:extLst>
+          </a:blip>
+          <a:stretch>
+            <a:fillRect/>
+          </a:stretch>
+        </p:blipFill>
+        <p:spPr>
+          <a:xfrm>
+            <a:off x="1004616" y="1811909"/>
+            <a:ext cx="914400" cy="914400"/>
+          </a:xfrm>
+          <a:prstGeom prst="rect">
+            <a:avLst/>
+          </a:prstGeom>
+        </p:spPr>
+      </p:pic>
+      <p:sp>
+        <p:nvSpPr>
+          <p:cNvPr id="11" name="Textfeld 10">
+            <a:extLst>
+              <a:ext uri="{FF2B5EF4-FFF2-40B4-BE49-F238E27FC236}">
+                <a16:creationId xmlns:a16="http://schemas.microsoft.com/office/drawing/2014/main" id="{A5E44F06-40BE-5675-CC0A-8FA409C02595}"/>
+              </a:ext>
+            </a:extLst>
+          </p:cNvPr>
+          <p:cNvSpPr txBox="1"/>
+          <p:nvPr/>
+        </p:nvSpPr>
+        <p:spPr>
+          <a:xfrm>
+            <a:off x="575846" y="3142919"/>
+            <a:ext cx="1800200" cy="323165"/>
+          </a:xfrm>
+          <a:prstGeom prst="rect">
+            <a:avLst/>
+          </a:prstGeom>
+          <a:noFill/>
+        </p:spPr>
+        <p:txBody>
+          <a:bodyPr wrap="square" rtlCol="0">
+            <a:spAutoFit/>
+          </a:bodyPr>
+          <a:lstStyle/>
+          <a:p>
+            <a:pPr algn="ctr"/>
+            <a:r>
+              <a:rPr lang="de-DE" dirty="0">
+                <a:solidFill>
+                  <a:srgbClr val="750E17"/>
+                </a:solidFill>
+                <a:latin typeface="Trade Gothic Next" panose="020B0503040303020004" pitchFamily="34" charset="0"/>
+              </a:rPr>
+              <a:t>Lyrics Data </a:t>
+            </a:r>
+          </a:p>
+        </p:txBody>
+      </p:sp>
+      <p:pic>
+        <p:nvPicPr>
+          <p:cNvPr id="16" name="Grafik 15" descr="Internet mit einfarbiger Füllung">
+            <a:extLst>
+              <a:ext uri="{FF2B5EF4-FFF2-40B4-BE49-F238E27FC236}">
+                <a16:creationId xmlns:a16="http://schemas.microsoft.com/office/drawing/2014/main" id="{0B510EDD-A1F4-C596-45F7-FF7281E2BB5E}"/>
+              </a:ext>
+            </a:extLst>
+          </p:cNvPr>
+          <p:cNvPicPr>
+            <a:picLocks noChangeAspect="1"/>
+          </p:cNvPicPr>
+          <p:nvPr/>
+        </p:nvPicPr>
+        <p:blipFill>
+          <a:blip r:embed="rId5">
+            <a:extLst>
+              <a:ext uri="{28A0092B-C50C-407E-A947-70E740481C1C}">
+                <a14:useLocalDpi xmlns:a14="http://schemas.microsoft.com/office/drawing/2010/main" val="0"/>
+              </a:ext>
+              <a:ext uri="{96DAC541-7B7A-43D3-8B79-37D633B846F1}">
+                <asvg:svgBlip xmlns:asvg="http://schemas.microsoft.com/office/drawing/2016/SVG/main" r:embed="rId6"/>
+              </a:ext>
+            </a:extLst>
+          </a:blip>
+          <a:stretch>
+            <a:fillRect/>
+          </a:stretch>
+        </p:blipFill>
+        <p:spPr>
+          <a:xfrm>
+            <a:off x="-242398" y="3333799"/>
+            <a:ext cx="914400" cy="914400"/>
+          </a:xfrm>
+          <a:prstGeom prst="rect">
+            <a:avLst/>
+          </a:prstGeom>
+        </p:spPr>
+      </p:pic>
+      <p:sp>
+        <p:nvSpPr>
+          <p:cNvPr id="17" name="Textfeld 16">
+            <a:extLst>
+              <a:ext uri="{FF2B5EF4-FFF2-40B4-BE49-F238E27FC236}">
+                <a16:creationId xmlns:a16="http://schemas.microsoft.com/office/drawing/2014/main" id="{BC85A9A4-4AA2-70D3-868F-9CF4A8924C8C}"/>
+              </a:ext>
+            </a:extLst>
+          </p:cNvPr>
+          <p:cNvSpPr txBox="1"/>
+          <p:nvPr/>
+        </p:nvSpPr>
+        <p:spPr>
+          <a:xfrm>
+            <a:off x="-302165" y="3136718"/>
+            <a:ext cx="1129040" cy="324036"/>
+          </a:xfrm>
+          <a:prstGeom prst="rect">
+            <a:avLst/>
+          </a:prstGeom>
+          <a:noFill/>
+        </p:spPr>
+        <p:txBody>
+          <a:bodyPr wrap="square" rtlCol="0">
+            <a:spAutoFit/>
+          </a:bodyPr>
+          <a:lstStyle/>
+          <a:p>
+            <a:r>
+              <a:rPr lang="de-DE" dirty="0" err="1">
+                <a:solidFill>
+                  <a:srgbClr val="C61826"/>
+                </a:solidFill>
+                <a:latin typeface="Trade Gothic Next" panose="020B0503040303020004" pitchFamily="34" charset="0"/>
+              </a:rPr>
+              <a:t>Genuis</a:t>
+            </a:r>
+            <a:r>
+              <a:rPr lang="de-DE" dirty="0">
+                <a:solidFill>
+                  <a:srgbClr val="C61826"/>
+                </a:solidFill>
+                <a:latin typeface="Trade Gothic Next" panose="020B0503040303020004" pitchFamily="34" charset="0"/>
+              </a:rPr>
+              <a:t> API</a:t>
+            </a:r>
+          </a:p>
+        </p:txBody>
+      </p:sp>
+      <p:sp>
+        <p:nvSpPr>
+          <p:cNvPr id="18" name="Textfeld 17">
+            <a:extLst>
+              <a:ext uri="{FF2B5EF4-FFF2-40B4-BE49-F238E27FC236}">
+                <a16:creationId xmlns:a16="http://schemas.microsoft.com/office/drawing/2014/main" id="{6E346AF3-3B31-8A23-58C3-746219640590}"/>
+              </a:ext>
+            </a:extLst>
+          </p:cNvPr>
+          <p:cNvSpPr txBox="1"/>
+          <p:nvPr/>
+        </p:nvSpPr>
+        <p:spPr>
+          <a:xfrm>
+            <a:off x="-324135" y="1619907"/>
+            <a:ext cx="1129040" cy="324036"/>
+          </a:xfrm>
+          <a:prstGeom prst="rect">
+            <a:avLst/>
+          </a:prstGeom>
+          <a:noFill/>
+        </p:spPr>
+        <p:txBody>
+          <a:bodyPr wrap="square" rtlCol="0">
+            <a:spAutoFit/>
+          </a:bodyPr>
+          <a:lstStyle/>
+          <a:p>
+            <a:pPr algn="ctr"/>
+            <a:r>
+              <a:rPr lang="de-DE" dirty="0">
+                <a:solidFill>
+                  <a:srgbClr val="C61826"/>
+                </a:solidFill>
+                <a:latin typeface="Trade Gothic Next" panose="020B0503040303020004" pitchFamily="34" charset="0"/>
+              </a:rPr>
+              <a:t>Spotify API</a:t>
+            </a:r>
+          </a:p>
+        </p:txBody>
+      </p:sp>
+      <p:cxnSp>
+        <p:nvCxnSpPr>
+          <p:cNvPr id="20" name="Gerade Verbindung mit Pfeil 19">
+            <a:extLst>
+              <a:ext uri="{FF2B5EF4-FFF2-40B4-BE49-F238E27FC236}">
+                <a16:creationId xmlns:a16="http://schemas.microsoft.com/office/drawing/2014/main" id="{D43799C6-0BD1-91B5-DE5E-E2B06368CCE5}"/>
+              </a:ext>
+            </a:extLst>
+          </p:cNvPr>
+          <p:cNvCxnSpPr>
+            <a:cxnSpLocks/>
+          </p:cNvCxnSpPr>
+          <p:nvPr/>
+        </p:nvCxnSpPr>
+        <p:spPr>
+          <a:xfrm>
+            <a:off x="718650" y="2307456"/>
+            <a:ext cx="268497" cy="0"/>
+          </a:xfrm>
+          <a:prstGeom prst="straightConnector1">
+            <a:avLst/>
+          </a:prstGeom>
+          <a:ln w="44450">
+            <a:solidFill>
+              <a:srgbClr val="C61826"/>
+            </a:solidFill>
+            <a:tailEnd type="triangle"/>
+          </a:ln>
+        </p:spPr>
+        <p:style>
+          <a:lnRef idx="1">
+            <a:schemeClr val="accent1"/>
+          </a:lnRef>
+          <a:fillRef idx="0">
+            <a:schemeClr val="accent1"/>
+          </a:fillRef>
+          <a:effectRef idx="0">
+            <a:schemeClr val="accent1"/>
+          </a:effectRef>
+          <a:fontRef idx="minor">
+            <a:schemeClr val="tx1"/>
+          </a:fontRef>
+        </p:style>
+      </p:cxnSp>
+      <p:cxnSp>
+        <p:nvCxnSpPr>
+          <p:cNvPr id="22" name="Gerade Verbindung mit Pfeil 21">
+            <a:extLst>
+              <a:ext uri="{FF2B5EF4-FFF2-40B4-BE49-F238E27FC236}">
+                <a16:creationId xmlns:a16="http://schemas.microsoft.com/office/drawing/2014/main" id="{F9F1998D-6C59-B5DE-9F7D-DB44D9B38229}"/>
+              </a:ext>
+            </a:extLst>
+          </p:cNvPr>
+          <p:cNvCxnSpPr>
+            <a:cxnSpLocks/>
+            <a:endCxn id="17" idx="0"/>
+          </p:cNvCxnSpPr>
+          <p:nvPr/>
+        </p:nvCxnSpPr>
+        <p:spPr>
+          <a:xfrm flipH="1">
+            <a:off x="262355" y="2687155"/>
+            <a:ext cx="771791" cy="449563"/>
+          </a:xfrm>
+          <a:prstGeom prst="straightConnector1">
+            <a:avLst/>
+          </a:prstGeom>
+          <a:ln w="44450">
+            <a:solidFill>
+              <a:srgbClr val="C61826"/>
+            </a:solidFill>
+            <a:prstDash val="sysDash"/>
+            <a:tailEnd type="triangle"/>
+          </a:ln>
+        </p:spPr>
+        <p:style>
+          <a:lnRef idx="1">
+            <a:schemeClr val="accent1"/>
+          </a:lnRef>
+          <a:fillRef idx="0">
+            <a:schemeClr val="accent1"/>
+          </a:fillRef>
+          <a:effectRef idx="0">
+            <a:schemeClr val="accent1"/>
+          </a:effectRef>
+          <a:fontRef idx="minor">
+            <a:schemeClr val="tx1"/>
+          </a:fontRef>
+        </p:style>
+      </p:cxnSp>
+      <p:cxnSp>
+        <p:nvCxnSpPr>
+          <p:cNvPr id="25" name="Gerade Verbindung mit Pfeil 24">
+            <a:extLst>
+              <a:ext uri="{FF2B5EF4-FFF2-40B4-BE49-F238E27FC236}">
+                <a16:creationId xmlns:a16="http://schemas.microsoft.com/office/drawing/2014/main" id="{1292AE11-E0D0-E189-A2C7-C161569DF9B1}"/>
+              </a:ext>
+            </a:extLst>
+          </p:cNvPr>
+          <p:cNvCxnSpPr>
+            <a:cxnSpLocks/>
+          </p:cNvCxnSpPr>
+          <p:nvPr/>
+        </p:nvCxnSpPr>
+        <p:spPr>
+          <a:xfrm>
+            <a:off x="695737" y="3732897"/>
+            <a:ext cx="275154" cy="0"/>
+          </a:xfrm>
+          <a:prstGeom prst="straightConnector1">
+            <a:avLst/>
+          </a:prstGeom>
+          <a:ln w="44450">
+            <a:solidFill>
+              <a:srgbClr val="C61826"/>
+            </a:solidFill>
+            <a:tailEnd type="triangle"/>
+          </a:ln>
+        </p:spPr>
+        <p:style>
+          <a:lnRef idx="1">
+            <a:schemeClr val="accent1"/>
+          </a:lnRef>
+          <a:fillRef idx="0">
+            <a:schemeClr val="accent1"/>
+          </a:fillRef>
+          <a:effectRef idx="0">
+            <a:schemeClr val="accent1"/>
+          </a:effectRef>
+          <a:fontRef idx="minor">
+            <a:schemeClr val="tx1"/>
+          </a:fontRef>
+        </p:style>
+      </p:cxnSp>
+      <p:cxnSp>
+        <p:nvCxnSpPr>
+          <p:cNvPr id="29" name="Gerade Verbindung mit Pfeil 28">
+            <a:extLst>
+              <a:ext uri="{FF2B5EF4-FFF2-40B4-BE49-F238E27FC236}">
+                <a16:creationId xmlns:a16="http://schemas.microsoft.com/office/drawing/2014/main" id="{1A87948E-D16D-8E14-4DBD-EF89D73C0BBB}"/>
+              </a:ext>
+            </a:extLst>
+          </p:cNvPr>
+          <p:cNvCxnSpPr>
+            <a:cxnSpLocks/>
+          </p:cNvCxnSpPr>
+          <p:nvPr/>
+        </p:nvCxnSpPr>
+        <p:spPr>
+          <a:xfrm>
+            <a:off x="1931197" y="2637335"/>
+            <a:ext cx="439870" cy="295434"/>
+          </a:xfrm>
+          <a:prstGeom prst="straightConnector1">
+            <a:avLst/>
+          </a:prstGeom>
+          <a:ln w="44450">
+            <a:solidFill>
+              <a:srgbClr val="750E17"/>
+            </a:solidFill>
+            <a:tailEnd type="triangle"/>
+          </a:ln>
+        </p:spPr>
+        <p:style>
+          <a:lnRef idx="1">
+            <a:schemeClr val="accent1"/>
+          </a:lnRef>
+          <a:fillRef idx="0">
+            <a:schemeClr val="accent1"/>
+          </a:fillRef>
+          <a:effectRef idx="0">
+            <a:schemeClr val="accent1"/>
+          </a:effectRef>
+          <a:fontRef idx="minor">
+            <a:schemeClr val="tx1"/>
+          </a:fontRef>
+        </p:style>
+      </p:cxnSp>
+      <p:sp>
+        <p:nvSpPr>
+          <p:cNvPr id="35" name="Textfeld 34">
+            <a:extLst>
+              <a:ext uri="{FF2B5EF4-FFF2-40B4-BE49-F238E27FC236}">
+                <a16:creationId xmlns:a16="http://schemas.microsoft.com/office/drawing/2014/main" id="{FD0A8F78-1B23-7397-CEF3-DB6BCCCAABC4}"/>
+              </a:ext>
+            </a:extLst>
+          </p:cNvPr>
+          <p:cNvSpPr txBox="1"/>
+          <p:nvPr/>
+        </p:nvSpPr>
+        <p:spPr>
+          <a:xfrm>
+            <a:off x="2251630" y="2076461"/>
+            <a:ext cx="1049138" cy="553998"/>
+          </a:xfrm>
+          <a:prstGeom prst="rect">
+            <a:avLst/>
+          </a:prstGeom>
+          <a:noFill/>
+        </p:spPr>
+        <p:txBody>
+          <a:bodyPr wrap="square" rtlCol="0">
+            <a:spAutoFit/>
+          </a:bodyPr>
+          <a:lstStyle/>
+          <a:p>
+            <a:pPr algn="ctr"/>
+            <a:r>
+              <a:rPr lang="de-DE" dirty="0">
+                <a:solidFill>
+                  <a:srgbClr val="36060A"/>
+                </a:solidFill>
+                <a:latin typeface="Trade Gothic Next" panose="020B0503040303020004" pitchFamily="34" charset="0"/>
+              </a:rPr>
+              <a:t>Final Raw </a:t>
+            </a:r>
+          </a:p>
+          <a:p>
+            <a:pPr algn="ctr"/>
+            <a:r>
+              <a:rPr lang="de-DE" dirty="0">
+                <a:solidFill>
+                  <a:srgbClr val="36060A"/>
+                </a:solidFill>
+                <a:latin typeface="Trade Gothic Next" panose="020B0503040303020004" pitchFamily="34" charset="0"/>
+              </a:rPr>
+              <a:t>Data</a:t>
+            </a:r>
+          </a:p>
+        </p:txBody>
+      </p:sp>
+      <p:cxnSp>
+        <p:nvCxnSpPr>
+          <p:cNvPr id="37" name="Gerade Verbindung mit Pfeil 36">
+            <a:extLst>
+              <a:ext uri="{FF2B5EF4-FFF2-40B4-BE49-F238E27FC236}">
+                <a16:creationId xmlns:a16="http://schemas.microsoft.com/office/drawing/2014/main" id="{35EB7EFB-6885-450A-1988-39686F8EA33E}"/>
+              </a:ext>
+            </a:extLst>
+          </p:cNvPr>
+          <p:cNvCxnSpPr>
+            <a:cxnSpLocks/>
+          </p:cNvCxnSpPr>
+          <p:nvPr/>
+        </p:nvCxnSpPr>
+        <p:spPr>
+          <a:xfrm>
+            <a:off x="3138571" y="3025198"/>
+            <a:ext cx="425726" cy="0"/>
+          </a:xfrm>
+          <a:prstGeom prst="straightConnector1">
+            <a:avLst/>
+          </a:prstGeom>
+          <a:ln w="44450">
+            <a:solidFill>
+              <a:srgbClr val="36060A"/>
+            </a:solidFill>
+            <a:tailEnd type="triangle"/>
+          </a:ln>
+        </p:spPr>
+        <p:style>
+          <a:lnRef idx="1">
+            <a:schemeClr val="accent1"/>
+          </a:lnRef>
+          <a:fillRef idx="0">
+            <a:schemeClr val="accent1"/>
+          </a:fillRef>
+          <a:effectRef idx="0">
+            <a:schemeClr val="accent1"/>
+          </a:effectRef>
+          <a:fontRef idx="minor">
+            <a:schemeClr val="tx1"/>
+          </a:fontRef>
+        </p:style>
+      </p:cxnSp>
+      <p:cxnSp>
+        <p:nvCxnSpPr>
+          <p:cNvPr id="60" name="Gerade Verbindung mit Pfeil 59">
+            <a:extLst>
+              <a:ext uri="{FF2B5EF4-FFF2-40B4-BE49-F238E27FC236}">
+                <a16:creationId xmlns:a16="http://schemas.microsoft.com/office/drawing/2014/main" id="{15F7F5B9-48E7-B2C1-9DEC-449FC600E796}"/>
+              </a:ext>
+            </a:extLst>
+          </p:cNvPr>
+          <p:cNvCxnSpPr>
+            <a:cxnSpLocks/>
+          </p:cNvCxnSpPr>
+          <p:nvPr/>
+        </p:nvCxnSpPr>
+        <p:spPr>
+          <a:xfrm>
+            <a:off x="5805761" y="3014319"/>
+            <a:ext cx="491486" cy="9115"/>
+          </a:xfrm>
+          <a:prstGeom prst="straightConnector1">
+            <a:avLst/>
+          </a:prstGeom>
+          <a:ln w="44450">
+            <a:solidFill>
+              <a:srgbClr val="36060A"/>
+            </a:solidFill>
+            <a:tailEnd type="triangle"/>
+          </a:ln>
+        </p:spPr>
+        <p:style>
+          <a:lnRef idx="1">
+            <a:schemeClr val="accent1"/>
+          </a:lnRef>
+          <a:fillRef idx="0">
+            <a:schemeClr val="accent1"/>
+          </a:fillRef>
+          <a:effectRef idx="0">
+            <a:schemeClr val="accent1"/>
+          </a:effectRef>
+          <a:fontRef idx="minor">
+            <a:schemeClr val="tx1"/>
+          </a:fontRef>
+        </p:style>
+      </p:cxnSp>
+      <p:cxnSp>
+        <p:nvCxnSpPr>
+          <p:cNvPr id="11264" name="Gerade Verbindung mit Pfeil 11263">
+            <a:extLst>
+              <a:ext uri="{FF2B5EF4-FFF2-40B4-BE49-F238E27FC236}">
+                <a16:creationId xmlns:a16="http://schemas.microsoft.com/office/drawing/2014/main" id="{441AA7D4-999D-F54C-3863-30133131EAEA}"/>
+              </a:ext>
+            </a:extLst>
+          </p:cNvPr>
+          <p:cNvCxnSpPr>
+            <a:cxnSpLocks/>
+          </p:cNvCxnSpPr>
+          <p:nvPr/>
+        </p:nvCxnSpPr>
+        <p:spPr>
+          <a:xfrm flipV="1">
+            <a:off x="5807159" y="1949194"/>
+            <a:ext cx="416069" cy="771730"/>
+          </a:xfrm>
+          <a:prstGeom prst="straightConnector1">
+            <a:avLst/>
+          </a:prstGeom>
+          <a:ln w="44450">
+            <a:solidFill>
+              <a:srgbClr val="36060A"/>
+            </a:solidFill>
+            <a:tailEnd type="triangle"/>
+          </a:ln>
+        </p:spPr>
+        <p:style>
+          <a:lnRef idx="1">
+            <a:schemeClr val="accent1"/>
+          </a:lnRef>
+          <a:fillRef idx="0">
+            <a:schemeClr val="accent1"/>
+          </a:fillRef>
+          <a:effectRef idx="0">
+            <a:schemeClr val="accent1"/>
+          </a:effectRef>
+          <a:fontRef idx="minor">
+            <a:schemeClr val="tx1"/>
+          </a:fontRef>
+        </p:style>
+      </p:cxnSp>
+      <p:cxnSp>
+        <p:nvCxnSpPr>
+          <p:cNvPr id="11276" name="Gerade Verbindung mit Pfeil 11275">
+            <a:extLst>
+              <a:ext uri="{FF2B5EF4-FFF2-40B4-BE49-F238E27FC236}">
+                <a16:creationId xmlns:a16="http://schemas.microsoft.com/office/drawing/2014/main" id="{4269637F-EF20-2C17-40B6-8B8A5B4D0683}"/>
+              </a:ext>
+            </a:extLst>
+          </p:cNvPr>
+          <p:cNvCxnSpPr>
+            <a:cxnSpLocks/>
+          </p:cNvCxnSpPr>
+          <p:nvPr/>
+        </p:nvCxnSpPr>
+        <p:spPr>
+          <a:xfrm>
+            <a:off x="5805761" y="3250453"/>
+            <a:ext cx="491486" cy="661522"/>
+          </a:xfrm>
+          <a:prstGeom prst="straightConnector1">
+            <a:avLst/>
+          </a:prstGeom>
+          <a:ln w="44450">
+            <a:solidFill>
+              <a:srgbClr val="36060A"/>
+            </a:solidFill>
+            <a:tailEnd type="triangle"/>
+          </a:ln>
+        </p:spPr>
+        <p:style>
+          <a:lnRef idx="1">
+            <a:schemeClr val="accent1"/>
+          </a:lnRef>
+          <a:fillRef idx="0">
+            <a:schemeClr val="accent1"/>
+          </a:fillRef>
+          <a:effectRef idx="0">
+            <a:schemeClr val="accent1"/>
+          </a:effectRef>
+          <a:fontRef idx="minor">
+            <a:schemeClr val="tx1"/>
+          </a:fontRef>
+        </p:style>
+      </p:cxnSp>
+      <p:sp>
+        <p:nvSpPr>
+          <p:cNvPr id="11280" name="Textfeld 11279">
+            <a:extLst>
+              <a:ext uri="{FF2B5EF4-FFF2-40B4-BE49-F238E27FC236}">
+                <a16:creationId xmlns:a16="http://schemas.microsoft.com/office/drawing/2014/main" id="{9893C6A8-C90E-4924-4858-98F921327E2B}"/>
+              </a:ext>
+            </a:extLst>
+          </p:cNvPr>
+          <p:cNvSpPr txBox="1"/>
+          <p:nvPr/>
+        </p:nvSpPr>
+        <p:spPr>
+          <a:xfrm>
+            <a:off x="6537182" y="1402680"/>
+            <a:ext cx="1563287" cy="553998"/>
+          </a:xfrm>
+          <a:prstGeom prst="rect">
+            <a:avLst/>
+          </a:prstGeom>
+          <a:noFill/>
+        </p:spPr>
+        <p:txBody>
+          <a:bodyPr wrap="square" rtlCol="0">
+            <a:spAutoFit/>
+          </a:bodyPr>
+          <a:lstStyle/>
+          <a:p>
+            <a:pPr algn="ctr"/>
+            <a:r>
+              <a:rPr lang="de-DE" dirty="0" err="1">
+                <a:solidFill>
+                  <a:schemeClr val="bg1"/>
+                </a:solidFill>
+                <a:latin typeface="Trade Gothic Next" panose="020B0503040303020004" pitchFamily="34" charset="0"/>
+              </a:rPr>
+              <a:t>Occurences</a:t>
+            </a:r>
+            <a:r>
+              <a:rPr lang="de-DE" dirty="0">
+                <a:solidFill>
+                  <a:schemeClr val="bg1"/>
+                </a:solidFill>
+                <a:latin typeface="Trade Gothic Next" panose="020B0503040303020004" pitchFamily="34" charset="0"/>
+              </a:rPr>
+              <a:t> Check</a:t>
+            </a:r>
+          </a:p>
+        </p:txBody>
+      </p:sp>
+      <p:sp>
+        <p:nvSpPr>
+          <p:cNvPr id="11281" name="Textfeld 11280">
+            <a:extLst>
+              <a:ext uri="{FF2B5EF4-FFF2-40B4-BE49-F238E27FC236}">
+                <a16:creationId xmlns:a16="http://schemas.microsoft.com/office/drawing/2014/main" id="{E2767A7B-C3C3-002B-A8D5-9635D632F38D}"/>
+              </a:ext>
+            </a:extLst>
+          </p:cNvPr>
+          <p:cNvSpPr txBox="1"/>
+          <p:nvPr/>
+        </p:nvSpPr>
+        <p:spPr>
+          <a:xfrm>
+            <a:off x="6295916" y="2551283"/>
+            <a:ext cx="2066610" cy="276999"/>
+          </a:xfrm>
+          <a:prstGeom prst="rect">
+            <a:avLst/>
+          </a:prstGeom>
+          <a:noFill/>
+        </p:spPr>
+        <p:txBody>
+          <a:bodyPr wrap="square" rtlCol="0">
+            <a:spAutoFit/>
+          </a:bodyPr>
+          <a:lstStyle/>
+          <a:p>
+            <a:pPr algn="ctr"/>
+            <a:r>
+              <a:rPr lang="de-DE" sz="1200" dirty="0">
+                <a:solidFill>
+                  <a:schemeClr val="bg1"/>
+                </a:solidFill>
+                <a:latin typeface="Trade Gothic Next" panose="020B0503040303020004" pitchFamily="34" charset="0"/>
+              </a:rPr>
+              <a:t>German S</a:t>
+            </a:r>
+          </a:p>
+        </p:txBody>
+      </p:sp>
+      <p:cxnSp>
+        <p:nvCxnSpPr>
+          <p:cNvPr id="11304" name="Gerade Verbindung mit Pfeil 11303">
+            <a:extLst>
+              <a:ext uri="{FF2B5EF4-FFF2-40B4-BE49-F238E27FC236}">
+                <a16:creationId xmlns:a16="http://schemas.microsoft.com/office/drawing/2014/main" id="{FEAE3C22-9158-2FA9-C810-9AFF74B58AA6}"/>
+              </a:ext>
+            </a:extLst>
+          </p:cNvPr>
+          <p:cNvCxnSpPr>
+            <a:cxnSpLocks/>
+          </p:cNvCxnSpPr>
+          <p:nvPr/>
+        </p:nvCxnSpPr>
+        <p:spPr>
+          <a:xfrm>
+            <a:off x="8743634" y="1822100"/>
+            <a:ext cx="416069" cy="793730"/>
+          </a:xfrm>
+          <a:prstGeom prst="straightConnector1">
+            <a:avLst/>
+          </a:prstGeom>
+          <a:ln w="44450">
+            <a:solidFill>
+              <a:srgbClr val="C61826"/>
+            </a:solidFill>
+            <a:tailEnd type="triangle"/>
+          </a:ln>
+        </p:spPr>
+        <p:style>
+          <a:lnRef idx="1">
+            <a:schemeClr val="accent1"/>
+          </a:lnRef>
+          <a:fillRef idx="0">
+            <a:schemeClr val="accent1"/>
+          </a:fillRef>
+          <a:effectRef idx="0">
+            <a:schemeClr val="accent1"/>
+          </a:effectRef>
+          <a:fontRef idx="minor">
+            <a:schemeClr val="tx1"/>
+          </a:fontRef>
+        </p:style>
+      </p:cxnSp>
+      <p:cxnSp>
+        <p:nvCxnSpPr>
+          <p:cNvPr id="11306" name="Gerade Verbindung mit Pfeil 11305">
+            <a:extLst>
+              <a:ext uri="{FF2B5EF4-FFF2-40B4-BE49-F238E27FC236}">
+                <a16:creationId xmlns:a16="http://schemas.microsoft.com/office/drawing/2014/main" id="{BE80D363-3F6D-8F7E-C5F2-774143E3B57F}"/>
+              </a:ext>
+            </a:extLst>
+          </p:cNvPr>
+          <p:cNvCxnSpPr>
+            <a:cxnSpLocks/>
+          </p:cNvCxnSpPr>
+          <p:nvPr/>
+        </p:nvCxnSpPr>
+        <p:spPr>
+          <a:xfrm>
+            <a:off x="8862680" y="2938024"/>
+            <a:ext cx="377976" cy="0"/>
+          </a:xfrm>
+          <a:prstGeom prst="straightConnector1">
+            <a:avLst/>
+          </a:prstGeom>
+          <a:ln w="44450">
+            <a:solidFill>
+              <a:srgbClr val="C61826"/>
+            </a:solidFill>
+            <a:tailEnd type="triangle"/>
+          </a:ln>
+        </p:spPr>
+        <p:style>
+          <a:lnRef idx="1">
+            <a:schemeClr val="accent1"/>
+          </a:lnRef>
+          <a:fillRef idx="0">
+            <a:schemeClr val="accent1"/>
+          </a:fillRef>
+          <a:effectRef idx="0">
+            <a:schemeClr val="accent1"/>
+          </a:effectRef>
+          <a:fontRef idx="minor">
+            <a:schemeClr val="tx1"/>
+          </a:fontRef>
+        </p:style>
+      </p:cxnSp>
+      <p:cxnSp>
+        <p:nvCxnSpPr>
+          <p:cNvPr id="11308" name="Gerade Verbindung mit Pfeil 11307">
+            <a:extLst>
+              <a:ext uri="{FF2B5EF4-FFF2-40B4-BE49-F238E27FC236}">
+                <a16:creationId xmlns:a16="http://schemas.microsoft.com/office/drawing/2014/main" id="{B69B4529-3351-1927-1A8A-0BDD535DCCA3}"/>
+              </a:ext>
+            </a:extLst>
+          </p:cNvPr>
+          <p:cNvCxnSpPr>
+            <a:cxnSpLocks/>
+          </p:cNvCxnSpPr>
+          <p:nvPr/>
+        </p:nvCxnSpPr>
+        <p:spPr>
+          <a:xfrm flipV="1">
+            <a:off x="8743634" y="3160488"/>
+            <a:ext cx="443977" cy="747497"/>
+          </a:xfrm>
+          <a:prstGeom prst="straightConnector1">
+            <a:avLst/>
+          </a:prstGeom>
+          <a:ln w="44450">
+            <a:solidFill>
+              <a:srgbClr val="C61826"/>
+            </a:solidFill>
+            <a:tailEnd type="triangle"/>
+          </a:ln>
+        </p:spPr>
+        <p:style>
+          <a:lnRef idx="1">
+            <a:schemeClr val="accent1"/>
+          </a:lnRef>
+          <a:fillRef idx="0">
+            <a:schemeClr val="accent1"/>
+          </a:fillRef>
+          <a:effectRef idx="0">
+            <a:schemeClr val="accent1"/>
+          </a:effectRef>
+          <a:fontRef idx="minor">
+            <a:schemeClr val="tx1"/>
+          </a:fontRef>
+        </p:style>
+      </p:cxnSp>
+      <p:cxnSp>
+        <p:nvCxnSpPr>
+          <p:cNvPr id="11339" name="Gerade Verbindung mit Pfeil 11338">
+            <a:extLst>
+              <a:ext uri="{FF2B5EF4-FFF2-40B4-BE49-F238E27FC236}">
+                <a16:creationId xmlns:a16="http://schemas.microsoft.com/office/drawing/2014/main" id="{3F090A02-3D27-58A4-39B7-E0E94F97161C}"/>
+              </a:ext>
+            </a:extLst>
+          </p:cNvPr>
+          <p:cNvCxnSpPr>
+            <a:cxnSpLocks/>
+          </p:cNvCxnSpPr>
+          <p:nvPr/>
+        </p:nvCxnSpPr>
+        <p:spPr>
+          <a:xfrm flipV="1">
+            <a:off x="1914350" y="3413747"/>
+            <a:ext cx="472475" cy="355402"/>
+          </a:xfrm>
+          <a:prstGeom prst="straightConnector1">
+            <a:avLst/>
+          </a:prstGeom>
+          <a:ln w="44450">
+            <a:solidFill>
+              <a:srgbClr val="750E17"/>
+            </a:solidFill>
+            <a:tailEnd type="triangle"/>
+          </a:ln>
+        </p:spPr>
+        <p:style>
+          <a:lnRef idx="1">
+            <a:schemeClr val="accent1"/>
+          </a:lnRef>
+          <a:fillRef idx="0">
+            <a:schemeClr val="accent1"/>
+          </a:fillRef>
+          <a:effectRef idx="0">
+            <a:schemeClr val="accent1"/>
+          </a:effectRef>
+          <a:fontRef idx="minor">
+            <a:schemeClr val="tx1"/>
+          </a:fontRef>
+        </p:style>
+      </p:cxnSp>
+      <p:sp>
+        <p:nvSpPr>
+          <p:cNvPr id="8" name="Zylinder 7">
+            <a:extLst>
+              <a:ext uri="{FF2B5EF4-FFF2-40B4-BE49-F238E27FC236}">
+                <a16:creationId xmlns:a16="http://schemas.microsoft.com/office/drawing/2014/main" id="{9E30A89F-38E2-3BA2-ABF7-063E73C7CB39}"/>
+              </a:ext>
+            </a:extLst>
+          </p:cNvPr>
+          <p:cNvSpPr/>
+          <p:nvPr/>
+        </p:nvSpPr>
+        <p:spPr>
+          <a:xfrm rot="5400000">
+            <a:off x="4309456" y="2068335"/>
+            <a:ext cx="646646" cy="1982038"/>
+          </a:xfrm>
+          <a:prstGeom prst="can">
+            <a:avLst/>
+          </a:prstGeom>
+          <a:solidFill>
+            <a:srgbClr val="36060A"/>
+          </a:solidFill>
+          <a:ln>
+            <a:solidFill>
+              <a:srgbClr val="36060A"/>
+            </a:solidFill>
+          </a:ln>
+        </p:spPr>
+        <p:style>
+          <a:lnRef idx="2">
+            <a:schemeClr val="accent1">
+              <a:shade val="50000"/>
+            </a:schemeClr>
+          </a:lnRef>
+          <a:fillRef idx="1">
+            <a:schemeClr val="accent1"/>
+          </a:fillRef>
+          <a:effectRef idx="0">
+            <a:schemeClr val="accent1"/>
+          </a:effectRef>
+          <a:fontRef idx="minor">
+            <a:schemeClr val="lt1"/>
+          </a:fontRef>
+        </p:style>
+        <p:txBody>
+          <a:bodyPr rtlCol="0" anchor="ctr"/>
+          <a:lstStyle/>
+          <a:p>
+            <a:pPr algn="ctr"/>
+            <a:endParaRPr lang="de-DE">
+              <a:solidFill>
+                <a:srgbClr val="590D08"/>
+              </a:solidFill>
+            </a:endParaRPr>
+          </a:p>
+        </p:txBody>
+      </p:sp>
+      <p:sp>
+        <p:nvSpPr>
+          <p:cNvPr id="12" name="Textfeld 11">
+            <a:extLst>
+              <a:ext uri="{FF2B5EF4-FFF2-40B4-BE49-F238E27FC236}">
+                <a16:creationId xmlns:a16="http://schemas.microsoft.com/office/drawing/2014/main" id="{86E42542-F16F-BE48-191F-AF1028871529}"/>
+              </a:ext>
+            </a:extLst>
+          </p:cNvPr>
+          <p:cNvSpPr txBox="1"/>
+          <p:nvPr/>
+        </p:nvSpPr>
+        <p:spPr>
+          <a:xfrm>
+            <a:off x="3708313" y="2859102"/>
+            <a:ext cx="1797087" cy="323165"/>
+          </a:xfrm>
+          <a:prstGeom prst="rect">
+            <a:avLst/>
+          </a:prstGeom>
+          <a:noFill/>
+        </p:spPr>
+        <p:txBody>
+          <a:bodyPr wrap="square" rtlCol="0">
+            <a:spAutoFit/>
+          </a:bodyPr>
+          <a:lstStyle/>
+          <a:p>
+            <a:pPr algn="ctr"/>
+            <a:r>
+              <a:rPr lang="de-DE" dirty="0" err="1">
+                <a:solidFill>
+                  <a:schemeClr val="bg1"/>
+                </a:solidFill>
+                <a:latin typeface="Trade Gothic Next" panose="020B0503040303020004" pitchFamily="34" charset="0"/>
+              </a:rPr>
+              <a:t>Preprocessing</a:t>
+            </a:r>
+            <a:endParaRPr lang="de-DE" dirty="0">
+              <a:solidFill>
+                <a:schemeClr val="bg1"/>
+              </a:solidFill>
+              <a:latin typeface="Trade Gothic Next" panose="020B0503040303020004" pitchFamily="34" charset="0"/>
+            </a:endParaRPr>
+          </a:p>
+        </p:txBody>
+      </p:sp>
+      <p:sp>
+        <p:nvSpPr>
+          <p:cNvPr id="13" name="Zylinder 12">
+            <a:extLst>
+              <a:ext uri="{FF2B5EF4-FFF2-40B4-BE49-F238E27FC236}">
+                <a16:creationId xmlns:a16="http://schemas.microsoft.com/office/drawing/2014/main" id="{86A129F9-34C8-DACD-53A1-E0F9857D1792}"/>
+              </a:ext>
+            </a:extLst>
+          </p:cNvPr>
+          <p:cNvSpPr/>
+          <p:nvPr/>
+        </p:nvSpPr>
+        <p:spPr>
+          <a:xfrm rot="5400000">
+            <a:off x="7043341" y="1911046"/>
+            <a:ext cx="771729" cy="2171534"/>
+          </a:xfrm>
+          <a:prstGeom prst="can">
+            <a:avLst/>
+          </a:prstGeom>
+          <a:solidFill>
+            <a:srgbClr val="C61826"/>
+          </a:solidFill>
+          <a:ln>
+            <a:solidFill>
+              <a:srgbClr val="36060A"/>
+            </a:solidFill>
+          </a:ln>
+        </p:spPr>
+        <p:style>
+          <a:lnRef idx="2">
+            <a:schemeClr val="accent1">
+              <a:shade val="50000"/>
+            </a:schemeClr>
+          </a:lnRef>
+          <a:fillRef idx="1">
+            <a:schemeClr val="accent1"/>
+          </a:fillRef>
+          <a:effectRef idx="0">
+            <a:schemeClr val="accent1"/>
+          </a:effectRef>
+          <a:fontRef idx="minor">
+            <a:schemeClr val="lt1"/>
+          </a:fontRef>
+        </p:style>
+        <p:txBody>
+          <a:bodyPr rtlCol="0" anchor="ctr"/>
+          <a:lstStyle/>
+          <a:p>
+            <a:pPr algn="ctr"/>
+            <a:endParaRPr lang="de-DE"/>
+          </a:p>
+        </p:txBody>
+      </p:sp>
+      <p:sp>
+        <p:nvSpPr>
+          <p:cNvPr id="14" name="Textfeld 13">
+            <a:extLst>
+              <a:ext uri="{FF2B5EF4-FFF2-40B4-BE49-F238E27FC236}">
+                <a16:creationId xmlns:a16="http://schemas.microsoft.com/office/drawing/2014/main" id="{5730F6A6-64D2-5E00-D648-74BF1647028D}"/>
+              </a:ext>
+            </a:extLst>
+          </p:cNvPr>
+          <p:cNvSpPr txBox="1"/>
+          <p:nvPr/>
+        </p:nvSpPr>
+        <p:spPr>
+          <a:xfrm>
+            <a:off x="6570935" y="2722093"/>
+            <a:ext cx="1563287" cy="553998"/>
+          </a:xfrm>
+          <a:prstGeom prst="rect">
+            <a:avLst/>
+          </a:prstGeom>
+          <a:noFill/>
+        </p:spPr>
+        <p:txBody>
+          <a:bodyPr wrap="square" rtlCol="0">
+            <a:spAutoFit/>
+          </a:bodyPr>
+          <a:lstStyle/>
+          <a:p>
+            <a:pPr algn="ctr"/>
+            <a:r>
+              <a:rPr lang="de-DE" dirty="0">
+                <a:solidFill>
+                  <a:schemeClr val="bg1"/>
+                </a:solidFill>
+                <a:latin typeface="Trade Gothic Next" panose="020B0503040303020004" pitchFamily="34" charset="0"/>
+              </a:rPr>
+              <a:t>Sentiment Analysis</a:t>
+            </a:r>
+          </a:p>
+        </p:txBody>
+      </p:sp>
+      <p:sp>
+        <p:nvSpPr>
+          <p:cNvPr id="21" name="Textfeld 20">
+            <a:extLst>
+              <a:ext uri="{FF2B5EF4-FFF2-40B4-BE49-F238E27FC236}">
+                <a16:creationId xmlns:a16="http://schemas.microsoft.com/office/drawing/2014/main" id="{665157DD-6B1D-0C41-3C1A-E61A639DC998}"/>
+              </a:ext>
+            </a:extLst>
+          </p:cNvPr>
+          <p:cNvSpPr txBox="1"/>
+          <p:nvPr/>
+        </p:nvSpPr>
+        <p:spPr>
+          <a:xfrm>
+            <a:off x="6320135" y="3605165"/>
+            <a:ext cx="2066610" cy="276999"/>
+          </a:xfrm>
+          <a:prstGeom prst="rect">
+            <a:avLst/>
+          </a:prstGeom>
+          <a:noFill/>
+        </p:spPr>
+        <p:txBody>
+          <a:bodyPr wrap="square" rtlCol="0">
+            <a:spAutoFit/>
+          </a:bodyPr>
+          <a:lstStyle/>
+          <a:p>
+            <a:pPr algn="ctr"/>
+            <a:r>
+              <a:rPr lang="de-DE" sz="1200" dirty="0">
+                <a:solidFill>
+                  <a:schemeClr val="bg1"/>
+                </a:solidFill>
+                <a:latin typeface="Trade Gothic Next" panose="020B0503040303020004" pitchFamily="34" charset="0"/>
+              </a:rPr>
+              <a:t>German S</a:t>
+            </a:r>
+          </a:p>
+        </p:txBody>
+      </p:sp>
+      <p:sp>
+        <p:nvSpPr>
+          <p:cNvPr id="23" name="Zylinder 22">
+            <a:extLst>
+              <a:ext uri="{FF2B5EF4-FFF2-40B4-BE49-F238E27FC236}">
+                <a16:creationId xmlns:a16="http://schemas.microsoft.com/office/drawing/2014/main" id="{53C70E27-163B-90CD-37D7-860E831A9672}"/>
+              </a:ext>
+            </a:extLst>
+          </p:cNvPr>
+          <p:cNvSpPr/>
+          <p:nvPr/>
+        </p:nvSpPr>
+        <p:spPr>
+          <a:xfrm rot="5400000">
+            <a:off x="6996224" y="3036265"/>
+            <a:ext cx="914402" cy="2171534"/>
+          </a:xfrm>
+          <a:prstGeom prst="can">
+            <a:avLst/>
+          </a:prstGeom>
+          <a:solidFill>
+            <a:srgbClr val="C61826"/>
+          </a:solidFill>
+          <a:ln>
+            <a:solidFill>
+              <a:srgbClr val="36060A"/>
+            </a:solidFill>
+          </a:ln>
+        </p:spPr>
+        <p:style>
+          <a:lnRef idx="2">
+            <a:schemeClr val="accent1">
+              <a:shade val="50000"/>
+            </a:schemeClr>
+          </a:lnRef>
+          <a:fillRef idx="1">
+            <a:schemeClr val="accent1"/>
+          </a:fillRef>
+          <a:effectRef idx="0">
+            <a:schemeClr val="accent1"/>
+          </a:effectRef>
+          <a:fontRef idx="minor">
+            <a:schemeClr val="lt1"/>
+          </a:fontRef>
+        </p:style>
+        <p:txBody>
+          <a:bodyPr rtlCol="0" anchor="ctr"/>
+          <a:lstStyle/>
+          <a:p>
+            <a:pPr algn="ctr"/>
+            <a:endParaRPr lang="de-DE"/>
+          </a:p>
+        </p:txBody>
+      </p:sp>
+      <p:sp>
+        <p:nvSpPr>
+          <p:cNvPr id="24" name="Textfeld 23">
+            <a:extLst>
+              <a:ext uri="{FF2B5EF4-FFF2-40B4-BE49-F238E27FC236}">
+                <a16:creationId xmlns:a16="http://schemas.microsoft.com/office/drawing/2014/main" id="{DCE9FAE2-E623-B7C8-C695-9794DDA453EC}"/>
+              </a:ext>
+            </a:extLst>
+          </p:cNvPr>
+          <p:cNvSpPr txBox="1"/>
+          <p:nvPr/>
+        </p:nvSpPr>
+        <p:spPr>
+          <a:xfrm>
+            <a:off x="6595154" y="3775975"/>
+            <a:ext cx="1563287" cy="784830"/>
+          </a:xfrm>
+          <a:prstGeom prst="rect">
+            <a:avLst/>
+          </a:prstGeom>
+          <a:noFill/>
+        </p:spPr>
+        <p:txBody>
+          <a:bodyPr wrap="square" rtlCol="0">
+            <a:spAutoFit/>
+          </a:bodyPr>
+          <a:lstStyle/>
+          <a:p>
+            <a:pPr algn="ctr"/>
+            <a:r>
+              <a:rPr lang="de-DE" dirty="0" err="1">
+                <a:solidFill>
+                  <a:schemeClr val="bg1"/>
+                </a:solidFill>
+                <a:latin typeface="Trade Gothic Next" panose="020B0503040303020004" pitchFamily="34" charset="0"/>
+              </a:rPr>
+              <a:t>Pretrained</a:t>
+            </a:r>
+            <a:r>
+              <a:rPr lang="de-DE" dirty="0">
+                <a:solidFill>
+                  <a:schemeClr val="bg1"/>
+                </a:solidFill>
+                <a:latin typeface="Trade Gothic Next" panose="020B0503040303020004" pitchFamily="34" charset="0"/>
+              </a:rPr>
+              <a:t> Classification Model</a:t>
+            </a:r>
+          </a:p>
+        </p:txBody>
+      </p:sp>
+      <p:pic>
+        <p:nvPicPr>
+          <p:cNvPr id="26" name="Grafik 25" descr="Fernsehen mit einfarbiger Füllung">
+            <a:extLst>
+              <a:ext uri="{FF2B5EF4-FFF2-40B4-BE49-F238E27FC236}">
+                <a16:creationId xmlns:a16="http://schemas.microsoft.com/office/drawing/2014/main" id="{74E28799-F28A-849E-2C49-8A6BB651E1FC}"/>
+              </a:ext>
+            </a:extLst>
+          </p:cNvPr>
+          <p:cNvPicPr>
+            <a:picLocks noChangeAspect="1"/>
+          </p:cNvPicPr>
+          <p:nvPr/>
+        </p:nvPicPr>
+        <p:blipFill>
+          <a:blip r:embed="rId11">
+            <a:extLst>
+              <a:ext uri="{28A0092B-C50C-407E-A947-70E740481C1C}">
+                <a14:useLocalDpi xmlns:a14="http://schemas.microsoft.com/office/drawing/2010/main" val="0"/>
+              </a:ext>
+              <a:ext uri="{96DAC541-7B7A-43D3-8B79-37D633B846F1}">
+                <asvg:svgBlip xmlns:asvg="http://schemas.microsoft.com/office/drawing/2016/SVG/main" r:embed="rId12"/>
+              </a:ext>
+            </a:extLst>
+          </a:blip>
+          <a:stretch>
+            <a:fillRect/>
+          </a:stretch>
+        </p:blipFill>
+        <p:spPr>
+          <a:xfrm>
+            <a:off x="9364145" y="2325687"/>
+            <a:ext cx="914400" cy="914400"/>
+          </a:xfrm>
+          <a:prstGeom prst="rect">
+            <a:avLst/>
+          </a:prstGeom>
+        </p:spPr>
+      </p:pic>
+      <p:sp>
+        <p:nvSpPr>
+          <p:cNvPr id="27" name="Textfeld 26">
+            <a:extLst>
+              <a:ext uri="{FF2B5EF4-FFF2-40B4-BE49-F238E27FC236}">
+                <a16:creationId xmlns:a16="http://schemas.microsoft.com/office/drawing/2014/main" id="{355288B1-0A81-F1C3-1C1D-B4B7D0706036}"/>
+              </a:ext>
+            </a:extLst>
+          </p:cNvPr>
+          <p:cNvSpPr txBox="1"/>
+          <p:nvPr/>
+        </p:nvSpPr>
+        <p:spPr>
+          <a:xfrm>
+            <a:off x="9144917" y="3276962"/>
+            <a:ext cx="1482426" cy="323165"/>
+          </a:xfrm>
+          <a:prstGeom prst="rect">
+            <a:avLst/>
+          </a:prstGeom>
+          <a:noFill/>
+        </p:spPr>
+        <p:txBody>
+          <a:bodyPr wrap="square" rtlCol="0">
+            <a:spAutoFit/>
+          </a:bodyPr>
+          <a:lstStyle/>
+          <a:p>
+            <a:pPr algn="ctr"/>
+            <a:r>
+              <a:rPr lang="de-DE" dirty="0">
+                <a:solidFill>
+                  <a:srgbClr val="36060A"/>
+                </a:solidFill>
+                <a:latin typeface="Trade Gothic Next" panose="020B0503040303020004" pitchFamily="34" charset="0"/>
+              </a:rPr>
+              <a:t>Final </a:t>
+            </a:r>
+            <a:r>
+              <a:rPr lang="de-DE" dirty="0" err="1">
+                <a:solidFill>
+                  <a:srgbClr val="36060A"/>
+                </a:solidFill>
+                <a:latin typeface="Trade Gothic Next" panose="020B0503040303020004" pitchFamily="34" charset="0"/>
+              </a:rPr>
+              <a:t>Results</a:t>
+            </a:r>
+            <a:endParaRPr lang="de-DE" dirty="0">
+              <a:solidFill>
+                <a:srgbClr val="36060A"/>
+              </a:solidFill>
+              <a:latin typeface="Trade Gothic Next" panose="020B0503040303020004" pitchFamily="34" charset="0"/>
+            </a:endParaRPr>
+          </a:p>
+        </p:txBody>
+      </p:sp>
+    </p:spTree>
+    <p:extLst>
+      <p:ext uri="{BB962C8B-B14F-4D97-AF65-F5344CB8AC3E}">
+        <p14:creationId xmlns:p14="http://schemas.microsoft.com/office/powerpoint/2010/main" val="4156779187"/>
+      </p:ext>
+    </p:extLst>
+  </p:cSld>
+  <p:clrMapOvr>
+    <a:masterClrMapping/>
+  </p:clrMapOvr>
+</p:sld>
+</file>
+
+<file path=ppt/slides/slide8.xml><?xml version="1.0" encoding="utf-8"?>
+<p:sld xmlns:a="http://schemas.openxmlformats.org/drawingml/2006/main" xmlns:r="http://schemas.openxmlformats.org/officeDocument/2006/relationships" xmlns:p="http://schemas.openxmlformats.org/presentationml/2006/main">
+  <p:cSld>
+    <p:spTree>
+      <p:nvGrpSpPr>
+        <p:cNvPr id="1" name=""/>
+        <p:cNvGrpSpPr/>
+        <p:nvPr/>
+      </p:nvGrpSpPr>
+      <p:grpSpPr>
+        <a:xfrm>
+          <a:off x="0" y="0"/>
+          <a:ext cx="0" cy="0"/>
+          <a:chOff x="0" y="0"/>
+          <a:chExt cx="0" cy="0"/>
+        </a:xfrm>
+      </p:grpSpPr>
+      <p:sp>
+        <p:nvSpPr>
+          <p:cNvPr id="11291" name="Zylinder 11290">
+            <a:extLst>
+              <a:ext uri="{FF2B5EF4-FFF2-40B4-BE49-F238E27FC236}">
+                <a16:creationId xmlns:a16="http://schemas.microsoft.com/office/drawing/2014/main" id="{F38F70F2-2400-C61A-8742-7EACD2F21881}"/>
+              </a:ext>
+            </a:extLst>
+          </p:cNvPr>
+          <p:cNvSpPr/>
+          <p:nvPr/>
+        </p:nvSpPr>
+        <p:spPr>
+          <a:xfrm rot="5400000">
+            <a:off x="7036508" y="631973"/>
+            <a:ext cx="771729" cy="2171534"/>
+          </a:xfrm>
+          <a:prstGeom prst="can">
+            <a:avLst/>
+          </a:prstGeom>
+          <a:solidFill>
+            <a:srgbClr val="0F21C7"/>
+          </a:solidFill>
+          <a:ln>
+            <a:solidFill>
+              <a:srgbClr val="040936"/>
+            </a:solidFill>
+          </a:ln>
+        </p:spPr>
+        <p:style>
+          <a:lnRef idx="2">
+            <a:schemeClr val="accent1">
+              <a:shade val="50000"/>
+            </a:schemeClr>
+          </a:lnRef>
+          <a:fillRef idx="1">
+            <a:schemeClr val="accent1"/>
+          </a:fillRef>
+          <a:effectRef idx="0">
+            <a:schemeClr val="accent1"/>
+          </a:effectRef>
+          <a:fontRef idx="minor">
+            <a:schemeClr val="lt1"/>
+          </a:fontRef>
+        </p:style>
+        <p:txBody>
+          <a:bodyPr rtlCol="0" anchor="ctr"/>
+          <a:lstStyle/>
+          <a:p>
+            <a:pPr algn="ctr"/>
+            <a:endParaRPr lang="de-DE">
+              <a:latin typeface="Baskerville Old Face" panose="02020602080505020303" pitchFamily="18" charset="0"/>
+            </a:endParaRPr>
+          </a:p>
+        </p:txBody>
+      </p:sp>
+      <p:sp>
+        <p:nvSpPr>
+          <p:cNvPr id="5" name="Textfeld 4">
+            <a:extLst>
+              <a:ext uri="{FF2B5EF4-FFF2-40B4-BE49-F238E27FC236}">
+                <a16:creationId xmlns:a16="http://schemas.microsoft.com/office/drawing/2014/main" id="{8F90917B-D0B5-D9CC-351C-8B1FF6C09C08}"/>
+              </a:ext>
+            </a:extLst>
+          </p:cNvPr>
+          <p:cNvSpPr txBox="1"/>
+          <p:nvPr/>
+        </p:nvSpPr>
+        <p:spPr>
+          <a:xfrm>
+            <a:off x="861919" y="1619907"/>
+            <a:ext cx="1800200" cy="324036"/>
+          </a:xfrm>
+          <a:prstGeom prst="rect">
+            <a:avLst/>
+          </a:prstGeom>
+          <a:noFill/>
+        </p:spPr>
+        <p:txBody>
+          <a:bodyPr wrap="square" rtlCol="0">
+            <a:spAutoFit/>
+          </a:bodyPr>
+          <a:lstStyle/>
+          <a:p>
+            <a:r>
+              <a:rPr lang="de-DE" dirty="0">
+                <a:solidFill>
+                  <a:srgbClr val="0F21C7"/>
+                </a:solidFill>
+                <a:latin typeface="Baskerville Old Face" panose="02020602080505020303" pitchFamily="18" charset="0"/>
+              </a:rPr>
+              <a:t>List </a:t>
+            </a:r>
+            <a:r>
+              <a:rPr lang="de-DE" dirty="0" err="1">
+                <a:solidFill>
+                  <a:srgbClr val="0F21C7"/>
+                </a:solidFill>
+                <a:latin typeface="Baskerville Old Face" panose="02020602080505020303" pitchFamily="18" charset="0"/>
+              </a:rPr>
+              <a:t>of</a:t>
+            </a:r>
+            <a:r>
+              <a:rPr lang="de-DE" dirty="0">
+                <a:solidFill>
+                  <a:srgbClr val="0F21C7"/>
+                </a:solidFill>
+                <a:latin typeface="Baskerville Old Face" panose="02020602080505020303" pitchFamily="18" charset="0"/>
+              </a:rPr>
+              <a:t> Artists</a:t>
+            </a:r>
+          </a:p>
+        </p:txBody>
+      </p:sp>
+      <p:pic>
+        <p:nvPicPr>
+          <p:cNvPr id="7" name="Grafik 6" descr="Internet mit einfarbiger Füllung">
+            <a:extLst>
+              <a:ext uri="{FF2B5EF4-FFF2-40B4-BE49-F238E27FC236}">
+                <a16:creationId xmlns:a16="http://schemas.microsoft.com/office/drawing/2014/main" id="{A49E8284-2910-63C8-12E9-29C5244D4D62}"/>
+              </a:ext>
+            </a:extLst>
+          </p:cNvPr>
+          <p:cNvPicPr>
+            <a:picLocks noChangeAspect="1"/>
+          </p:cNvPicPr>
+          <p:nvPr/>
+        </p:nvPicPr>
+        <p:blipFill>
+          <a:blip r:embed="rId2">
+            <a:extLst>
+              <a:ext uri="{28A0092B-C50C-407E-A947-70E740481C1C}">
+                <a14:useLocalDpi xmlns:a14="http://schemas.microsoft.com/office/drawing/2010/main" val="0"/>
+              </a:ext>
+              <a:ext uri="{96DAC541-7B7A-43D3-8B79-37D633B846F1}">
+                <asvg:svgBlip xmlns:asvg="http://schemas.microsoft.com/office/drawing/2016/SVG/main" r:embed="rId3"/>
+              </a:ext>
+            </a:extLst>
+          </a:blip>
+          <a:stretch>
+            <a:fillRect/>
+          </a:stretch>
+        </p:blipFill>
+        <p:spPr>
+          <a:xfrm>
+            <a:off x="-234378" y="1850256"/>
+            <a:ext cx="914400" cy="914400"/>
+          </a:xfrm>
+          <a:prstGeom prst="rect">
+            <a:avLst/>
+          </a:prstGeom>
+        </p:spPr>
+      </p:pic>
+      <p:pic>
+        <p:nvPicPr>
+          <p:cNvPr id="9" name="Grafik 8" descr="Datenbank mit einfarbiger Füllung">
+            <a:extLst>
+              <a:ext uri="{FF2B5EF4-FFF2-40B4-BE49-F238E27FC236}">
+                <a16:creationId xmlns:a16="http://schemas.microsoft.com/office/drawing/2014/main" id="{6ADDCC11-F209-E333-DD21-F214E98E3EA4}"/>
+              </a:ext>
+            </a:extLst>
+          </p:cNvPr>
+          <p:cNvPicPr>
+            <a:picLocks noChangeAspect="1"/>
+          </p:cNvPicPr>
+          <p:nvPr/>
+        </p:nvPicPr>
+        <p:blipFill>
+          <a:blip r:embed="rId4">
+            <a:extLst>
+              <a:ext uri="{28A0092B-C50C-407E-A947-70E740481C1C}">
+                <a14:useLocalDpi xmlns:a14="http://schemas.microsoft.com/office/drawing/2010/main" val="0"/>
+              </a:ext>
+              <a:ext uri="{96DAC541-7B7A-43D3-8B79-37D633B846F1}">
+                <asvg:svgBlip xmlns:asvg="http://schemas.microsoft.com/office/drawing/2016/SVG/main" r:embed="rId5"/>
+              </a:ext>
+            </a:extLst>
+          </a:blip>
+          <a:stretch>
+            <a:fillRect/>
+          </a:stretch>
+        </p:blipFill>
+        <p:spPr>
+          <a:xfrm>
+            <a:off x="2314360" y="2615162"/>
+            <a:ext cx="914400" cy="914400"/>
+          </a:xfrm>
+          <a:prstGeom prst="rect">
+            <a:avLst/>
+          </a:prstGeom>
+        </p:spPr>
+      </p:pic>
+      <p:pic>
+        <p:nvPicPr>
+          <p:cNvPr id="10" name="Grafik 9" descr="Tabelle mit einfarbiger Füllung">
+            <a:extLst>
+              <a:ext uri="{FF2B5EF4-FFF2-40B4-BE49-F238E27FC236}">
+                <a16:creationId xmlns:a16="http://schemas.microsoft.com/office/drawing/2014/main" id="{B3FC173A-2D79-E2F5-7733-1D7343326507}"/>
+              </a:ext>
+            </a:extLst>
+          </p:cNvPr>
+          <p:cNvPicPr>
+            <a:picLocks noChangeAspect="1"/>
+          </p:cNvPicPr>
+          <p:nvPr/>
+        </p:nvPicPr>
+        <p:blipFill>
+          <a:blip r:embed="rId6">
+            <a:extLst>
+              <a:ext uri="{28A0092B-C50C-407E-A947-70E740481C1C}">
+                <a14:useLocalDpi xmlns:a14="http://schemas.microsoft.com/office/drawing/2010/main" val="0"/>
+              </a:ext>
+              <a:ext uri="{96DAC541-7B7A-43D3-8B79-37D633B846F1}">
+                <asvg:svgBlip xmlns:asvg="http://schemas.microsoft.com/office/drawing/2016/SVG/main" r:embed="rId7"/>
+              </a:ext>
+            </a:extLst>
+          </a:blip>
+          <a:stretch>
+            <a:fillRect/>
+          </a:stretch>
+        </p:blipFill>
+        <p:spPr>
+          <a:xfrm>
+            <a:off x="1004616" y="1811909"/>
+            <a:ext cx="914400" cy="914400"/>
+          </a:xfrm>
+          <a:prstGeom prst="rect">
+            <a:avLst/>
+          </a:prstGeom>
+        </p:spPr>
+      </p:pic>
+      <p:sp>
+        <p:nvSpPr>
+          <p:cNvPr id="11" name="Textfeld 10">
+            <a:extLst>
+              <a:ext uri="{FF2B5EF4-FFF2-40B4-BE49-F238E27FC236}">
+                <a16:creationId xmlns:a16="http://schemas.microsoft.com/office/drawing/2014/main" id="{A5E44F06-40BE-5675-CC0A-8FA409C02595}"/>
+              </a:ext>
+            </a:extLst>
+          </p:cNvPr>
+          <p:cNvSpPr txBox="1"/>
+          <p:nvPr/>
+        </p:nvSpPr>
+        <p:spPr>
+          <a:xfrm>
+            <a:off x="575846" y="3142919"/>
+            <a:ext cx="1800200" cy="323165"/>
+          </a:xfrm>
+          <a:prstGeom prst="rect">
+            <a:avLst/>
+          </a:prstGeom>
+          <a:noFill/>
+        </p:spPr>
+        <p:txBody>
+          <a:bodyPr wrap="square" rtlCol="0">
+            <a:spAutoFit/>
+          </a:bodyPr>
+          <a:lstStyle/>
+          <a:p>
+            <a:pPr algn="ctr"/>
+            <a:r>
+              <a:rPr lang="de-DE" dirty="0">
+                <a:solidFill>
+                  <a:srgbClr val="0F21C7"/>
+                </a:solidFill>
+                <a:latin typeface="Baskerville Old Face" panose="02020602080505020303" pitchFamily="18" charset="0"/>
+              </a:rPr>
+              <a:t>Lyrics Data </a:t>
+            </a:r>
+          </a:p>
+        </p:txBody>
+      </p:sp>
+      <p:pic>
+        <p:nvPicPr>
+          <p:cNvPr id="16" name="Grafik 15" descr="Internet mit einfarbiger Füllung">
+            <a:extLst>
+              <a:ext uri="{FF2B5EF4-FFF2-40B4-BE49-F238E27FC236}">
+                <a16:creationId xmlns:a16="http://schemas.microsoft.com/office/drawing/2014/main" id="{0B510EDD-A1F4-C596-45F7-FF7281E2BB5E}"/>
+              </a:ext>
+            </a:extLst>
+          </p:cNvPr>
+          <p:cNvPicPr>
+            <a:picLocks noChangeAspect="1"/>
+          </p:cNvPicPr>
+          <p:nvPr/>
+        </p:nvPicPr>
+        <p:blipFill>
+          <a:blip r:embed="rId2">
+            <a:extLst>
+              <a:ext uri="{28A0092B-C50C-407E-A947-70E740481C1C}">
+                <a14:useLocalDpi xmlns:a14="http://schemas.microsoft.com/office/drawing/2010/main" val="0"/>
+              </a:ext>
+              <a:ext uri="{96DAC541-7B7A-43D3-8B79-37D633B846F1}">
+                <asvg:svgBlip xmlns:asvg="http://schemas.microsoft.com/office/drawing/2016/SVG/main" r:embed="rId3"/>
+              </a:ext>
+            </a:extLst>
+          </a:blip>
+          <a:stretch>
+            <a:fillRect/>
+          </a:stretch>
+        </p:blipFill>
+        <p:spPr>
+          <a:xfrm>
+            <a:off x="-242398" y="3333799"/>
+            <a:ext cx="914400" cy="914400"/>
+          </a:xfrm>
+          <a:prstGeom prst="rect">
+            <a:avLst/>
+          </a:prstGeom>
+        </p:spPr>
+      </p:pic>
+      <p:sp>
+        <p:nvSpPr>
+          <p:cNvPr id="17" name="Textfeld 16">
+            <a:extLst>
+              <a:ext uri="{FF2B5EF4-FFF2-40B4-BE49-F238E27FC236}">
+                <a16:creationId xmlns:a16="http://schemas.microsoft.com/office/drawing/2014/main" id="{BC85A9A4-4AA2-70D3-868F-9CF4A8924C8C}"/>
+              </a:ext>
+            </a:extLst>
+          </p:cNvPr>
+          <p:cNvSpPr txBox="1"/>
+          <p:nvPr/>
+        </p:nvSpPr>
+        <p:spPr>
+          <a:xfrm>
+            <a:off x="-302165" y="3136718"/>
+            <a:ext cx="1129040" cy="324036"/>
+          </a:xfrm>
+          <a:prstGeom prst="rect">
+            <a:avLst/>
+          </a:prstGeom>
+          <a:noFill/>
+        </p:spPr>
+        <p:txBody>
+          <a:bodyPr wrap="square" rtlCol="0">
+            <a:spAutoFit/>
+          </a:bodyPr>
+          <a:lstStyle/>
+          <a:p>
+            <a:r>
+              <a:rPr lang="de-DE" dirty="0" err="1">
+                <a:solidFill>
+                  <a:srgbClr val="4152F1"/>
+                </a:solidFill>
+                <a:latin typeface="Baskerville Old Face" panose="02020602080505020303" pitchFamily="18" charset="0"/>
+              </a:rPr>
+              <a:t>Genuis</a:t>
+            </a:r>
+            <a:r>
+              <a:rPr lang="de-DE" dirty="0">
+                <a:solidFill>
+                  <a:srgbClr val="4152F1"/>
+                </a:solidFill>
+                <a:latin typeface="Baskerville Old Face" panose="02020602080505020303" pitchFamily="18" charset="0"/>
+              </a:rPr>
+              <a:t> API</a:t>
+            </a:r>
+          </a:p>
+        </p:txBody>
+      </p:sp>
+      <p:sp>
+        <p:nvSpPr>
+          <p:cNvPr id="18" name="Textfeld 17">
+            <a:extLst>
+              <a:ext uri="{FF2B5EF4-FFF2-40B4-BE49-F238E27FC236}">
+                <a16:creationId xmlns:a16="http://schemas.microsoft.com/office/drawing/2014/main" id="{6E346AF3-3B31-8A23-58C3-746219640590}"/>
+              </a:ext>
+            </a:extLst>
+          </p:cNvPr>
+          <p:cNvSpPr txBox="1"/>
+          <p:nvPr/>
+        </p:nvSpPr>
+        <p:spPr>
+          <a:xfrm>
+            <a:off x="-324135" y="1619907"/>
+            <a:ext cx="1129040" cy="324036"/>
+          </a:xfrm>
+          <a:prstGeom prst="rect">
+            <a:avLst/>
+          </a:prstGeom>
+          <a:noFill/>
+        </p:spPr>
+        <p:txBody>
+          <a:bodyPr wrap="square" rtlCol="0">
+            <a:spAutoFit/>
+          </a:bodyPr>
+          <a:lstStyle/>
+          <a:p>
+            <a:pPr algn="ctr"/>
+            <a:r>
+              <a:rPr lang="de-DE" dirty="0">
+                <a:solidFill>
+                  <a:srgbClr val="4152F1"/>
+                </a:solidFill>
+                <a:latin typeface="Baskerville Old Face" panose="02020602080505020303" pitchFamily="18" charset="0"/>
+              </a:rPr>
+              <a:t>Spotify API</a:t>
+            </a:r>
+          </a:p>
+        </p:txBody>
+      </p:sp>
+      <p:cxnSp>
+        <p:nvCxnSpPr>
+          <p:cNvPr id="20" name="Gerade Verbindung mit Pfeil 19">
+            <a:extLst>
+              <a:ext uri="{FF2B5EF4-FFF2-40B4-BE49-F238E27FC236}">
+                <a16:creationId xmlns:a16="http://schemas.microsoft.com/office/drawing/2014/main" id="{D43799C6-0BD1-91B5-DE5E-E2B06368CCE5}"/>
+              </a:ext>
+            </a:extLst>
+          </p:cNvPr>
+          <p:cNvCxnSpPr>
+            <a:cxnSpLocks/>
+          </p:cNvCxnSpPr>
+          <p:nvPr/>
+        </p:nvCxnSpPr>
+        <p:spPr>
+          <a:xfrm>
+            <a:off x="718650" y="2307456"/>
+            <a:ext cx="268497" cy="0"/>
+          </a:xfrm>
+          <a:prstGeom prst="straightConnector1">
+            <a:avLst/>
+          </a:prstGeom>
+          <a:ln w="44450">
+            <a:solidFill>
+              <a:srgbClr val="0F21C7"/>
+            </a:solidFill>
+            <a:tailEnd type="triangle"/>
+          </a:ln>
+        </p:spPr>
+        <p:style>
+          <a:lnRef idx="1">
+            <a:schemeClr val="accent1"/>
+          </a:lnRef>
+          <a:fillRef idx="0">
+            <a:schemeClr val="accent1"/>
+          </a:fillRef>
+          <a:effectRef idx="0">
+            <a:schemeClr val="accent1"/>
+          </a:effectRef>
+          <a:fontRef idx="minor">
+            <a:schemeClr val="tx1"/>
+          </a:fontRef>
+        </p:style>
+      </p:cxnSp>
+      <p:cxnSp>
+        <p:nvCxnSpPr>
+          <p:cNvPr id="22" name="Gerade Verbindung mit Pfeil 21">
+            <a:extLst>
+              <a:ext uri="{FF2B5EF4-FFF2-40B4-BE49-F238E27FC236}">
+                <a16:creationId xmlns:a16="http://schemas.microsoft.com/office/drawing/2014/main" id="{F9F1998D-6C59-B5DE-9F7D-DB44D9B38229}"/>
+              </a:ext>
+            </a:extLst>
+          </p:cNvPr>
+          <p:cNvCxnSpPr>
+            <a:cxnSpLocks/>
+            <a:endCxn id="17" idx="0"/>
+          </p:cNvCxnSpPr>
+          <p:nvPr/>
+        </p:nvCxnSpPr>
+        <p:spPr>
+          <a:xfrm flipH="1">
+            <a:off x="262355" y="2687155"/>
+            <a:ext cx="771791" cy="449563"/>
+          </a:xfrm>
+          <a:prstGeom prst="straightConnector1">
+            <a:avLst/>
+          </a:prstGeom>
+          <a:ln w="44450">
+            <a:solidFill>
+              <a:srgbClr val="4152F1"/>
+            </a:solidFill>
+            <a:prstDash val="sysDash"/>
+            <a:tailEnd type="triangle"/>
+          </a:ln>
+        </p:spPr>
+        <p:style>
+          <a:lnRef idx="1">
+            <a:schemeClr val="accent1"/>
+          </a:lnRef>
+          <a:fillRef idx="0">
+            <a:schemeClr val="accent1"/>
+          </a:fillRef>
+          <a:effectRef idx="0">
+            <a:schemeClr val="accent1"/>
+          </a:effectRef>
+          <a:fontRef idx="minor">
+            <a:schemeClr val="tx1"/>
+          </a:fontRef>
+        </p:style>
+      </p:cxnSp>
+      <p:cxnSp>
+        <p:nvCxnSpPr>
+          <p:cNvPr id="25" name="Gerade Verbindung mit Pfeil 24">
+            <a:extLst>
+              <a:ext uri="{FF2B5EF4-FFF2-40B4-BE49-F238E27FC236}">
+                <a16:creationId xmlns:a16="http://schemas.microsoft.com/office/drawing/2014/main" id="{1292AE11-E0D0-E189-A2C7-C161569DF9B1}"/>
+              </a:ext>
+            </a:extLst>
+          </p:cNvPr>
+          <p:cNvCxnSpPr>
+            <a:cxnSpLocks/>
+          </p:cNvCxnSpPr>
+          <p:nvPr/>
+        </p:nvCxnSpPr>
+        <p:spPr>
+          <a:xfrm>
+            <a:off x="695737" y="3732897"/>
+            <a:ext cx="275154" cy="0"/>
+          </a:xfrm>
+          <a:prstGeom prst="straightConnector1">
+            <a:avLst/>
+          </a:prstGeom>
+          <a:ln w="44450">
+            <a:solidFill>
+              <a:srgbClr val="0F21C7"/>
+            </a:solidFill>
+            <a:tailEnd type="triangle"/>
+          </a:ln>
+        </p:spPr>
+        <p:style>
+          <a:lnRef idx="1">
+            <a:schemeClr val="accent1"/>
+          </a:lnRef>
+          <a:fillRef idx="0">
+            <a:schemeClr val="accent1"/>
+          </a:fillRef>
+          <a:effectRef idx="0">
+            <a:schemeClr val="accent1"/>
+          </a:effectRef>
+          <a:fontRef idx="minor">
+            <a:schemeClr val="tx1"/>
+          </a:fontRef>
+        </p:style>
+      </p:cxnSp>
+      <p:cxnSp>
+        <p:nvCxnSpPr>
+          <p:cNvPr id="29" name="Gerade Verbindung mit Pfeil 28">
+            <a:extLst>
+              <a:ext uri="{FF2B5EF4-FFF2-40B4-BE49-F238E27FC236}">
+                <a16:creationId xmlns:a16="http://schemas.microsoft.com/office/drawing/2014/main" id="{1A87948E-D16D-8E14-4DBD-EF89D73C0BBB}"/>
+              </a:ext>
+            </a:extLst>
+          </p:cNvPr>
+          <p:cNvCxnSpPr>
+            <a:cxnSpLocks/>
+          </p:cNvCxnSpPr>
+          <p:nvPr/>
+        </p:nvCxnSpPr>
+        <p:spPr>
+          <a:xfrm>
+            <a:off x="1931197" y="2637335"/>
+            <a:ext cx="439870" cy="295434"/>
+          </a:xfrm>
+          <a:prstGeom prst="straightConnector1">
+            <a:avLst/>
+          </a:prstGeom>
+          <a:ln w="44450">
+            <a:solidFill>
+              <a:srgbClr val="0F21C7"/>
+            </a:solidFill>
+            <a:tailEnd type="triangle"/>
+          </a:ln>
+        </p:spPr>
+        <p:style>
+          <a:lnRef idx="1">
+            <a:schemeClr val="accent1"/>
+          </a:lnRef>
+          <a:fillRef idx="0">
+            <a:schemeClr val="accent1"/>
+          </a:fillRef>
+          <a:effectRef idx="0">
+            <a:schemeClr val="accent1"/>
+          </a:effectRef>
+          <a:fontRef idx="minor">
+            <a:schemeClr val="tx1"/>
+          </a:fontRef>
+        </p:style>
+      </p:cxnSp>
+      <p:sp>
+        <p:nvSpPr>
+          <p:cNvPr id="35" name="Textfeld 34">
+            <a:extLst>
+              <a:ext uri="{FF2B5EF4-FFF2-40B4-BE49-F238E27FC236}">
+                <a16:creationId xmlns:a16="http://schemas.microsoft.com/office/drawing/2014/main" id="{FD0A8F78-1B23-7397-CEF3-DB6BCCCAABC4}"/>
+              </a:ext>
+            </a:extLst>
+          </p:cNvPr>
+          <p:cNvSpPr txBox="1"/>
+          <p:nvPr/>
+        </p:nvSpPr>
+        <p:spPr>
+          <a:xfrm>
+            <a:off x="2251630" y="2076461"/>
+            <a:ext cx="1049138" cy="553998"/>
+          </a:xfrm>
+          <a:prstGeom prst="rect">
+            <a:avLst/>
+          </a:prstGeom>
+          <a:noFill/>
+        </p:spPr>
+        <p:txBody>
+          <a:bodyPr wrap="square" rtlCol="0">
+            <a:spAutoFit/>
+          </a:bodyPr>
+          <a:lstStyle/>
+          <a:p>
+            <a:pPr algn="ctr"/>
+            <a:r>
+              <a:rPr lang="de-DE" dirty="0">
+                <a:solidFill>
+                  <a:srgbClr val="040936"/>
+                </a:solidFill>
+                <a:latin typeface="Baskerville Old Face" panose="02020602080505020303" pitchFamily="18" charset="0"/>
+              </a:rPr>
+              <a:t>Final Raw </a:t>
+            </a:r>
+          </a:p>
+          <a:p>
+            <a:pPr algn="ctr"/>
+            <a:r>
+              <a:rPr lang="de-DE" dirty="0">
+                <a:solidFill>
+                  <a:srgbClr val="040936"/>
+                </a:solidFill>
+                <a:latin typeface="Baskerville Old Face" panose="02020602080505020303" pitchFamily="18" charset="0"/>
+              </a:rPr>
+              <a:t>Data</a:t>
+            </a:r>
+          </a:p>
+        </p:txBody>
+      </p:sp>
+      <p:cxnSp>
+        <p:nvCxnSpPr>
+          <p:cNvPr id="37" name="Gerade Verbindung mit Pfeil 36">
+            <a:extLst>
+              <a:ext uri="{FF2B5EF4-FFF2-40B4-BE49-F238E27FC236}">
+                <a16:creationId xmlns:a16="http://schemas.microsoft.com/office/drawing/2014/main" id="{35EB7EFB-6885-450A-1988-39686F8EA33E}"/>
+              </a:ext>
+            </a:extLst>
+          </p:cNvPr>
+          <p:cNvCxnSpPr>
+            <a:cxnSpLocks/>
+          </p:cNvCxnSpPr>
+          <p:nvPr/>
+        </p:nvCxnSpPr>
+        <p:spPr>
+          <a:xfrm>
+            <a:off x="3138571" y="3025198"/>
+            <a:ext cx="425726" cy="0"/>
+          </a:xfrm>
+          <a:prstGeom prst="straightConnector1">
+            <a:avLst/>
+          </a:prstGeom>
+          <a:ln w="44450">
+            <a:solidFill>
+              <a:srgbClr val="040936"/>
+            </a:solidFill>
+            <a:tailEnd type="triangle"/>
+          </a:ln>
+        </p:spPr>
+        <p:style>
+          <a:lnRef idx="1">
+            <a:schemeClr val="accent1"/>
+          </a:lnRef>
+          <a:fillRef idx="0">
+            <a:schemeClr val="accent1"/>
+          </a:fillRef>
+          <a:effectRef idx="0">
+            <a:schemeClr val="accent1"/>
+          </a:effectRef>
+          <a:fontRef idx="minor">
+            <a:schemeClr val="tx1"/>
+          </a:fontRef>
+        </p:style>
+      </p:cxnSp>
+      <p:cxnSp>
+        <p:nvCxnSpPr>
+          <p:cNvPr id="60" name="Gerade Verbindung mit Pfeil 59">
+            <a:extLst>
+              <a:ext uri="{FF2B5EF4-FFF2-40B4-BE49-F238E27FC236}">
+                <a16:creationId xmlns:a16="http://schemas.microsoft.com/office/drawing/2014/main" id="{15F7F5B9-48E7-B2C1-9DEC-449FC600E796}"/>
+              </a:ext>
+            </a:extLst>
+          </p:cNvPr>
+          <p:cNvCxnSpPr>
+            <a:cxnSpLocks/>
+          </p:cNvCxnSpPr>
+          <p:nvPr/>
+        </p:nvCxnSpPr>
+        <p:spPr>
+          <a:xfrm>
+            <a:off x="5805761" y="3014319"/>
+            <a:ext cx="491486" cy="9115"/>
+          </a:xfrm>
+          <a:prstGeom prst="straightConnector1">
+            <a:avLst/>
+          </a:prstGeom>
+          <a:ln w="44450">
+            <a:solidFill>
+              <a:srgbClr val="0F21C7"/>
+            </a:solidFill>
+            <a:tailEnd type="triangle"/>
+          </a:ln>
+        </p:spPr>
+        <p:style>
+          <a:lnRef idx="1">
+            <a:schemeClr val="accent1"/>
+          </a:lnRef>
+          <a:fillRef idx="0">
+            <a:schemeClr val="accent1"/>
+          </a:fillRef>
+          <a:effectRef idx="0">
+            <a:schemeClr val="accent1"/>
+          </a:effectRef>
+          <a:fontRef idx="minor">
+            <a:schemeClr val="tx1"/>
+          </a:fontRef>
+        </p:style>
+      </p:cxnSp>
+      <p:cxnSp>
+        <p:nvCxnSpPr>
+          <p:cNvPr id="11264" name="Gerade Verbindung mit Pfeil 11263">
+            <a:extLst>
+              <a:ext uri="{FF2B5EF4-FFF2-40B4-BE49-F238E27FC236}">
+                <a16:creationId xmlns:a16="http://schemas.microsoft.com/office/drawing/2014/main" id="{441AA7D4-999D-F54C-3863-30133131EAEA}"/>
+              </a:ext>
+            </a:extLst>
+          </p:cNvPr>
+          <p:cNvCxnSpPr>
+            <a:cxnSpLocks/>
+          </p:cNvCxnSpPr>
+          <p:nvPr/>
+        </p:nvCxnSpPr>
+        <p:spPr>
+          <a:xfrm flipV="1">
+            <a:off x="5807159" y="1949194"/>
+            <a:ext cx="416069" cy="771730"/>
+          </a:xfrm>
+          <a:prstGeom prst="straightConnector1">
+            <a:avLst/>
+          </a:prstGeom>
+          <a:ln w="44450">
+            <a:solidFill>
+              <a:srgbClr val="0F21C7"/>
+            </a:solidFill>
+            <a:tailEnd type="triangle"/>
+          </a:ln>
+        </p:spPr>
+        <p:style>
+          <a:lnRef idx="1">
+            <a:schemeClr val="accent1"/>
+          </a:lnRef>
+          <a:fillRef idx="0">
+            <a:schemeClr val="accent1"/>
+          </a:fillRef>
+          <a:effectRef idx="0">
+            <a:schemeClr val="accent1"/>
+          </a:effectRef>
+          <a:fontRef idx="minor">
+            <a:schemeClr val="tx1"/>
+          </a:fontRef>
+        </p:style>
+      </p:cxnSp>
+      <p:cxnSp>
+        <p:nvCxnSpPr>
+          <p:cNvPr id="11276" name="Gerade Verbindung mit Pfeil 11275">
+            <a:extLst>
+              <a:ext uri="{FF2B5EF4-FFF2-40B4-BE49-F238E27FC236}">
+                <a16:creationId xmlns:a16="http://schemas.microsoft.com/office/drawing/2014/main" id="{4269637F-EF20-2C17-40B6-8B8A5B4D0683}"/>
+              </a:ext>
+            </a:extLst>
+          </p:cNvPr>
+          <p:cNvCxnSpPr>
+            <a:cxnSpLocks/>
+          </p:cNvCxnSpPr>
+          <p:nvPr/>
+        </p:nvCxnSpPr>
+        <p:spPr>
+          <a:xfrm>
+            <a:off x="5805761" y="3250453"/>
+            <a:ext cx="491486" cy="661522"/>
+          </a:xfrm>
+          <a:prstGeom prst="straightConnector1">
+            <a:avLst/>
+          </a:prstGeom>
+          <a:ln w="44450">
+            <a:solidFill>
+              <a:srgbClr val="0F21C7"/>
+            </a:solidFill>
+            <a:tailEnd type="triangle"/>
+          </a:ln>
+        </p:spPr>
+        <p:style>
+          <a:lnRef idx="1">
+            <a:schemeClr val="accent1"/>
+          </a:lnRef>
+          <a:fillRef idx="0">
+            <a:schemeClr val="accent1"/>
+          </a:fillRef>
+          <a:effectRef idx="0">
+            <a:schemeClr val="accent1"/>
+          </a:effectRef>
+          <a:fontRef idx="minor">
+            <a:schemeClr val="tx1"/>
+          </a:fontRef>
+        </p:style>
+      </p:cxnSp>
+      <p:sp>
+        <p:nvSpPr>
+          <p:cNvPr id="11280" name="Textfeld 11279">
+            <a:extLst>
+              <a:ext uri="{FF2B5EF4-FFF2-40B4-BE49-F238E27FC236}">
+                <a16:creationId xmlns:a16="http://schemas.microsoft.com/office/drawing/2014/main" id="{9893C6A8-C90E-4924-4858-98F921327E2B}"/>
+              </a:ext>
+            </a:extLst>
+          </p:cNvPr>
+          <p:cNvSpPr txBox="1"/>
+          <p:nvPr/>
+        </p:nvSpPr>
+        <p:spPr>
+          <a:xfrm>
+            <a:off x="6537182" y="1402680"/>
+            <a:ext cx="1563287" cy="553998"/>
+          </a:xfrm>
+          <a:prstGeom prst="rect">
+            <a:avLst/>
+          </a:prstGeom>
+          <a:noFill/>
+        </p:spPr>
+        <p:txBody>
+          <a:bodyPr wrap="square" rtlCol="0">
+            <a:spAutoFit/>
+          </a:bodyPr>
+          <a:lstStyle/>
+          <a:p>
+            <a:pPr algn="ctr"/>
+            <a:r>
+              <a:rPr lang="de-DE" dirty="0" err="1">
+                <a:solidFill>
+                  <a:schemeClr val="bg1"/>
+                </a:solidFill>
+                <a:latin typeface="Baskerville Old Face" panose="02020602080505020303" pitchFamily="18" charset="0"/>
+              </a:rPr>
+              <a:t>Occurences</a:t>
+            </a:r>
+            <a:r>
+              <a:rPr lang="de-DE" dirty="0">
+                <a:solidFill>
+                  <a:schemeClr val="bg1"/>
+                </a:solidFill>
+                <a:latin typeface="Baskerville Old Face" panose="02020602080505020303" pitchFamily="18" charset="0"/>
+              </a:rPr>
+              <a:t> Check</a:t>
+            </a:r>
+          </a:p>
+        </p:txBody>
+      </p:sp>
+      <p:sp>
+        <p:nvSpPr>
+          <p:cNvPr id="11281" name="Textfeld 11280">
+            <a:extLst>
+              <a:ext uri="{FF2B5EF4-FFF2-40B4-BE49-F238E27FC236}">
+                <a16:creationId xmlns:a16="http://schemas.microsoft.com/office/drawing/2014/main" id="{E2767A7B-C3C3-002B-A8D5-9635D632F38D}"/>
+              </a:ext>
+            </a:extLst>
+          </p:cNvPr>
+          <p:cNvSpPr txBox="1"/>
+          <p:nvPr/>
+        </p:nvSpPr>
+        <p:spPr>
+          <a:xfrm>
+            <a:off x="6295916" y="2551283"/>
+            <a:ext cx="2066610" cy="276999"/>
+          </a:xfrm>
+          <a:prstGeom prst="rect">
+            <a:avLst/>
+          </a:prstGeom>
+          <a:noFill/>
+        </p:spPr>
+        <p:txBody>
+          <a:bodyPr wrap="square" rtlCol="0">
+            <a:spAutoFit/>
+          </a:bodyPr>
+          <a:lstStyle/>
+          <a:p>
+            <a:pPr algn="ctr"/>
+            <a:r>
+              <a:rPr lang="de-DE" sz="1200" dirty="0">
+                <a:solidFill>
+                  <a:schemeClr val="bg1"/>
+                </a:solidFill>
+                <a:latin typeface="Baskerville Old Face" panose="02020602080505020303" pitchFamily="18" charset="0"/>
+              </a:rPr>
+              <a:t>German S</a:t>
+            </a:r>
+          </a:p>
+        </p:txBody>
+      </p:sp>
+      <p:cxnSp>
+        <p:nvCxnSpPr>
+          <p:cNvPr id="11304" name="Gerade Verbindung mit Pfeil 11303">
+            <a:extLst>
+              <a:ext uri="{FF2B5EF4-FFF2-40B4-BE49-F238E27FC236}">
+                <a16:creationId xmlns:a16="http://schemas.microsoft.com/office/drawing/2014/main" id="{FEAE3C22-9158-2FA9-C810-9AFF74B58AA6}"/>
+              </a:ext>
+            </a:extLst>
+          </p:cNvPr>
+          <p:cNvCxnSpPr>
+            <a:cxnSpLocks/>
+          </p:cNvCxnSpPr>
+          <p:nvPr/>
+        </p:nvCxnSpPr>
+        <p:spPr>
+          <a:xfrm>
+            <a:off x="8743634" y="1822100"/>
+            <a:ext cx="416069" cy="793730"/>
+          </a:xfrm>
+          <a:prstGeom prst="straightConnector1">
+            <a:avLst/>
+          </a:prstGeom>
+          <a:ln w="44450">
+            <a:solidFill>
+              <a:srgbClr val="0F21C7"/>
+            </a:solidFill>
+            <a:tailEnd type="triangle"/>
+          </a:ln>
+        </p:spPr>
+        <p:style>
+          <a:lnRef idx="1">
+            <a:schemeClr val="accent1"/>
+          </a:lnRef>
+          <a:fillRef idx="0">
+            <a:schemeClr val="accent1"/>
+          </a:fillRef>
+          <a:effectRef idx="0">
+            <a:schemeClr val="accent1"/>
+          </a:effectRef>
+          <a:fontRef idx="minor">
+            <a:schemeClr val="tx1"/>
+          </a:fontRef>
+        </p:style>
+      </p:cxnSp>
+      <p:cxnSp>
+        <p:nvCxnSpPr>
+          <p:cNvPr id="11306" name="Gerade Verbindung mit Pfeil 11305">
+            <a:extLst>
+              <a:ext uri="{FF2B5EF4-FFF2-40B4-BE49-F238E27FC236}">
+                <a16:creationId xmlns:a16="http://schemas.microsoft.com/office/drawing/2014/main" id="{BE80D363-3F6D-8F7E-C5F2-774143E3B57F}"/>
+              </a:ext>
+            </a:extLst>
+          </p:cNvPr>
+          <p:cNvCxnSpPr>
+            <a:cxnSpLocks/>
+          </p:cNvCxnSpPr>
+          <p:nvPr/>
+        </p:nvCxnSpPr>
+        <p:spPr>
+          <a:xfrm>
+            <a:off x="8862680" y="2938024"/>
+            <a:ext cx="377976" cy="0"/>
+          </a:xfrm>
+          <a:prstGeom prst="straightConnector1">
+            <a:avLst/>
+          </a:prstGeom>
+          <a:ln w="44450">
+            <a:solidFill>
+              <a:srgbClr val="0F21C7"/>
+            </a:solidFill>
+            <a:tailEnd type="triangle"/>
+          </a:ln>
+        </p:spPr>
+        <p:style>
+          <a:lnRef idx="1">
+            <a:schemeClr val="accent1"/>
+          </a:lnRef>
+          <a:fillRef idx="0">
+            <a:schemeClr val="accent1"/>
+          </a:fillRef>
+          <a:effectRef idx="0">
+            <a:schemeClr val="accent1"/>
+          </a:effectRef>
+          <a:fontRef idx="minor">
+            <a:schemeClr val="tx1"/>
+          </a:fontRef>
+        </p:style>
+      </p:cxnSp>
+      <p:cxnSp>
+        <p:nvCxnSpPr>
+          <p:cNvPr id="11308" name="Gerade Verbindung mit Pfeil 11307">
+            <a:extLst>
+              <a:ext uri="{FF2B5EF4-FFF2-40B4-BE49-F238E27FC236}">
+                <a16:creationId xmlns:a16="http://schemas.microsoft.com/office/drawing/2014/main" id="{B69B4529-3351-1927-1A8A-0BDD535DCCA3}"/>
+              </a:ext>
+            </a:extLst>
+          </p:cNvPr>
+          <p:cNvCxnSpPr>
+            <a:cxnSpLocks/>
+          </p:cNvCxnSpPr>
+          <p:nvPr/>
+        </p:nvCxnSpPr>
+        <p:spPr>
+          <a:xfrm flipV="1">
+            <a:off x="8743634" y="3160488"/>
+            <a:ext cx="443977" cy="747497"/>
+          </a:xfrm>
+          <a:prstGeom prst="straightConnector1">
+            <a:avLst/>
+          </a:prstGeom>
+          <a:ln w="44450">
+            <a:solidFill>
+              <a:srgbClr val="0F21C7"/>
+            </a:solidFill>
+            <a:tailEnd type="triangle"/>
+          </a:ln>
+        </p:spPr>
+        <p:style>
+          <a:lnRef idx="1">
+            <a:schemeClr val="accent1"/>
+          </a:lnRef>
+          <a:fillRef idx="0">
+            <a:schemeClr val="accent1"/>
+          </a:fillRef>
+          <a:effectRef idx="0">
+            <a:schemeClr val="accent1"/>
+          </a:effectRef>
+          <a:fontRef idx="minor">
+            <a:schemeClr val="tx1"/>
+          </a:fontRef>
+        </p:style>
+      </p:cxnSp>
+      <p:cxnSp>
+        <p:nvCxnSpPr>
+          <p:cNvPr id="11339" name="Gerade Verbindung mit Pfeil 11338">
+            <a:extLst>
+              <a:ext uri="{FF2B5EF4-FFF2-40B4-BE49-F238E27FC236}">
+                <a16:creationId xmlns:a16="http://schemas.microsoft.com/office/drawing/2014/main" id="{3F090A02-3D27-58A4-39B7-E0E94F97161C}"/>
+              </a:ext>
+            </a:extLst>
+          </p:cNvPr>
+          <p:cNvCxnSpPr>
+            <a:cxnSpLocks/>
+          </p:cNvCxnSpPr>
+          <p:nvPr/>
+        </p:nvCxnSpPr>
+        <p:spPr>
+          <a:xfrm flipV="1">
+            <a:off x="1914350" y="3413747"/>
+            <a:ext cx="472475" cy="355402"/>
+          </a:xfrm>
+          <a:prstGeom prst="straightConnector1">
+            <a:avLst/>
+          </a:prstGeom>
+          <a:ln w="44450">
+            <a:solidFill>
+              <a:srgbClr val="0F21C7"/>
+            </a:solidFill>
+            <a:tailEnd type="triangle"/>
+          </a:ln>
+        </p:spPr>
+        <p:style>
+          <a:lnRef idx="1">
+            <a:schemeClr val="accent1"/>
+          </a:lnRef>
+          <a:fillRef idx="0">
+            <a:schemeClr val="accent1"/>
+          </a:fillRef>
+          <a:effectRef idx="0">
+            <a:schemeClr val="accent1"/>
+          </a:effectRef>
+          <a:fontRef idx="minor">
+            <a:schemeClr val="tx1"/>
+          </a:fontRef>
+        </p:style>
+      </p:cxnSp>
+      <p:sp>
+        <p:nvSpPr>
+          <p:cNvPr id="8" name="Zylinder 7">
+            <a:extLst>
+              <a:ext uri="{FF2B5EF4-FFF2-40B4-BE49-F238E27FC236}">
+                <a16:creationId xmlns:a16="http://schemas.microsoft.com/office/drawing/2014/main" id="{9E30A89F-38E2-3BA2-ABF7-063E73C7CB39}"/>
+              </a:ext>
+            </a:extLst>
+          </p:cNvPr>
+          <p:cNvSpPr/>
+          <p:nvPr/>
+        </p:nvSpPr>
+        <p:spPr>
+          <a:xfrm rot="5400000">
+            <a:off x="4309456" y="2068335"/>
+            <a:ext cx="646646" cy="1982038"/>
+          </a:xfrm>
+          <a:prstGeom prst="can">
+            <a:avLst/>
+          </a:prstGeom>
+          <a:solidFill>
+            <a:srgbClr val="040936"/>
+          </a:solidFill>
+          <a:ln>
+            <a:solidFill>
+              <a:srgbClr val="36060A"/>
+            </a:solidFill>
+          </a:ln>
+        </p:spPr>
+        <p:style>
+          <a:lnRef idx="2">
+            <a:schemeClr val="accent1">
+              <a:shade val="50000"/>
+            </a:schemeClr>
+          </a:lnRef>
+          <a:fillRef idx="1">
+            <a:schemeClr val="accent1"/>
+          </a:fillRef>
+          <a:effectRef idx="0">
+            <a:schemeClr val="accent1"/>
+          </a:effectRef>
+          <a:fontRef idx="minor">
+            <a:schemeClr val="lt1"/>
+          </a:fontRef>
+        </p:style>
+        <p:txBody>
+          <a:bodyPr rtlCol="0" anchor="ctr"/>
+          <a:lstStyle/>
+          <a:p>
+            <a:pPr algn="ctr"/>
+            <a:endParaRPr lang="de-DE">
+              <a:solidFill>
+                <a:srgbClr val="590D08"/>
+              </a:solidFill>
+              <a:latin typeface="Baskerville Old Face" panose="02020602080505020303" pitchFamily="18" charset="0"/>
+            </a:endParaRPr>
+          </a:p>
+        </p:txBody>
+      </p:sp>
+      <p:sp>
+        <p:nvSpPr>
+          <p:cNvPr id="12" name="Textfeld 11">
+            <a:extLst>
+              <a:ext uri="{FF2B5EF4-FFF2-40B4-BE49-F238E27FC236}">
+                <a16:creationId xmlns:a16="http://schemas.microsoft.com/office/drawing/2014/main" id="{86E42542-F16F-BE48-191F-AF1028871529}"/>
+              </a:ext>
+            </a:extLst>
+          </p:cNvPr>
+          <p:cNvSpPr txBox="1"/>
+          <p:nvPr/>
+        </p:nvSpPr>
+        <p:spPr>
+          <a:xfrm>
+            <a:off x="3708313" y="2859102"/>
+            <a:ext cx="1797087" cy="323165"/>
+          </a:xfrm>
+          <a:prstGeom prst="rect">
+            <a:avLst/>
+          </a:prstGeom>
+          <a:noFill/>
+        </p:spPr>
+        <p:txBody>
+          <a:bodyPr wrap="square" rtlCol="0">
+            <a:spAutoFit/>
+          </a:bodyPr>
+          <a:lstStyle/>
+          <a:p>
+            <a:pPr algn="ctr"/>
+            <a:r>
+              <a:rPr lang="de-DE" dirty="0" err="1">
+                <a:solidFill>
+                  <a:schemeClr val="bg1"/>
+                </a:solidFill>
+                <a:latin typeface="Baskerville Old Face" panose="02020602080505020303" pitchFamily="18" charset="0"/>
+              </a:rPr>
+              <a:t>Preprocessing</a:t>
+            </a:r>
+            <a:endParaRPr lang="de-DE" dirty="0">
+              <a:solidFill>
+                <a:schemeClr val="bg1"/>
+              </a:solidFill>
+              <a:latin typeface="Baskerville Old Face" panose="02020602080505020303" pitchFamily="18" charset="0"/>
+            </a:endParaRPr>
+          </a:p>
+        </p:txBody>
+      </p:sp>
+      <p:sp>
+        <p:nvSpPr>
+          <p:cNvPr id="13" name="Zylinder 12">
+            <a:extLst>
+              <a:ext uri="{FF2B5EF4-FFF2-40B4-BE49-F238E27FC236}">
+                <a16:creationId xmlns:a16="http://schemas.microsoft.com/office/drawing/2014/main" id="{86A129F9-34C8-DACD-53A1-E0F9857D1792}"/>
+              </a:ext>
+            </a:extLst>
+          </p:cNvPr>
+          <p:cNvSpPr/>
+          <p:nvPr/>
+        </p:nvSpPr>
+        <p:spPr>
+          <a:xfrm rot="5400000">
+            <a:off x="7043341" y="1911046"/>
+            <a:ext cx="771729" cy="2171534"/>
+          </a:xfrm>
+          <a:prstGeom prst="can">
+            <a:avLst/>
+          </a:prstGeom>
+          <a:solidFill>
+            <a:srgbClr val="0F21C7"/>
+          </a:solidFill>
+          <a:ln>
+            <a:solidFill>
+              <a:srgbClr val="040936"/>
+            </a:solidFill>
+          </a:ln>
+        </p:spPr>
+        <p:style>
+          <a:lnRef idx="2">
+            <a:schemeClr val="accent1">
+              <a:shade val="50000"/>
+            </a:schemeClr>
+          </a:lnRef>
+          <a:fillRef idx="1">
+            <a:schemeClr val="accent1"/>
+          </a:fillRef>
+          <a:effectRef idx="0">
+            <a:schemeClr val="accent1"/>
+          </a:effectRef>
+          <a:fontRef idx="minor">
+            <a:schemeClr val="lt1"/>
+          </a:fontRef>
+        </p:style>
+        <p:txBody>
+          <a:bodyPr rtlCol="0" anchor="ctr"/>
+          <a:lstStyle/>
+          <a:p>
+            <a:pPr algn="ctr"/>
+            <a:endParaRPr lang="de-DE">
+              <a:latin typeface="Baskerville Old Face" panose="02020602080505020303" pitchFamily="18" charset="0"/>
+            </a:endParaRPr>
+          </a:p>
+        </p:txBody>
+      </p:sp>
+      <p:sp>
+        <p:nvSpPr>
+          <p:cNvPr id="14" name="Textfeld 13">
+            <a:extLst>
+              <a:ext uri="{FF2B5EF4-FFF2-40B4-BE49-F238E27FC236}">
+                <a16:creationId xmlns:a16="http://schemas.microsoft.com/office/drawing/2014/main" id="{5730F6A6-64D2-5E00-D648-74BF1647028D}"/>
+              </a:ext>
+            </a:extLst>
+          </p:cNvPr>
+          <p:cNvSpPr txBox="1"/>
+          <p:nvPr/>
+        </p:nvSpPr>
+        <p:spPr>
+          <a:xfrm>
+            <a:off x="6570935" y="2722093"/>
+            <a:ext cx="1563287" cy="553998"/>
+          </a:xfrm>
+          <a:prstGeom prst="rect">
+            <a:avLst/>
+          </a:prstGeom>
+          <a:noFill/>
+        </p:spPr>
+        <p:txBody>
+          <a:bodyPr wrap="square" rtlCol="0">
+            <a:spAutoFit/>
+          </a:bodyPr>
+          <a:lstStyle/>
+          <a:p>
+            <a:pPr algn="ctr"/>
+            <a:r>
+              <a:rPr lang="de-DE" dirty="0">
+                <a:solidFill>
+                  <a:schemeClr val="bg1"/>
+                </a:solidFill>
+                <a:latin typeface="Baskerville Old Face" panose="02020602080505020303" pitchFamily="18" charset="0"/>
+              </a:rPr>
+              <a:t>Sentiment Analysis</a:t>
+            </a:r>
+          </a:p>
+        </p:txBody>
+      </p:sp>
+      <p:sp>
+        <p:nvSpPr>
+          <p:cNvPr id="21" name="Textfeld 20">
+            <a:extLst>
+              <a:ext uri="{FF2B5EF4-FFF2-40B4-BE49-F238E27FC236}">
+                <a16:creationId xmlns:a16="http://schemas.microsoft.com/office/drawing/2014/main" id="{665157DD-6B1D-0C41-3C1A-E61A639DC998}"/>
+              </a:ext>
+            </a:extLst>
+          </p:cNvPr>
+          <p:cNvSpPr txBox="1"/>
+          <p:nvPr/>
+        </p:nvSpPr>
+        <p:spPr>
+          <a:xfrm>
+            <a:off x="6320135" y="3605165"/>
+            <a:ext cx="2066610" cy="276999"/>
+          </a:xfrm>
+          <a:prstGeom prst="rect">
+            <a:avLst/>
+          </a:prstGeom>
+          <a:noFill/>
+        </p:spPr>
+        <p:txBody>
+          <a:bodyPr wrap="square" rtlCol="0">
+            <a:spAutoFit/>
+          </a:bodyPr>
+          <a:lstStyle/>
+          <a:p>
+            <a:pPr algn="ctr"/>
+            <a:r>
+              <a:rPr lang="de-DE" sz="1200" dirty="0">
+                <a:solidFill>
+                  <a:schemeClr val="bg1"/>
+                </a:solidFill>
+                <a:latin typeface="Baskerville Old Face" panose="02020602080505020303" pitchFamily="18" charset="0"/>
+              </a:rPr>
+              <a:t>German S</a:t>
+            </a:r>
+          </a:p>
+        </p:txBody>
+      </p:sp>
+      <p:sp>
+        <p:nvSpPr>
+          <p:cNvPr id="23" name="Zylinder 22">
+            <a:extLst>
+              <a:ext uri="{FF2B5EF4-FFF2-40B4-BE49-F238E27FC236}">
+                <a16:creationId xmlns:a16="http://schemas.microsoft.com/office/drawing/2014/main" id="{53C70E27-163B-90CD-37D7-860E831A9672}"/>
+              </a:ext>
+            </a:extLst>
+          </p:cNvPr>
+          <p:cNvSpPr/>
+          <p:nvPr/>
+        </p:nvSpPr>
+        <p:spPr>
+          <a:xfrm rot="5400000">
+            <a:off x="6996224" y="3036265"/>
+            <a:ext cx="914402" cy="2171534"/>
+          </a:xfrm>
+          <a:prstGeom prst="can">
+            <a:avLst/>
+          </a:prstGeom>
+          <a:solidFill>
+            <a:srgbClr val="0F21C7"/>
+          </a:solidFill>
+          <a:ln>
+            <a:solidFill>
+              <a:srgbClr val="040936"/>
+            </a:solidFill>
+          </a:ln>
+        </p:spPr>
+        <p:style>
+          <a:lnRef idx="2">
+            <a:schemeClr val="accent1">
+              <a:shade val="50000"/>
+            </a:schemeClr>
+          </a:lnRef>
+          <a:fillRef idx="1">
+            <a:schemeClr val="accent1"/>
+          </a:fillRef>
+          <a:effectRef idx="0">
+            <a:schemeClr val="accent1"/>
+          </a:effectRef>
+          <a:fontRef idx="minor">
+            <a:schemeClr val="lt1"/>
+          </a:fontRef>
+        </p:style>
+        <p:txBody>
+          <a:bodyPr rtlCol="0" anchor="ctr"/>
+          <a:lstStyle/>
+          <a:p>
+            <a:pPr algn="ctr"/>
+            <a:endParaRPr lang="de-DE">
+              <a:latin typeface="Baskerville Old Face" panose="02020602080505020303" pitchFamily="18" charset="0"/>
+            </a:endParaRPr>
+          </a:p>
+        </p:txBody>
+      </p:sp>
+      <p:sp>
+        <p:nvSpPr>
+          <p:cNvPr id="24" name="Textfeld 23">
+            <a:extLst>
+              <a:ext uri="{FF2B5EF4-FFF2-40B4-BE49-F238E27FC236}">
+                <a16:creationId xmlns:a16="http://schemas.microsoft.com/office/drawing/2014/main" id="{DCE9FAE2-E623-B7C8-C695-9794DDA453EC}"/>
+              </a:ext>
+            </a:extLst>
+          </p:cNvPr>
+          <p:cNvSpPr txBox="1"/>
+          <p:nvPr/>
+        </p:nvSpPr>
+        <p:spPr>
+          <a:xfrm>
+            <a:off x="6595154" y="3775975"/>
+            <a:ext cx="1563287" cy="784830"/>
+          </a:xfrm>
+          <a:prstGeom prst="rect">
+            <a:avLst/>
+          </a:prstGeom>
+          <a:noFill/>
+        </p:spPr>
+        <p:txBody>
+          <a:bodyPr wrap="square" rtlCol="0">
+            <a:spAutoFit/>
+          </a:bodyPr>
+          <a:lstStyle/>
+          <a:p>
+            <a:pPr algn="ctr"/>
+            <a:r>
+              <a:rPr lang="de-DE" dirty="0" err="1">
+                <a:solidFill>
+                  <a:schemeClr val="bg1"/>
+                </a:solidFill>
+                <a:latin typeface="Baskerville Old Face" panose="02020602080505020303" pitchFamily="18" charset="0"/>
+              </a:rPr>
+              <a:t>Pretrained</a:t>
+            </a:r>
+            <a:r>
+              <a:rPr lang="de-DE" dirty="0">
+                <a:solidFill>
+                  <a:schemeClr val="bg1"/>
+                </a:solidFill>
+                <a:latin typeface="Baskerville Old Face" panose="02020602080505020303" pitchFamily="18" charset="0"/>
+              </a:rPr>
+              <a:t> Classification Model</a:t>
+            </a:r>
+          </a:p>
+        </p:txBody>
+      </p:sp>
+      <p:pic>
+        <p:nvPicPr>
+          <p:cNvPr id="26" name="Grafik 25" descr="Fernsehen mit einfarbiger Füllung">
+            <a:extLst>
+              <a:ext uri="{FF2B5EF4-FFF2-40B4-BE49-F238E27FC236}">
+                <a16:creationId xmlns:a16="http://schemas.microsoft.com/office/drawing/2014/main" id="{74E28799-F28A-849E-2C49-8A6BB651E1FC}"/>
+              </a:ext>
+            </a:extLst>
+          </p:cNvPr>
+          <p:cNvPicPr>
+            <a:picLocks noChangeAspect="1"/>
+          </p:cNvPicPr>
+          <p:nvPr/>
+        </p:nvPicPr>
+        <p:blipFill>
+          <a:blip r:embed="rId8">
+            <a:extLst>
+              <a:ext uri="{28A0092B-C50C-407E-A947-70E740481C1C}">
+                <a14:useLocalDpi xmlns:a14="http://schemas.microsoft.com/office/drawing/2010/main" val="0"/>
+              </a:ext>
+              <a:ext uri="{96DAC541-7B7A-43D3-8B79-37D633B846F1}">
+                <asvg:svgBlip xmlns:asvg="http://schemas.microsoft.com/office/drawing/2016/SVG/main" r:embed="rId9"/>
+              </a:ext>
+            </a:extLst>
+          </a:blip>
+          <a:stretch>
+            <a:fillRect/>
+          </a:stretch>
+        </p:blipFill>
+        <p:spPr>
+          <a:xfrm>
+            <a:off x="9364145" y="2325687"/>
+            <a:ext cx="914400" cy="914400"/>
+          </a:xfrm>
+          <a:prstGeom prst="rect">
+            <a:avLst/>
+          </a:prstGeom>
+        </p:spPr>
+      </p:pic>
+      <p:sp>
+        <p:nvSpPr>
+          <p:cNvPr id="27" name="Textfeld 26">
+            <a:extLst>
+              <a:ext uri="{FF2B5EF4-FFF2-40B4-BE49-F238E27FC236}">
+                <a16:creationId xmlns:a16="http://schemas.microsoft.com/office/drawing/2014/main" id="{355288B1-0A81-F1C3-1C1D-B4B7D0706036}"/>
+              </a:ext>
+            </a:extLst>
+          </p:cNvPr>
+          <p:cNvSpPr txBox="1"/>
+          <p:nvPr/>
+        </p:nvSpPr>
+        <p:spPr>
+          <a:xfrm>
+            <a:off x="9144917" y="3276962"/>
+            <a:ext cx="1482426" cy="323165"/>
+          </a:xfrm>
+          <a:prstGeom prst="rect">
+            <a:avLst/>
+          </a:prstGeom>
+          <a:noFill/>
+        </p:spPr>
+        <p:txBody>
+          <a:bodyPr wrap="square" rtlCol="0">
+            <a:spAutoFit/>
+          </a:bodyPr>
+          <a:lstStyle/>
+          <a:p>
+            <a:pPr algn="ctr"/>
+            <a:r>
+              <a:rPr lang="de-DE" dirty="0">
+                <a:solidFill>
+                  <a:srgbClr val="040936"/>
+                </a:solidFill>
+                <a:latin typeface="Baskerville Old Face" panose="02020602080505020303" pitchFamily="18" charset="0"/>
+              </a:rPr>
+              <a:t>Final </a:t>
+            </a:r>
+            <a:r>
+              <a:rPr lang="de-DE" dirty="0" err="1">
+                <a:solidFill>
+                  <a:srgbClr val="040936"/>
+                </a:solidFill>
+                <a:latin typeface="Baskerville Old Face" panose="02020602080505020303" pitchFamily="18" charset="0"/>
+              </a:rPr>
+              <a:t>Results</a:t>
+            </a:r>
+            <a:endParaRPr lang="de-DE" dirty="0">
+              <a:solidFill>
+                <a:srgbClr val="040936"/>
+              </a:solidFill>
+              <a:latin typeface="Baskerville Old Face" panose="02020602080505020303" pitchFamily="18" charset="0"/>
+            </a:endParaRPr>
+          </a:p>
+        </p:txBody>
+      </p:sp>
+      <p:sp>
+        <p:nvSpPr>
+          <p:cNvPr id="30" name="Rechteck 29">
+            <a:extLst>
+              <a:ext uri="{FF2B5EF4-FFF2-40B4-BE49-F238E27FC236}">
+                <a16:creationId xmlns:a16="http://schemas.microsoft.com/office/drawing/2014/main" id="{EBE1D5E4-235F-0246-E902-B8800F675F37}"/>
+              </a:ext>
+            </a:extLst>
+          </p:cNvPr>
+          <p:cNvSpPr/>
+          <p:nvPr/>
+        </p:nvSpPr>
+        <p:spPr>
+          <a:xfrm>
+            <a:off x="1098739" y="3528119"/>
+            <a:ext cx="724630" cy="535216"/>
+          </a:xfrm>
+          <a:prstGeom prst="rect">
+            <a:avLst/>
+          </a:prstGeom>
+          <a:noFill/>
+          <a:ln w="50800">
+            <a:solidFill>
+              <a:srgbClr val="0F21C7"/>
+            </a:solidFill>
+          </a:ln>
+        </p:spPr>
+        <p:style>
+          <a:lnRef idx="2">
+            <a:schemeClr val="accent1">
+              <a:shade val="50000"/>
+            </a:schemeClr>
+          </a:lnRef>
+          <a:fillRef idx="1">
+            <a:schemeClr val="accent1"/>
+          </a:fillRef>
+          <a:effectRef idx="0">
+            <a:schemeClr val="accent1"/>
+          </a:effectRef>
+          <a:fontRef idx="minor">
+            <a:schemeClr val="lt1"/>
+          </a:fontRef>
+        </p:style>
+        <p:txBody>
+          <a:bodyPr rtlCol="0" anchor="ctr"/>
+          <a:lstStyle/>
+          <a:p>
+            <a:pPr algn="ctr"/>
+            <a:endParaRPr lang="de-DE"/>
+          </a:p>
+        </p:txBody>
+      </p:sp>
+      <p:pic>
+        <p:nvPicPr>
+          <p:cNvPr id="32" name="Grafik 31" descr="Musiknoten mit einfarbiger Füllung">
+            <a:extLst>
+              <a:ext uri="{FF2B5EF4-FFF2-40B4-BE49-F238E27FC236}">
+                <a16:creationId xmlns:a16="http://schemas.microsoft.com/office/drawing/2014/main" id="{646883CF-294D-7522-852A-00789E3840FA}"/>
+              </a:ext>
+            </a:extLst>
+          </p:cNvPr>
+          <p:cNvPicPr>
+            <a:picLocks noChangeAspect="1"/>
+          </p:cNvPicPr>
+          <p:nvPr/>
+        </p:nvPicPr>
+        <p:blipFill>
+          <a:blip r:embed="rId10">
+            <a:extLst>
+              <a:ext uri="{28A0092B-C50C-407E-A947-70E740481C1C}">
+                <a14:useLocalDpi xmlns:a14="http://schemas.microsoft.com/office/drawing/2010/main" val="0"/>
+              </a:ext>
+              <a:ext uri="{96DAC541-7B7A-43D3-8B79-37D633B846F1}">
+                <asvg:svgBlip xmlns:asvg="http://schemas.microsoft.com/office/drawing/2016/SVG/main" r:embed="rId11"/>
+              </a:ext>
+            </a:extLst>
+          </a:blip>
+          <a:stretch>
+            <a:fillRect/>
+          </a:stretch>
+        </p:blipFill>
+        <p:spPr>
+          <a:xfrm>
+            <a:off x="1171514" y="3528119"/>
+            <a:ext cx="564391" cy="564391"/>
           </a:xfrm>
           <a:prstGeom prst="rect">
             <a:avLst/>
@@ -8636,6 +13644,262 @@
         </p:spPr>
       </p:pic>
     </p:spTree>
+    <p:extLst>
+      <p:ext uri="{BB962C8B-B14F-4D97-AF65-F5344CB8AC3E}">
+        <p14:creationId xmlns:p14="http://schemas.microsoft.com/office/powerpoint/2010/main" val="2680370301"/>
+      </p:ext>
+    </p:extLst>
+  </p:cSld>
+  <p:clrMapOvr>
+    <a:masterClrMapping/>
+  </p:clrMapOvr>
+</p:sld>
+</file>
+
+<file path=ppt/slides/slide9.xml><?xml version="1.0" encoding="utf-8"?>
+<p:sld xmlns:a="http://schemas.openxmlformats.org/drawingml/2006/main" xmlns:r="http://schemas.openxmlformats.org/officeDocument/2006/relationships" xmlns:p="http://schemas.openxmlformats.org/presentationml/2006/main">
+  <p:cSld>
+    <p:spTree>
+      <p:nvGrpSpPr>
+        <p:cNvPr id="1" name=""/>
+        <p:cNvGrpSpPr/>
+        <p:nvPr/>
+      </p:nvGrpSpPr>
+      <p:grpSpPr>
+        <a:xfrm>
+          <a:off x="0" y="0"/>
+          <a:ext cx="0" cy="0"/>
+          <a:chOff x="0" y="0"/>
+          <a:chExt cx="0" cy="0"/>
+        </a:xfrm>
+      </p:grpSpPr>
+      <p:sp>
+        <p:nvSpPr>
+          <p:cNvPr id="5" name="Textfeld 4">
+            <a:extLst>
+              <a:ext uri="{FF2B5EF4-FFF2-40B4-BE49-F238E27FC236}">
+                <a16:creationId xmlns:a16="http://schemas.microsoft.com/office/drawing/2014/main" id="{8F90917B-D0B5-D9CC-351C-8B1FF6C09C08}"/>
+              </a:ext>
+            </a:extLst>
+          </p:cNvPr>
+          <p:cNvSpPr txBox="1"/>
+          <p:nvPr/>
+        </p:nvSpPr>
+        <p:spPr>
+          <a:xfrm>
+            <a:off x="3996345" y="2447999"/>
+            <a:ext cx="1800200" cy="324036"/>
+          </a:xfrm>
+          <a:prstGeom prst="rect">
+            <a:avLst/>
+          </a:prstGeom>
+          <a:noFill/>
+        </p:spPr>
+        <p:txBody>
+          <a:bodyPr wrap="square" rtlCol="0">
+            <a:spAutoFit/>
+          </a:bodyPr>
+          <a:lstStyle/>
+          <a:p>
+            <a:r>
+              <a:rPr lang="de-DE" dirty="0">
+                <a:solidFill>
+                  <a:srgbClr val="0F21C7"/>
+                </a:solidFill>
+                <a:latin typeface="Baskerville Old Face" panose="02020602080505020303" pitchFamily="18" charset="0"/>
+              </a:rPr>
+              <a:t>List </a:t>
+            </a:r>
+            <a:r>
+              <a:rPr lang="de-DE" dirty="0" err="1">
+                <a:solidFill>
+                  <a:srgbClr val="0F21C7"/>
+                </a:solidFill>
+                <a:latin typeface="Baskerville Old Face" panose="02020602080505020303" pitchFamily="18" charset="0"/>
+              </a:rPr>
+              <a:t>of</a:t>
+            </a:r>
+            <a:r>
+              <a:rPr lang="de-DE" dirty="0">
+                <a:solidFill>
+                  <a:srgbClr val="0F21C7"/>
+                </a:solidFill>
+                <a:latin typeface="Baskerville Old Face" panose="02020602080505020303" pitchFamily="18" charset="0"/>
+              </a:rPr>
+              <a:t> Artists</a:t>
+            </a:r>
+          </a:p>
+        </p:txBody>
+      </p:sp>
+      <p:pic>
+        <p:nvPicPr>
+          <p:cNvPr id="7" name="Grafik 6" descr="Internet mit einfarbiger Füllung">
+            <a:extLst>
+              <a:ext uri="{FF2B5EF4-FFF2-40B4-BE49-F238E27FC236}">
+                <a16:creationId xmlns:a16="http://schemas.microsoft.com/office/drawing/2014/main" id="{A49E8284-2910-63C8-12E9-29C5244D4D62}"/>
+              </a:ext>
+            </a:extLst>
+          </p:cNvPr>
+          <p:cNvPicPr>
+            <a:picLocks noChangeAspect="1"/>
+          </p:cNvPicPr>
+          <p:nvPr/>
+        </p:nvPicPr>
+        <p:blipFill>
+          <a:blip r:embed="rId2">
+            <a:extLst>
+              <a:ext uri="{28A0092B-C50C-407E-A947-70E740481C1C}">
+                <a14:useLocalDpi xmlns:a14="http://schemas.microsoft.com/office/drawing/2010/main" val="0"/>
+              </a:ext>
+              <a:ext uri="{96DAC541-7B7A-43D3-8B79-37D633B846F1}">
+                <asvg:svgBlip xmlns:asvg="http://schemas.microsoft.com/office/drawing/2016/SVG/main" r:embed="rId3"/>
+              </a:ext>
+            </a:extLst>
+          </a:blip>
+          <a:stretch>
+            <a:fillRect/>
+          </a:stretch>
+        </p:blipFill>
+        <p:spPr>
+          <a:xfrm>
+            <a:off x="2900048" y="2678348"/>
+            <a:ext cx="914400" cy="914400"/>
+          </a:xfrm>
+          <a:prstGeom prst="rect">
+            <a:avLst/>
+          </a:prstGeom>
+        </p:spPr>
+      </p:pic>
+      <p:pic>
+        <p:nvPicPr>
+          <p:cNvPr id="10" name="Grafik 9" descr="Tabelle mit einfarbiger Füllung">
+            <a:extLst>
+              <a:ext uri="{FF2B5EF4-FFF2-40B4-BE49-F238E27FC236}">
+                <a16:creationId xmlns:a16="http://schemas.microsoft.com/office/drawing/2014/main" id="{B3FC173A-2D79-E2F5-7733-1D7343326507}"/>
+              </a:ext>
+            </a:extLst>
+          </p:cNvPr>
+          <p:cNvPicPr>
+            <a:picLocks noChangeAspect="1"/>
+          </p:cNvPicPr>
+          <p:nvPr/>
+        </p:nvPicPr>
+        <p:blipFill>
+          <a:blip r:embed="rId4">
+            <a:extLst>
+              <a:ext uri="{28A0092B-C50C-407E-A947-70E740481C1C}">
+                <a14:useLocalDpi xmlns:a14="http://schemas.microsoft.com/office/drawing/2010/main" val="0"/>
+              </a:ext>
+              <a:ext uri="{96DAC541-7B7A-43D3-8B79-37D633B846F1}">
+                <asvg:svgBlip xmlns:asvg="http://schemas.microsoft.com/office/drawing/2016/SVG/main" r:embed="rId5"/>
+              </a:ext>
+            </a:extLst>
+          </a:blip>
+          <a:stretch>
+            <a:fillRect/>
+          </a:stretch>
+        </p:blipFill>
+        <p:spPr>
+          <a:xfrm>
+            <a:off x="4139042" y="2640001"/>
+            <a:ext cx="914400" cy="914400"/>
+          </a:xfrm>
+          <a:prstGeom prst="rect">
+            <a:avLst/>
+          </a:prstGeom>
+        </p:spPr>
+      </p:pic>
+      <p:sp>
+        <p:nvSpPr>
+          <p:cNvPr id="18" name="Textfeld 17">
+            <a:extLst>
+              <a:ext uri="{FF2B5EF4-FFF2-40B4-BE49-F238E27FC236}">
+                <a16:creationId xmlns:a16="http://schemas.microsoft.com/office/drawing/2014/main" id="{6E346AF3-3B31-8A23-58C3-746219640590}"/>
+              </a:ext>
+            </a:extLst>
+          </p:cNvPr>
+          <p:cNvSpPr txBox="1"/>
+          <p:nvPr/>
+        </p:nvSpPr>
+        <p:spPr>
+          <a:xfrm>
+            <a:off x="2810291" y="2447999"/>
+            <a:ext cx="1129040" cy="324036"/>
+          </a:xfrm>
+          <a:prstGeom prst="rect">
+            <a:avLst/>
+          </a:prstGeom>
+          <a:noFill/>
+        </p:spPr>
+        <p:txBody>
+          <a:bodyPr wrap="square" rtlCol="0">
+            <a:spAutoFit/>
+          </a:bodyPr>
+          <a:lstStyle/>
+          <a:p>
+            <a:pPr algn="ctr"/>
+            <a:r>
+              <a:rPr lang="de-DE" dirty="0">
+                <a:solidFill>
+                  <a:srgbClr val="4152F1"/>
+                </a:solidFill>
+                <a:latin typeface="Baskerville Old Face" panose="02020602080505020303" pitchFamily="18" charset="0"/>
+              </a:rPr>
+              <a:t>Spotify API</a:t>
+            </a:r>
+          </a:p>
+        </p:txBody>
+      </p:sp>
+      <p:cxnSp>
+        <p:nvCxnSpPr>
+          <p:cNvPr id="20" name="Gerade Verbindung mit Pfeil 19">
+            <a:extLst>
+              <a:ext uri="{FF2B5EF4-FFF2-40B4-BE49-F238E27FC236}">
+                <a16:creationId xmlns:a16="http://schemas.microsoft.com/office/drawing/2014/main" id="{D43799C6-0BD1-91B5-DE5E-E2B06368CCE5}"/>
+              </a:ext>
+            </a:extLst>
+          </p:cNvPr>
+          <p:cNvCxnSpPr>
+            <a:cxnSpLocks/>
+          </p:cNvCxnSpPr>
+          <p:nvPr/>
+        </p:nvCxnSpPr>
+        <p:spPr>
+          <a:xfrm>
+            <a:off x="3853076" y="3135548"/>
+            <a:ext cx="268497" cy="0"/>
+          </a:xfrm>
+          <a:prstGeom prst="straightConnector1">
+            <a:avLst/>
+          </a:prstGeom>
+          <a:ln w="44450">
+            <a:solidFill>
+              <a:srgbClr val="0F21C7"/>
+            </a:solidFill>
+            <a:tailEnd type="triangle"/>
+          </a:ln>
+        </p:spPr>
+        <p:style>
+          <a:lnRef idx="1">
+            <a:schemeClr val="accent1"/>
+          </a:lnRef>
+          <a:fillRef idx="0">
+            <a:schemeClr val="accent1"/>
+          </a:fillRef>
+          <a:effectRef idx="0">
+            <a:schemeClr val="accent1"/>
+          </a:effectRef>
+          <a:fontRef idx="minor">
+            <a:schemeClr val="tx1"/>
+          </a:fontRef>
+        </p:style>
+      </p:cxnSp>
+    </p:spTree>
+    <p:extLst>
+      <p:ext uri="{BB962C8B-B14F-4D97-AF65-F5344CB8AC3E}">
+        <p14:creationId xmlns:p14="http://schemas.microsoft.com/office/powerpoint/2010/main" val="3831357064"/>
+      </p:ext>
+    </p:extLst>
   </p:cSld>
   <p:clrMapOvr>
     <a:masterClrMapping/>

--- a/graphics.pptx
+++ b/graphics.pptx
@@ -6,7 +6,7 @@
     <p:sldMasterId id="2147483663" r:id="rId2"/>
   </p:sldMasterIdLst>
   <p:notesMasterIdLst>
-    <p:notesMasterId r:id="rId20"/>
+    <p:notesMasterId r:id="rId21"/>
   </p:notesMasterIdLst>
   <p:sldIdLst>
     <p:sldId id="256" r:id="rId3"/>
@@ -25,7 +25,8 @@
     <p:sldId id="275" r:id="rId16"/>
     <p:sldId id="276" r:id="rId17"/>
     <p:sldId id="277" r:id="rId18"/>
-    <p:sldId id="266" r:id="rId19"/>
+    <p:sldId id="279" r:id="rId19"/>
+    <p:sldId id="266" r:id="rId20"/>
   </p:sldIdLst>
   <p:sldSz cx="8640763" cy="6480175"/>
   <p:notesSz cx="6858000" cy="9144000"/>
@@ -399,7 +400,7 @@
               <a:pPr>
                 <a:defRPr/>
               </a:pPr>
-              <a:t>03.02.2023</a:t>
+              <a:t>02.03.2023</a:t>
             </a:fld>
             <a:endParaRPr lang="de-DE" altLang="de-DE"/>
           </a:p>
@@ -1071,7 +1072,7 @@
               <a:pPr>
                 <a:defRPr/>
               </a:pPr>
-              <a:t>03.02.2023</a:t>
+              <a:t>02.03.2023</a:t>
             </a:fld>
             <a:endParaRPr lang="de-DE" altLang="de-DE"/>
           </a:p>
@@ -4128,7 +4129,7 @@
             <a:fld id="{0E787D1E-3F06-46AF-A683-FBF877765792}" type="datetime1">
               <a:rPr lang="de-DE" altLang="de-DE" sz="2200"/>
               <a:pPr eaLnBrk="1" hangingPunct="1"/>
-              <a:t>03.02.2023</a:t>
+              <a:t>02.03.2023</a:t>
             </a:fld>
             <a:endParaRPr lang="de-DE" altLang="de-DE" sz="2200"/>
           </a:p>
@@ -6277,6 +6278,66 @@
 </file>
 
 <file path=ppt/slides/slide17.xml><?xml version="1.0" encoding="utf-8"?>
+<p:sld xmlns:a="http://schemas.openxmlformats.org/drawingml/2006/main" xmlns:r="http://schemas.openxmlformats.org/officeDocument/2006/relationships" xmlns:p="http://schemas.openxmlformats.org/presentationml/2006/main">
+  <p:cSld>
+    <p:spTree>
+      <p:nvGrpSpPr>
+        <p:cNvPr id="1" name=""/>
+        <p:cNvGrpSpPr/>
+        <p:nvPr/>
+      </p:nvGrpSpPr>
+      <p:grpSpPr>
+        <a:xfrm>
+          <a:off x="0" y="0"/>
+          <a:ext cx="0" cy="0"/>
+          <a:chOff x="0" y="0"/>
+          <a:chExt cx="0" cy="0"/>
+        </a:xfrm>
+      </p:grpSpPr>
+      <p:pic>
+        <p:nvPicPr>
+          <p:cNvPr id="41" name="Grafik 40">
+            <a:extLst>
+              <a:ext uri="{FF2B5EF4-FFF2-40B4-BE49-F238E27FC236}">
+                <a16:creationId xmlns:a16="http://schemas.microsoft.com/office/drawing/2014/main" id="{72ED72B3-F587-A35C-AA86-72B346B25159}"/>
+              </a:ext>
+            </a:extLst>
+          </p:cNvPr>
+          <p:cNvPicPr>
+            <a:picLocks noChangeAspect="1"/>
+          </p:cNvPicPr>
+          <p:nvPr/>
+        </p:nvPicPr>
+        <p:blipFill>
+          <a:blip r:embed="rId2"/>
+          <a:stretch>
+            <a:fillRect/>
+          </a:stretch>
+        </p:blipFill>
+        <p:spPr>
+          <a:xfrm>
+            <a:off x="71195" y="1958474"/>
+            <a:ext cx="8498372" cy="2563226"/>
+          </a:xfrm>
+          <a:prstGeom prst="rect">
+            <a:avLst/>
+          </a:prstGeom>
+        </p:spPr>
+      </p:pic>
+    </p:spTree>
+    <p:extLst>
+      <p:ext uri="{BB962C8B-B14F-4D97-AF65-F5344CB8AC3E}">
+        <p14:creationId xmlns:p14="http://schemas.microsoft.com/office/powerpoint/2010/main" val="1806497301"/>
+      </p:ext>
+    </p:extLst>
+  </p:cSld>
+  <p:clrMapOvr>
+    <a:masterClrMapping/>
+  </p:clrMapOvr>
+</p:sld>
+</file>
+
+<file path=ppt/slides/slide18.xml><?xml version="1.0" encoding="utf-8"?>
 <p:sld xmlns:a="http://schemas.openxmlformats.org/drawingml/2006/main" xmlns:r="http://schemas.openxmlformats.org/officeDocument/2006/relationships" xmlns:p="http://schemas.openxmlformats.org/presentationml/2006/main">
   <p:cSld>
     <p:spTree>

--- a/graphics.pptx
+++ b/graphics.pptx
@@ -400,7 +400,7 @@
               <a:pPr>
                 <a:defRPr/>
               </a:pPr>
-              <a:t>02.03.2023</a:t>
+              <a:t>06.03.2023</a:t>
             </a:fld>
             <a:endParaRPr lang="de-DE" altLang="de-DE"/>
           </a:p>
@@ -1072,7 +1072,7 @@
               <a:pPr>
                 <a:defRPr/>
               </a:pPr>
-              <a:t>02.03.2023</a:t>
+              <a:t>06.03.2023</a:t>
             </a:fld>
             <a:endParaRPr lang="de-DE" altLang="de-DE"/>
           </a:p>
@@ -4129,7 +4129,7 @@
             <a:fld id="{0E787D1E-3F06-46AF-A683-FBF877765792}" type="datetime1">
               <a:rPr lang="de-DE" altLang="de-DE" sz="2200"/>
               <a:pPr eaLnBrk="1" hangingPunct="1"/>
-              <a:t>02.03.2023</a:t>
+              <a:t>06.03.2023</a:t>
             </a:fld>
             <a:endParaRPr lang="de-DE" altLang="de-DE" sz="2200"/>
           </a:p>
@@ -6296,10 +6296,10 @@
       </p:grpSpPr>
       <p:pic>
         <p:nvPicPr>
-          <p:cNvPr id="41" name="Grafik 40">
-            <a:extLst>
-              <a:ext uri="{FF2B5EF4-FFF2-40B4-BE49-F238E27FC236}">
-                <a16:creationId xmlns:a16="http://schemas.microsoft.com/office/drawing/2014/main" id="{72ED72B3-F587-A35C-AA86-72B346B25159}"/>
+          <p:cNvPr id="2" name="Grafik 1">
+            <a:extLst>
+              <a:ext uri="{FF2B5EF4-FFF2-40B4-BE49-F238E27FC236}">
+                <a16:creationId xmlns:a16="http://schemas.microsoft.com/office/drawing/2014/main" id="{812109F1-EECA-BEC3-FA14-38ABAC2A4A09}"/>
               </a:ext>
             </a:extLst>
           </p:cNvPr>
@@ -12937,7 +12937,7 @@
                 </a:solidFill>
                 <a:latin typeface="Baskerville Old Face" panose="02020602080505020303" pitchFamily="18" charset="0"/>
               </a:rPr>
-              <a:t>Occurences</a:t>
+              <a:t>Occurrences</a:t>
             </a:r>
             <a:r>
               <a:rPr lang="de-DE" dirty="0">
@@ -13193,7 +13193,7 @@
           </a:solidFill>
           <a:ln>
             <a:solidFill>
-              <a:srgbClr val="36060A"/>
+              <a:srgbClr val="040936"/>
             </a:solidFill>
           </a:ln>
         </p:spPr>
